--- a/BEM - Block Element Modifier.pptx
+++ b/BEM - Block Element Modifier.pptx
@@ -16,25 +16,26 @@
     <p:sldId id="261" r:id="rId10"/>
     <p:sldId id="262" r:id="rId11"/>
     <p:sldId id="263" r:id="rId12"/>
+    <p:sldId id="264" r:id="rId13"/>
   </p:sldIdLst>
   <p:sldSz cy="5143500" cx="9144000"/>
   <p:notesSz cx="6858000" cy="9144000"/>
   <p:embeddedFontLst>
     <p:embeddedFont>
       <p:font typeface="Lobster"/>
-      <p:regular r:id="rId13"/>
+      <p:regular r:id="rId14"/>
     </p:embeddedFont>
     <p:embeddedFont>
       <p:font typeface="Fira Code"/>
-      <p:regular r:id="rId14"/>
-      <p:bold r:id="rId15"/>
+      <p:regular r:id="rId15"/>
+      <p:bold r:id="rId16"/>
     </p:embeddedFont>
     <p:embeddedFont>
       <p:font typeface="Roboto Mono"/>
-      <p:regular r:id="rId16"/>
-      <p:bold r:id="rId17"/>
-      <p:italic r:id="rId18"/>
-      <p:boldItalic r:id="rId19"/>
+      <p:regular r:id="rId17"/>
+      <p:bold r:id="rId18"/>
+      <p:italic r:id="rId19"/>
+      <p:boldItalic r:id="rId20"/>
     </p:embeddedFont>
   </p:embeddedFontLst>
   <p:defaultTextStyle>
@@ -1011,7 +1012,7 @@
       </p:grpSpPr>
       <p:sp>
         <p:nvSpPr>
-          <p:cNvPr id="553" name="Google Shape;553;ge7b3cc9d39_0_0:notes"/>
+          <p:cNvPr id="553" name="Google Shape;553;g1ea224dae27_0_0:notes"/>
           <p:cNvSpPr/>
           <p:nvPr>
             <p:ph idx="2" type="sldImg"/>
@@ -1046,7 +1047,7 @@
       </p:sp>
       <p:sp>
         <p:nvSpPr>
-          <p:cNvPr id="554" name="Google Shape;554;ge7b3cc9d39_0_0:notes"/>
+          <p:cNvPr id="554" name="Google Shape;554;g1ea224dae27_0_0:notes"/>
           <p:cNvSpPr txBox="1"/>
           <p:nvPr>
             <p:ph idx="1" type="body"/>
@@ -1096,7 +1097,7 @@
   <p:cSld>
     <p:spTree>
       <p:nvGrpSpPr>
-        <p:cNvPr id="581" name="Shape 581"/>
+        <p:cNvPr id="579" name="Shape 579"/>
         <p:cNvGrpSpPr/>
         <p:nvPr/>
       </p:nvGrpSpPr>
@@ -1110,7 +1111,7 @@
       </p:grpSpPr>
       <p:sp>
         <p:nvSpPr>
-          <p:cNvPr id="582" name="Google Shape;582;ge7b3cc9d39_0_5:notes"/>
+          <p:cNvPr id="580" name="Google Shape;580;ge7b3cc9d39_0_0:notes"/>
           <p:cNvSpPr/>
           <p:nvPr>
             <p:ph idx="2" type="sldImg"/>
@@ -1145,7 +1146,7 @@
       </p:sp>
       <p:sp>
         <p:nvSpPr>
-          <p:cNvPr id="583" name="Google Shape;583;ge7b3cc9d39_0_5:notes"/>
+          <p:cNvPr id="581" name="Google Shape;581;ge7b3cc9d39_0_0:notes"/>
           <p:cNvSpPr txBox="1"/>
           <p:nvPr>
             <p:ph idx="1" type="body"/>
@@ -1195,7 +1196,7 @@
   <p:cSld>
     <p:spTree>
       <p:nvGrpSpPr>
-        <p:cNvPr id="612" name="Shape 612"/>
+        <p:cNvPr id="608" name="Shape 608"/>
         <p:cNvGrpSpPr/>
         <p:nvPr/>
       </p:nvGrpSpPr>
@@ -1209,7 +1210,7 @@
       </p:grpSpPr>
       <p:sp>
         <p:nvSpPr>
-          <p:cNvPr id="613" name="Google Shape;613;ge7f9c668d6_0_1052:notes"/>
+          <p:cNvPr id="609" name="Google Shape;609;ge7b3cc9d39_0_5:notes"/>
           <p:cNvSpPr/>
           <p:nvPr>
             <p:ph idx="2" type="sldImg"/>
@@ -1244,7 +1245,7 @@
       </p:sp>
       <p:sp>
         <p:nvSpPr>
-          <p:cNvPr id="614" name="Google Shape;614;ge7f9c668d6_0_1052:notes"/>
+          <p:cNvPr id="610" name="Google Shape;610;ge7b3cc9d39_0_5:notes"/>
           <p:cNvSpPr txBox="1"/>
           <p:nvPr>
             <p:ph idx="1" type="body"/>
@@ -1294,7 +1295,7 @@
   <p:cSld>
     <p:spTree>
       <p:nvGrpSpPr>
-        <p:cNvPr id="644" name="Shape 644"/>
+        <p:cNvPr id="639" name="Shape 639"/>
         <p:cNvGrpSpPr/>
         <p:nvPr/>
       </p:nvGrpSpPr>
@@ -1308,7 +1309,7 @@
       </p:grpSpPr>
       <p:sp>
         <p:nvSpPr>
-          <p:cNvPr id="645" name="Google Shape;645;ge7f9c668d6_0_6:notes"/>
+          <p:cNvPr id="640" name="Google Shape;640;ge7f9c668d6_0_1052:notes"/>
           <p:cNvSpPr/>
           <p:nvPr>
             <p:ph idx="2" type="sldImg"/>
@@ -1343,7 +1344,7 @@
       </p:sp>
       <p:sp>
         <p:nvSpPr>
-          <p:cNvPr id="646" name="Google Shape;646;ge7f9c668d6_0_6:notes"/>
+          <p:cNvPr id="641" name="Google Shape;641;ge7f9c668d6_0_1052:notes"/>
           <p:cNvSpPr txBox="1"/>
           <p:nvPr>
             <p:ph idx="1" type="body"/>
@@ -1393,7 +1394,7 @@
   <p:cSld>
     <p:spTree>
       <p:nvGrpSpPr>
-        <p:cNvPr id="675" name="Shape 675"/>
+        <p:cNvPr id="671" name="Shape 671"/>
         <p:cNvGrpSpPr/>
         <p:nvPr/>
       </p:nvGrpSpPr>
@@ -1407,7 +1408,7 @@
       </p:grpSpPr>
       <p:sp>
         <p:nvSpPr>
-          <p:cNvPr id="676" name="Google Shape;676;g292b08a37ec_0_8:notes"/>
+          <p:cNvPr id="672" name="Google Shape;672;ge7f9c668d6_0_6:notes"/>
           <p:cNvSpPr/>
           <p:nvPr>
             <p:ph idx="2" type="sldImg"/>
@@ -1442,7 +1443,106 @@
       </p:sp>
       <p:sp>
         <p:nvSpPr>
-          <p:cNvPr id="677" name="Google Shape;677;g292b08a37ec_0_8:notes"/>
+          <p:cNvPr id="673" name="Google Shape;673;ge7f9c668d6_0_6:notes"/>
+          <p:cNvSpPr txBox="1"/>
+          <p:nvPr>
+            <p:ph idx="1" type="body"/>
+          </p:nvPr>
+        </p:nvSpPr>
+        <p:spPr>
+          <a:xfrm>
+            <a:off x="685800" y="4343400"/>
+            <a:ext cx="5486400" cy="4114800"/>
+          </a:xfrm>
+          <a:prstGeom prst="rect">
+            <a:avLst/>
+          </a:prstGeom>
+        </p:spPr>
+        <p:txBody>
+          <a:bodyPr anchorCtr="0" anchor="t" bIns="91425" lIns="91425" spcFirstLastPara="1" rIns="91425" wrap="square" tIns="91425">
+            <a:noAutofit/>
+          </a:bodyPr>
+          <a:lstStyle/>
+          <a:p>
+            <a:pPr indent="0" lvl="0" marL="0" rtl="0" algn="l">
+              <a:spcBef>
+                <a:spcPts val="0"/>
+              </a:spcBef>
+              <a:spcAft>
+                <a:spcPts val="0"/>
+              </a:spcAft>
+              <a:buNone/>
+            </a:pPr>
+            <a:r>
+              <a:t/>
+            </a:r>
+            <a:endParaRPr/>
+          </a:p>
+        </p:txBody>
+      </p:sp>
+    </p:spTree>
+  </p:cSld>
+  <p:clrMapOvr>
+    <a:masterClrMapping/>
+  </p:clrMapOvr>
+</p:notes>
+</file>
+
+<file path=ppt/notesSlides/notesSlide9.xml><?xml version="1.0" encoding="utf-8"?>
+<p:notes xmlns:a="http://schemas.openxmlformats.org/drawingml/2006/main" xmlns:r="http://schemas.openxmlformats.org/officeDocument/2006/relationships" xmlns:mc="http://schemas.openxmlformats.org/markup-compatibility/2006" xmlns:mv="urn:schemas-microsoft-com:mac:vml" xmlns:p="http://schemas.openxmlformats.org/presentationml/2006/main" xmlns:c="http://schemas.openxmlformats.org/drawingml/2006/chart" xmlns:dgm="http://schemas.openxmlformats.org/drawingml/2006/diagram" xmlns:o="urn:schemas-microsoft-com:office:office" xmlns:v="urn:schemas-microsoft-com:vml" xmlns:pvml="urn:schemas-microsoft-com:office:powerpoint" xmlns:com="http://schemas.openxmlformats.org/drawingml/2006/compatibility" xmlns:p14="http://schemas.microsoft.com/office/powerpoint/2010/main" xmlns:p15="http://schemas.microsoft.com/office/powerpoint/2012/main" xmlns:ahyp="http://schemas.microsoft.com/office/drawing/2018/hyperlinkcolor" showMasterPhAnim="0" showMasterSp="0">
+  <p:cSld>
+    <p:spTree>
+      <p:nvGrpSpPr>
+        <p:cNvPr id="702" name="Shape 702"/>
+        <p:cNvGrpSpPr/>
+        <p:nvPr/>
+      </p:nvGrpSpPr>
+      <p:grpSpPr>
+        <a:xfrm>
+          <a:off x="0" y="0"/>
+          <a:ext cx="0" cy="0"/>
+          <a:chOff x="0" y="0"/>
+          <a:chExt cx="0" cy="0"/>
+        </a:xfrm>
+      </p:grpSpPr>
+      <p:sp>
+        <p:nvSpPr>
+          <p:cNvPr id="703" name="Google Shape;703;g292b08a37ec_0_8:notes"/>
+          <p:cNvSpPr/>
+          <p:nvPr>
+            <p:ph idx="2" type="sldImg"/>
+          </p:nvPr>
+        </p:nvSpPr>
+        <p:spPr>
+          <a:xfrm>
+            <a:off x="381300" y="685800"/>
+            <a:ext cx="6096000" cy="3429000"/>
+          </a:xfrm>
+          <a:custGeom>
+            <a:rect b="b" l="l" r="r" t="t"/>
+            <a:pathLst>
+              <a:path extrusionOk="0" h="120000" w="120000">
+                <a:moveTo>
+                  <a:pt x="0" y="0"/>
+                </a:moveTo>
+                <a:lnTo>
+                  <a:pt x="120000" y="0"/>
+                </a:lnTo>
+                <a:lnTo>
+                  <a:pt x="120000" y="120000"/>
+                </a:lnTo>
+                <a:lnTo>
+                  <a:pt x="0" y="120000"/>
+                </a:lnTo>
+                <a:close/>
+              </a:path>
+            </a:pathLst>
+          </a:custGeom>
+        </p:spPr>
+      </p:sp>
+      <p:sp>
+        <p:nvSpPr>
+          <p:cNvPr id="704" name="Google Shape;704;g292b08a37ec_0_8:notes"/>
           <p:cNvSpPr txBox="1"/>
           <p:nvPr>
             <p:ph idx="1" type="body"/>
@@ -41670,20 +41770,12 @@
               <a:t> </a:t>
             </a:r>
             <a:r>
-              <a:rPr lang="en" sz="1400"/>
-              <a:t>introducao</a:t>
-            </a:r>
-            <a:r>
               <a:rPr lang="en" sz="1400">
                 <a:solidFill>
                   <a:schemeClr val="accent3"/>
                 </a:solidFill>
               </a:rPr>
-              <a:t>.</a:t>
-            </a:r>
-            <a:r>
-              <a:rPr lang="en" sz="1400"/>
-              <a:t>css</a:t>
+              <a:t>introducao.css</a:t>
             </a:r>
             <a:endParaRPr sz="1400">
               <a:solidFill>
@@ -41747,16 +41839,12 @@
               <a:t> </a:t>
             </a:r>
             <a:r>
-              <a:rPr lang="en" sz="1400"/>
-              <a:t>oQueSao</a:t>
-            </a:r>
-            <a:r>
               <a:rPr lang="en" sz="1400">
                 <a:solidFill>
                   <a:schemeClr val="accent3"/>
                 </a:solidFill>
               </a:rPr>
-              <a:t>.css</a:t>
+              <a:t>oQueSao.css</a:t>
             </a:r>
             <a:endParaRPr sz="1400">
               <a:solidFill>
@@ -41820,16 +41908,12 @@
               <a:t> </a:t>
             </a:r>
             <a:r>
-              <a:rPr lang="en" sz="1400"/>
-              <a:t>padroes</a:t>
-            </a:r>
-            <a:r>
               <a:rPr lang="en" sz="1400">
                 <a:solidFill>
                   <a:schemeClr val="accent3"/>
                 </a:solidFill>
               </a:rPr>
-              <a:t>.css</a:t>
+              <a:t>padroes.css</a:t>
             </a:r>
             <a:endParaRPr sz="1400">
               <a:solidFill>
@@ -41884,20 +41968,12 @@
               <a:t>&lt;&gt; </a:t>
             </a:r>
             <a:r>
-              <a:rPr lang="en" sz="1400"/>
-              <a:t>exemplos</a:t>
-            </a:r>
-            <a:r>
               <a:rPr lang="en" sz="1400">
                 <a:solidFill>
                   <a:schemeClr val="accent3"/>
                 </a:solidFill>
               </a:rPr>
-              <a:t>.</a:t>
-            </a:r>
-            <a:r>
-              <a:rPr lang="en" sz="1400"/>
-              <a:t>html</a:t>
+              <a:t>exemplos.html</a:t>
             </a:r>
             <a:endParaRPr sz="1400">
               <a:solidFill>
@@ -41941,6 +42017,1778 @@
           </p:nvPr>
         </p:nvSpPr>
         <p:spPr>
+          <a:xfrm>
+            <a:off x="1571975" y="1073550"/>
+            <a:ext cx="7290600" cy="541200"/>
+          </a:xfrm>
+          <a:prstGeom prst="rect">
+            <a:avLst/>
+          </a:prstGeom>
+        </p:spPr>
+        <p:txBody>
+          <a:bodyPr anchorCtr="0" anchor="t" bIns="91425" lIns="91425" spcFirstLastPara="1" rIns="91425" wrap="square" tIns="91425">
+            <a:noAutofit/>
+          </a:bodyPr>
+          <a:lstStyle/>
+          <a:p>
+            <a:pPr indent="0" lvl="0" marL="0" rtl="0" algn="l">
+              <a:spcBef>
+                <a:spcPts val="0"/>
+              </a:spcBef>
+              <a:spcAft>
+                <a:spcPts val="0"/>
+              </a:spcAft>
+              <a:buNone/>
+            </a:pPr>
+            <a:r>
+              <a:rPr lang="en">
+                <a:solidFill>
+                  <a:schemeClr val="accent2"/>
+                </a:solidFill>
+              </a:rPr>
+              <a:t>Objetivo</a:t>
+            </a:r>
+            <a:r>
+              <a:rPr lang="en">
+                <a:solidFill>
+                  <a:schemeClr val="accent3"/>
+                </a:solidFill>
+              </a:rPr>
+              <a:t>;</a:t>
+            </a:r>
+            <a:endParaRPr>
+              <a:solidFill>
+                <a:schemeClr val="accent3"/>
+              </a:solidFill>
+            </a:endParaRPr>
+          </a:p>
+        </p:txBody>
+      </p:sp>
+      <p:sp>
+        <p:nvSpPr>
+          <p:cNvPr id="557" name="Google Shape;557;p28"/>
+          <p:cNvSpPr txBox="1"/>
+          <p:nvPr>
+            <p:ph idx="1" type="body"/>
+          </p:nvPr>
+        </p:nvSpPr>
+        <p:spPr>
+          <a:xfrm>
+            <a:off x="1464250" y="1726225"/>
+            <a:ext cx="6969600" cy="2613000"/>
+          </a:xfrm>
+          <a:prstGeom prst="rect">
+            <a:avLst/>
+          </a:prstGeom>
+          <a:ln cap="flat" cmpd="sng" w="9525">
+            <a:solidFill>
+              <a:schemeClr val="dk1"/>
+            </a:solidFill>
+            <a:prstDash val="solid"/>
+            <a:round/>
+            <a:headEnd len="sm" w="sm" type="none"/>
+            <a:tailEnd len="sm" w="sm" type="none"/>
+          </a:ln>
+        </p:spPr>
+        <p:txBody>
+          <a:bodyPr anchorCtr="0" anchor="ctr" bIns="91425" lIns="91425" spcFirstLastPara="1" rIns="91425" wrap="square" tIns="91425">
+            <a:noAutofit/>
+          </a:bodyPr>
+          <a:lstStyle/>
+          <a:p>
+            <a:pPr indent="0" lvl="0" marL="0" rtl="0" algn="l">
+              <a:spcBef>
+                <a:spcPts val="0"/>
+              </a:spcBef>
+              <a:spcAft>
+                <a:spcPts val="0"/>
+              </a:spcAft>
+              <a:buNone/>
+            </a:pPr>
+            <a:r>
+              <a:rPr lang="en" sz="1300">
+                <a:solidFill>
+                  <a:srgbClr val="DF3079"/>
+                </a:solidFill>
+                <a:highlight>
+                  <a:schemeClr val="dk1"/>
+                </a:highlight>
+              </a:rPr>
+              <a:t>.topicos</a:t>
+            </a:r>
+            <a:r>
+              <a:rPr lang="en" sz="1300">
+                <a:solidFill>
+                  <a:srgbClr val="FFFFFF"/>
+                </a:solidFill>
+                <a:highlight>
+                  <a:schemeClr val="dk1"/>
+                </a:highlight>
+              </a:rPr>
+              <a:t> {</a:t>
+            </a:r>
+            <a:endParaRPr sz="1300">
+              <a:solidFill>
+                <a:schemeClr val="accent3"/>
+              </a:solidFill>
+              <a:highlight>
+                <a:schemeClr val="dk1"/>
+              </a:highlight>
+            </a:endParaRPr>
+          </a:p>
+          <a:p>
+            <a:pPr indent="457200" lvl="0" marL="0" rtl="0" algn="l">
+              <a:spcBef>
+                <a:spcPts val="1200"/>
+              </a:spcBef>
+              <a:spcAft>
+                <a:spcPts val="0"/>
+              </a:spcAft>
+              <a:buNone/>
+            </a:pPr>
+            <a:r>
+              <a:rPr lang="en" sz="1200">
+                <a:solidFill>
+                  <a:schemeClr val="accent3"/>
+                </a:solidFill>
+                <a:highlight>
+                  <a:schemeClr val="dk1"/>
+                </a:highlight>
+              </a:rPr>
+              <a:t>-</a:t>
+            </a:r>
+            <a:r>
+              <a:rPr lang="en" sz="1200">
+                <a:solidFill>
+                  <a:schemeClr val="accent3"/>
+                </a:solidFill>
+              </a:rPr>
+              <a:t>Desenvolvimento </a:t>
+            </a:r>
+            <a:r>
+              <a:rPr lang="en" sz="1200">
+                <a:solidFill>
+                  <a:schemeClr val="accent1"/>
+                </a:solidFill>
+              </a:rPr>
+              <a:t>rápido</a:t>
+            </a:r>
+            <a:r>
+              <a:rPr lang="en" sz="1200">
+                <a:solidFill>
+                  <a:schemeClr val="accent3"/>
+                </a:solidFill>
+              </a:rPr>
+              <a:t> e </a:t>
+            </a:r>
+            <a:r>
+              <a:rPr lang="en" sz="1200">
+                <a:solidFill>
+                  <a:schemeClr val="accent1"/>
+                </a:solidFill>
+              </a:rPr>
+              <a:t>resultados duradouros</a:t>
+            </a:r>
+            <a:r>
+              <a:rPr lang="en" sz="1200">
+                <a:solidFill>
+                  <a:schemeClr val="accent3"/>
+                </a:solidFill>
+              </a:rPr>
+              <a:t> de padronização.</a:t>
+            </a:r>
+            <a:endParaRPr sz="1200">
+              <a:solidFill>
+                <a:schemeClr val="accent3"/>
+              </a:solidFill>
+            </a:endParaRPr>
+          </a:p>
+          <a:p>
+            <a:pPr indent="0" lvl="0" marL="457200" rtl="0" algn="l">
+              <a:spcBef>
+                <a:spcPts val="1200"/>
+              </a:spcBef>
+              <a:spcAft>
+                <a:spcPts val="0"/>
+              </a:spcAft>
+              <a:buNone/>
+            </a:pPr>
+            <a:r>
+              <a:rPr lang="en" sz="1200">
+                <a:solidFill>
+                  <a:schemeClr val="accent3"/>
+                </a:solidFill>
+              </a:rPr>
+              <a:t>-Um </a:t>
+            </a:r>
+            <a:r>
+              <a:rPr lang="en" sz="1200">
+                <a:solidFill>
+                  <a:schemeClr val="accent1"/>
+                </a:solidFill>
+              </a:rPr>
+              <a:t>projeto </a:t>
+            </a:r>
+            <a:r>
+              <a:rPr lang="en" sz="1200">
+                <a:solidFill>
+                  <a:schemeClr val="accent3"/>
+                </a:solidFill>
+              </a:rPr>
+              <a:t>pode envolver muitas pessoas.</a:t>
+            </a:r>
+            <a:endParaRPr sz="1200">
+              <a:solidFill>
+                <a:schemeClr val="accent3"/>
+              </a:solidFill>
+            </a:endParaRPr>
+          </a:p>
+          <a:p>
+            <a:pPr indent="0" lvl="0" marL="457200" rtl="0" algn="l">
+              <a:spcBef>
+                <a:spcPts val="1200"/>
+              </a:spcBef>
+              <a:spcAft>
+                <a:spcPts val="0"/>
+              </a:spcAft>
+              <a:buNone/>
+            </a:pPr>
+            <a:r>
+              <a:rPr lang="en" sz="1200">
+                <a:solidFill>
+                  <a:schemeClr val="accent3"/>
+                </a:solidFill>
+              </a:rPr>
+              <a:t>-</a:t>
+            </a:r>
+            <a:r>
+              <a:rPr lang="en" sz="1200">
+                <a:solidFill>
+                  <a:schemeClr val="accent1"/>
+                </a:solidFill>
+              </a:rPr>
+              <a:t>Equipes</a:t>
+            </a:r>
+            <a:r>
+              <a:rPr lang="en" sz="1200">
+                <a:solidFill>
+                  <a:schemeClr val="accent3"/>
+                </a:solidFill>
+              </a:rPr>
+              <a:t> escaláveis. </a:t>
+            </a:r>
+            <a:endParaRPr sz="1200">
+              <a:solidFill>
+                <a:schemeClr val="accent3"/>
+              </a:solidFill>
+            </a:endParaRPr>
+          </a:p>
+          <a:p>
+            <a:pPr indent="0" lvl="0" marL="457200" rtl="0" algn="l">
+              <a:spcBef>
+                <a:spcPts val="1200"/>
+              </a:spcBef>
+              <a:spcAft>
+                <a:spcPts val="0"/>
+              </a:spcAft>
+              <a:buNone/>
+            </a:pPr>
+            <a:r>
+              <a:rPr lang="en" sz="1200">
+                <a:solidFill>
+                  <a:schemeClr val="accent3"/>
+                </a:solidFill>
+              </a:rPr>
+              <a:t>-A </a:t>
+            </a:r>
+            <a:r>
+              <a:rPr lang="en" sz="1200">
+                <a:solidFill>
+                  <a:schemeClr val="accent1"/>
+                </a:solidFill>
+              </a:rPr>
+              <a:t>reutilização </a:t>
+            </a:r>
+            <a:r>
+              <a:rPr lang="en" sz="1200">
+                <a:solidFill>
+                  <a:schemeClr val="accent3"/>
+                </a:solidFill>
+              </a:rPr>
+              <a:t>de código. </a:t>
+            </a:r>
+            <a:endParaRPr sz="1200">
+              <a:solidFill>
+                <a:schemeClr val="accent3"/>
+              </a:solidFill>
+            </a:endParaRPr>
+          </a:p>
+          <a:p>
+            <a:pPr indent="0" lvl="0" marL="0" rtl="0" algn="l">
+              <a:spcBef>
+                <a:spcPts val="1200"/>
+              </a:spcBef>
+              <a:spcAft>
+                <a:spcPts val="0"/>
+              </a:spcAft>
+              <a:buNone/>
+            </a:pPr>
+            <a:r>
+              <a:rPr lang="en" sz="1300">
+                <a:solidFill>
+                  <a:schemeClr val="accent3"/>
+                </a:solidFill>
+                <a:highlight>
+                  <a:schemeClr val="dk1"/>
+                </a:highlight>
+              </a:rPr>
+              <a:t>}</a:t>
+            </a:r>
+            <a:endParaRPr sz="1300">
+              <a:solidFill>
+                <a:schemeClr val="accent3"/>
+              </a:solidFill>
+              <a:highlight>
+                <a:schemeClr val="dk1"/>
+              </a:highlight>
+            </a:endParaRPr>
+          </a:p>
+          <a:p>
+            <a:pPr indent="0" lvl="0" marL="457200" rtl="0" algn="l">
+              <a:spcBef>
+                <a:spcPts val="1200"/>
+              </a:spcBef>
+              <a:spcAft>
+                <a:spcPts val="1200"/>
+              </a:spcAft>
+              <a:buNone/>
+            </a:pPr>
+            <a:r>
+              <a:t/>
+            </a:r>
+            <a:endParaRPr>
+              <a:solidFill>
+                <a:schemeClr val="accent3"/>
+              </a:solidFill>
+            </a:endParaRPr>
+          </a:p>
+        </p:txBody>
+      </p:sp>
+      <p:sp>
+        <p:nvSpPr>
+          <p:cNvPr id="558" name="Google Shape;558;p28"/>
+          <p:cNvSpPr txBox="1"/>
+          <p:nvPr>
+            <p:ph idx="4294967295" type="subTitle"/>
+          </p:nvPr>
+        </p:nvSpPr>
+        <p:spPr>
+          <a:xfrm>
+            <a:off x="710125" y="4694725"/>
+            <a:ext cx="4865100" cy="357300"/>
+          </a:xfrm>
+          <a:prstGeom prst="rect">
+            <a:avLst/>
+          </a:prstGeom>
+        </p:spPr>
+        <p:txBody>
+          <a:bodyPr anchorCtr="0" anchor="ctr" bIns="91425" lIns="91425" spcFirstLastPara="1" rIns="91425" wrap="square" tIns="91425">
+            <a:noAutofit/>
+          </a:bodyPr>
+          <a:lstStyle/>
+          <a:p>
+            <a:pPr indent="0" lvl="0" marL="0" rtl="0" algn="l">
+              <a:spcBef>
+                <a:spcPts val="0"/>
+              </a:spcBef>
+              <a:spcAft>
+                <a:spcPts val="0"/>
+              </a:spcAft>
+              <a:buNone/>
+            </a:pPr>
+            <a:r>
+              <a:rPr lang="en" sz="1400">
+                <a:solidFill>
+                  <a:schemeClr val="accent3"/>
+                </a:solidFill>
+              </a:rPr>
+              <a:t>Programming Language</a:t>
+            </a:r>
+            <a:endParaRPr sz="1400">
+              <a:solidFill>
+                <a:schemeClr val="accent3"/>
+              </a:solidFill>
+            </a:endParaRPr>
+          </a:p>
+        </p:txBody>
+      </p:sp>
+      <p:sp>
+        <p:nvSpPr>
+          <p:cNvPr id="559" name="Google Shape;559;p28"/>
+          <p:cNvSpPr txBox="1"/>
+          <p:nvPr>
+            <p:ph idx="4294967295" type="subTitle"/>
+          </p:nvPr>
+        </p:nvSpPr>
+        <p:spPr>
+          <a:xfrm>
+            <a:off x="-5975" y="91525"/>
+            <a:ext cx="4572000" cy="357300"/>
+          </a:xfrm>
+          <a:prstGeom prst="rect">
+            <a:avLst/>
+          </a:prstGeom>
+        </p:spPr>
+        <p:txBody>
+          <a:bodyPr anchorCtr="0" anchor="ctr" bIns="91425" lIns="91425" spcFirstLastPara="1" rIns="91425" wrap="square" tIns="91425">
+            <a:noAutofit/>
+          </a:bodyPr>
+          <a:lstStyle/>
+          <a:p>
+            <a:pPr indent="0" lvl="0" marL="0" rtl="0" algn="ctr">
+              <a:spcBef>
+                <a:spcPts val="0"/>
+              </a:spcBef>
+              <a:spcAft>
+                <a:spcPts val="0"/>
+              </a:spcAft>
+              <a:buNone/>
+            </a:pPr>
+            <a:r>
+              <a:rPr lang="en">
+                <a:solidFill>
+                  <a:schemeClr val="accent3"/>
+                </a:solidFill>
+              </a:rPr>
+              <a:t>introducao</a:t>
+            </a:r>
+            <a:r>
+              <a:rPr lang="en" sz="1400">
+                <a:solidFill>
+                  <a:schemeClr val="accent3"/>
+                </a:solidFill>
+              </a:rPr>
+              <a:t>.html</a:t>
+            </a:r>
+            <a:endParaRPr sz="1400">
+              <a:solidFill>
+                <a:schemeClr val="accent3"/>
+              </a:solidFill>
+            </a:endParaRPr>
+          </a:p>
+        </p:txBody>
+      </p:sp>
+      <p:sp>
+        <p:nvSpPr>
+          <p:cNvPr id="560" name="Google Shape;560;p28"/>
+          <p:cNvSpPr txBox="1"/>
+          <p:nvPr>
+            <p:ph idx="4294967295" type="subTitle"/>
+          </p:nvPr>
+        </p:nvSpPr>
+        <p:spPr>
+          <a:xfrm>
+            <a:off x="4572000" y="91525"/>
+            <a:ext cx="4572000" cy="357300"/>
+          </a:xfrm>
+          <a:prstGeom prst="rect">
+            <a:avLst/>
+          </a:prstGeom>
+        </p:spPr>
+        <p:txBody>
+          <a:bodyPr anchorCtr="0" anchor="ctr" bIns="91425" lIns="91425" spcFirstLastPara="1" rIns="91425" wrap="square" tIns="91425">
+            <a:noAutofit/>
+          </a:bodyPr>
+          <a:lstStyle/>
+          <a:p>
+            <a:pPr indent="0" lvl="0" marL="0" rtl="0" algn="ctr">
+              <a:spcBef>
+                <a:spcPts val="0"/>
+              </a:spcBef>
+              <a:spcAft>
+                <a:spcPts val="0"/>
+              </a:spcAft>
+              <a:buNone/>
+            </a:pPr>
+            <a:r>
+              <a:rPr lang="en">
+                <a:solidFill>
+                  <a:schemeClr val="accent3"/>
+                </a:solidFill>
+              </a:rPr>
+              <a:t>padraoBEM</a:t>
+            </a:r>
+            <a:r>
+              <a:rPr lang="en" sz="1400">
+                <a:solidFill>
+                  <a:schemeClr val="accent3"/>
+                </a:solidFill>
+              </a:rPr>
+              <a:t>.css</a:t>
+            </a:r>
+            <a:endParaRPr sz="1400">
+              <a:solidFill>
+                <a:schemeClr val="accent3"/>
+              </a:solidFill>
+            </a:endParaRPr>
+          </a:p>
+        </p:txBody>
+      </p:sp>
+      <p:sp>
+        <p:nvSpPr>
+          <p:cNvPr id="561" name="Google Shape;561;p28"/>
+          <p:cNvSpPr txBox="1"/>
+          <p:nvPr>
+            <p:ph idx="4294967295" type="subTitle"/>
+          </p:nvPr>
+        </p:nvSpPr>
+        <p:spPr>
+          <a:xfrm>
+            <a:off x="710125" y="4694725"/>
+            <a:ext cx="8267400" cy="357300"/>
+          </a:xfrm>
+          <a:prstGeom prst="rect">
+            <a:avLst/>
+          </a:prstGeom>
+        </p:spPr>
+        <p:txBody>
+          <a:bodyPr anchorCtr="0" anchor="ctr" bIns="91425" lIns="91425" spcFirstLastPara="1" rIns="91425" wrap="square" tIns="91425">
+            <a:noAutofit/>
+          </a:bodyPr>
+          <a:lstStyle/>
+          <a:p>
+            <a:pPr indent="0" lvl="0" marL="0" rtl="0" algn="l">
+              <a:spcBef>
+                <a:spcPts val="0"/>
+              </a:spcBef>
+              <a:spcAft>
+                <a:spcPts val="1200"/>
+              </a:spcAft>
+              <a:buNone/>
+            </a:pPr>
+            <a:r>
+              <a:rPr lang="en" sz="1400">
+                <a:solidFill>
+                  <a:schemeClr val="accent3"/>
+                </a:solidFill>
+              </a:rPr>
+              <a:t>Programming Language</a:t>
+            </a:r>
+            <a:r>
+              <a:rPr lang="en">
+                <a:solidFill>
+                  <a:schemeClr val="accent3"/>
+                </a:solidFill>
+              </a:rPr>
+              <a:t>                                               CSS</a:t>
+            </a:r>
+            <a:r>
+              <a:rPr lang="en" sz="1400">
+                <a:solidFill>
+                  <a:schemeClr val="accent3"/>
+                </a:solidFill>
+              </a:rPr>
+              <a:t> 💁‍♂️</a:t>
+            </a:r>
+            <a:endParaRPr sz="1400">
+              <a:solidFill>
+                <a:schemeClr val="accent3"/>
+              </a:solidFill>
+            </a:endParaRPr>
+          </a:p>
+        </p:txBody>
+      </p:sp>
+      <p:sp>
+        <p:nvSpPr>
+          <p:cNvPr id="562" name="Google Shape;562;p28"/>
+          <p:cNvSpPr txBox="1"/>
+          <p:nvPr>
+            <p:ph idx="1" type="body"/>
+          </p:nvPr>
+        </p:nvSpPr>
+        <p:spPr>
+          <a:xfrm>
+            <a:off x="1464250" y="890550"/>
+            <a:ext cx="6969600" cy="1265700"/>
+          </a:xfrm>
+          <a:prstGeom prst="rect">
+            <a:avLst/>
+          </a:prstGeom>
+          <a:ln cap="flat" cmpd="sng" w="9525">
+            <a:solidFill>
+              <a:schemeClr val="dk1"/>
+            </a:solidFill>
+            <a:prstDash val="solid"/>
+            <a:round/>
+            <a:headEnd len="sm" w="sm" type="none"/>
+            <a:tailEnd len="sm" w="sm" type="none"/>
+          </a:ln>
+        </p:spPr>
+        <p:txBody>
+          <a:bodyPr anchorCtr="0" anchor="ctr" bIns="91425" lIns="91425" spcFirstLastPara="1" rIns="91425" wrap="square" tIns="91425">
+            <a:noAutofit/>
+          </a:bodyPr>
+          <a:lstStyle/>
+          <a:p>
+            <a:pPr indent="0" lvl="0" marL="0" rtl="0" algn="l">
+              <a:spcBef>
+                <a:spcPts val="0"/>
+              </a:spcBef>
+              <a:spcAft>
+                <a:spcPts val="0"/>
+              </a:spcAft>
+              <a:buNone/>
+            </a:pPr>
+            <a:r>
+              <a:rPr lang="en" sz="1300">
+                <a:solidFill>
+                  <a:srgbClr val="DF3079"/>
+                </a:solidFill>
+                <a:highlight>
+                  <a:schemeClr val="dk1"/>
+                </a:highlight>
+              </a:rPr>
+              <a:t>.titulo</a:t>
+            </a:r>
+            <a:r>
+              <a:rPr lang="en" sz="1300">
+                <a:solidFill>
+                  <a:srgbClr val="FFFFFF"/>
+                </a:solidFill>
+                <a:highlight>
+                  <a:schemeClr val="dk1"/>
+                </a:highlight>
+              </a:rPr>
+              <a:t>  {</a:t>
+            </a:r>
+            <a:endParaRPr sz="1300">
+              <a:solidFill>
+                <a:srgbClr val="FFFFFF"/>
+              </a:solidFill>
+              <a:highlight>
+                <a:schemeClr val="dk1"/>
+              </a:highlight>
+            </a:endParaRPr>
+          </a:p>
+          <a:p>
+            <a:pPr indent="0" lvl="0" marL="0" rtl="0" algn="l">
+              <a:spcBef>
+                <a:spcPts val="1200"/>
+              </a:spcBef>
+              <a:spcAft>
+                <a:spcPts val="0"/>
+              </a:spcAft>
+              <a:buNone/>
+            </a:pPr>
+            <a:r>
+              <a:t/>
+            </a:r>
+            <a:endParaRPr sz="1300">
+              <a:solidFill>
+                <a:srgbClr val="FFFFFF"/>
+              </a:solidFill>
+              <a:highlight>
+                <a:schemeClr val="dk1"/>
+              </a:highlight>
+            </a:endParaRPr>
+          </a:p>
+          <a:p>
+            <a:pPr indent="0" lvl="0" marL="0" rtl="0" algn="l">
+              <a:spcBef>
+                <a:spcPts val="1200"/>
+              </a:spcBef>
+              <a:spcAft>
+                <a:spcPts val="0"/>
+              </a:spcAft>
+              <a:buNone/>
+            </a:pPr>
+            <a:r>
+              <a:t/>
+            </a:r>
+            <a:endParaRPr sz="1300">
+              <a:solidFill>
+                <a:srgbClr val="FFFFFF"/>
+              </a:solidFill>
+              <a:highlight>
+                <a:schemeClr val="dk1"/>
+              </a:highlight>
+            </a:endParaRPr>
+          </a:p>
+          <a:p>
+            <a:pPr indent="0" lvl="0" marL="0" rtl="0" algn="l">
+              <a:spcBef>
+                <a:spcPts val="1200"/>
+              </a:spcBef>
+              <a:spcAft>
+                <a:spcPts val="0"/>
+              </a:spcAft>
+              <a:buNone/>
+            </a:pPr>
+            <a:r>
+              <a:rPr lang="en" sz="1300">
+                <a:solidFill>
+                  <a:schemeClr val="accent3"/>
+                </a:solidFill>
+                <a:highlight>
+                  <a:schemeClr val="dk1"/>
+                </a:highlight>
+              </a:rPr>
+              <a:t>}</a:t>
+            </a:r>
+            <a:endParaRPr sz="1300">
+              <a:solidFill>
+                <a:schemeClr val="accent3"/>
+              </a:solidFill>
+              <a:highlight>
+                <a:schemeClr val="dk1"/>
+              </a:highlight>
+            </a:endParaRPr>
+          </a:p>
+          <a:p>
+            <a:pPr indent="0" lvl="0" marL="457200" rtl="0" algn="l">
+              <a:spcBef>
+                <a:spcPts val="1200"/>
+              </a:spcBef>
+              <a:spcAft>
+                <a:spcPts val="1200"/>
+              </a:spcAft>
+              <a:buNone/>
+            </a:pPr>
+            <a:r>
+              <a:t/>
+            </a:r>
+            <a:endParaRPr>
+              <a:solidFill>
+                <a:schemeClr val="accent3"/>
+              </a:solidFill>
+            </a:endParaRPr>
+          </a:p>
+        </p:txBody>
+      </p:sp>
+      <p:sp>
+        <p:nvSpPr>
+          <p:cNvPr id="563" name="Google Shape;563;p28"/>
+          <p:cNvSpPr/>
+          <p:nvPr/>
+        </p:nvSpPr>
+        <p:spPr>
+          <a:xfrm>
+            <a:off x="-2975" y="0"/>
+            <a:ext cx="2285400" cy="517500"/>
+          </a:xfrm>
+          <a:prstGeom prst="rect">
+            <a:avLst/>
+          </a:prstGeom>
+          <a:solidFill>
+            <a:schemeClr val="accent5"/>
+          </a:solidFill>
+          <a:ln cap="flat" cmpd="sng" w="9525">
+            <a:solidFill>
+              <a:schemeClr val="accent4"/>
+            </a:solidFill>
+            <a:prstDash val="solid"/>
+            <a:round/>
+            <a:headEnd len="sm" w="sm" type="none"/>
+            <a:tailEnd len="sm" w="sm" type="none"/>
+          </a:ln>
+        </p:spPr>
+        <p:txBody>
+          <a:bodyPr anchorCtr="0" anchor="ctr" bIns="91425" lIns="91425" spcFirstLastPara="1" rIns="91425" wrap="square" tIns="91425">
+            <a:noAutofit/>
+          </a:bodyPr>
+          <a:lstStyle/>
+          <a:p>
+            <a:pPr indent="0" lvl="0" marL="0" rtl="0" algn="ctr">
+              <a:spcBef>
+                <a:spcPts val="0"/>
+              </a:spcBef>
+              <a:spcAft>
+                <a:spcPts val="0"/>
+              </a:spcAft>
+              <a:buNone/>
+            </a:pPr>
+            <a:r>
+              <a:t/>
+            </a:r>
+            <a:endParaRPr>
+              <a:latin typeface="Fira Code"/>
+              <a:ea typeface="Fira Code"/>
+              <a:cs typeface="Fira Code"/>
+              <a:sym typeface="Fira Code"/>
+            </a:endParaRPr>
+          </a:p>
+        </p:txBody>
+      </p:sp>
+      <p:sp>
+        <p:nvSpPr>
+          <p:cNvPr id="564" name="Google Shape;564;p28"/>
+          <p:cNvSpPr/>
+          <p:nvPr/>
+        </p:nvSpPr>
+        <p:spPr>
+          <a:xfrm>
+            <a:off x="2289600" y="0"/>
+            <a:ext cx="2285400" cy="517500"/>
+          </a:xfrm>
+          <a:prstGeom prst="rect">
+            <a:avLst/>
+          </a:prstGeom>
+          <a:solidFill>
+            <a:schemeClr val="accent5"/>
+          </a:solidFill>
+          <a:ln cap="flat" cmpd="sng" w="9525">
+            <a:solidFill>
+              <a:schemeClr val="accent4"/>
+            </a:solidFill>
+            <a:prstDash val="solid"/>
+            <a:round/>
+            <a:headEnd len="sm" w="sm" type="none"/>
+            <a:tailEnd len="sm" w="sm" type="none"/>
+          </a:ln>
+        </p:spPr>
+        <p:txBody>
+          <a:bodyPr anchorCtr="0" anchor="ctr" bIns="91425" lIns="91425" spcFirstLastPara="1" rIns="91425" wrap="square" tIns="91425">
+            <a:noAutofit/>
+          </a:bodyPr>
+          <a:lstStyle/>
+          <a:p>
+            <a:pPr indent="0" lvl="0" marL="0" rtl="0" algn="ctr">
+              <a:spcBef>
+                <a:spcPts val="0"/>
+              </a:spcBef>
+              <a:spcAft>
+                <a:spcPts val="0"/>
+              </a:spcAft>
+              <a:buNone/>
+            </a:pPr>
+            <a:r>
+              <a:t/>
+            </a:r>
+            <a:endParaRPr>
+              <a:latin typeface="Fira Code"/>
+              <a:ea typeface="Fira Code"/>
+              <a:cs typeface="Fira Code"/>
+              <a:sym typeface="Fira Code"/>
+            </a:endParaRPr>
+          </a:p>
+        </p:txBody>
+      </p:sp>
+      <p:sp>
+        <p:nvSpPr>
+          <p:cNvPr id="565" name="Google Shape;565;p28"/>
+          <p:cNvSpPr/>
+          <p:nvPr/>
+        </p:nvSpPr>
+        <p:spPr>
+          <a:xfrm>
+            <a:off x="4569025" y="0"/>
+            <a:ext cx="2285400" cy="517500"/>
+          </a:xfrm>
+          <a:prstGeom prst="rect">
+            <a:avLst/>
+          </a:prstGeom>
+          <a:solidFill>
+            <a:schemeClr val="accent5"/>
+          </a:solidFill>
+          <a:ln cap="flat" cmpd="sng" w="9525">
+            <a:solidFill>
+              <a:schemeClr val="accent4"/>
+            </a:solidFill>
+            <a:prstDash val="solid"/>
+            <a:round/>
+            <a:headEnd len="sm" w="sm" type="none"/>
+            <a:tailEnd len="sm" w="sm" type="none"/>
+          </a:ln>
+        </p:spPr>
+        <p:txBody>
+          <a:bodyPr anchorCtr="0" anchor="ctr" bIns="91425" lIns="91425" spcFirstLastPara="1" rIns="91425" wrap="square" tIns="91425">
+            <a:noAutofit/>
+          </a:bodyPr>
+          <a:lstStyle/>
+          <a:p>
+            <a:pPr indent="0" lvl="0" marL="0" rtl="0" algn="ctr">
+              <a:spcBef>
+                <a:spcPts val="0"/>
+              </a:spcBef>
+              <a:spcAft>
+                <a:spcPts val="0"/>
+              </a:spcAft>
+              <a:buNone/>
+            </a:pPr>
+            <a:r>
+              <a:t/>
+            </a:r>
+            <a:endParaRPr>
+              <a:latin typeface="Fira Code"/>
+              <a:ea typeface="Fira Code"/>
+              <a:cs typeface="Fira Code"/>
+              <a:sym typeface="Fira Code"/>
+            </a:endParaRPr>
+          </a:p>
+        </p:txBody>
+      </p:sp>
+      <p:sp>
+        <p:nvSpPr>
+          <p:cNvPr id="566" name="Google Shape;566;p28"/>
+          <p:cNvSpPr/>
+          <p:nvPr/>
+        </p:nvSpPr>
+        <p:spPr>
+          <a:xfrm>
+            <a:off x="6854425" y="0"/>
+            <a:ext cx="2285400" cy="517500"/>
+          </a:xfrm>
+          <a:prstGeom prst="rect">
+            <a:avLst/>
+          </a:prstGeom>
+          <a:solidFill>
+            <a:schemeClr val="accent5"/>
+          </a:solidFill>
+          <a:ln cap="flat" cmpd="sng" w="9525">
+            <a:solidFill>
+              <a:schemeClr val="accent4"/>
+            </a:solidFill>
+            <a:prstDash val="solid"/>
+            <a:round/>
+            <a:headEnd len="sm" w="sm" type="none"/>
+            <a:tailEnd len="sm" w="sm" type="none"/>
+          </a:ln>
+        </p:spPr>
+        <p:txBody>
+          <a:bodyPr anchorCtr="0" anchor="ctr" bIns="91425" lIns="91425" spcFirstLastPara="1" rIns="91425" wrap="square" tIns="91425">
+            <a:noAutofit/>
+          </a:bodyPr>
+          <a:lstStyle/>
+          <a:p>
+            <a:pPr indent="0" lvl="0" marL="0" rtl="0" algn="ctr">
+              <a:spcBef>
+                <a:spcPts val="0"/>
+              </a:spcBef>
+              <a:spcAft>
+                <a:spcPts val="0"/>
+              </a:spcAft>
+              <a:buNone/>
+            </a:pPr>
+            <a:r>
+              <a:t/>
+            </a:r>
+            <a:endParaRPr>
+              <a:latin typeface="Fira Code"/>
+              <a:ea typeface="Fira Code"/>
+              <a:cs typeface="Fira Code"/>
+              <a:sym typeface="Fira Code"/>
+            </a:endParaRPr>
+          </a:p>
+        </p:txBody>
+      </p:sp>
+      <p:sp>
+        <p:nvSpPr>
+          <p:cNvPr id="567" name="Google Shape;567;p28"/>
+          <p:cNvSpPr txBox="1"/>
+          <p:nvPr>
+            <p:ph idx="4294967295" type="subTitle"/>
+          </p:nvPr>
+        </p:nvSpPr>
+        <p:spPr>
+          <a:xfrm>
+            <a:off x="54150" y="80100"/>
+            <a:ext cx="2178300" cy="357300"/>
+          </a:xfrm>
+          <a:prstGeom prst="rect">
+            <a:avLst/>
+          </a:prstGeom>
+        </p:spPr>
+        <p:txBody>
+          <a:bodyPr anchorCtr="0" anchor="ctr" bIns="91425" lIns="91425" spcFirstLastPara="1" rIns="91425" wrap="square" tIns="91425">
+            <a:noAutofit/>
+          </a:bodyPr>
+          <a:lstStyle/>
+          <a:p>
+            <a:pPr indent="0" lvl="0" marL="0" rtl="0" algn="ctr">
+              <a:spcBef>
+                <a:spcPts val="0"/>
+              </a:spcBef>
+              <a:spcAft>
+                <a:spcPts val="0"/>
+              </a:spcAft>
+              <a:buNone/>
+            </a:pPr>
+            <a:r>
+              <a:rPr b="1" lang="en" sz="1400">
+                <a:solidFill>
+                  <a:schemeClr val="dk2"/>
+                </a:solidFill>
+                <a:latin typeface="Lobster"/>
+                <a:ea typeface="Lobster"/>
+                <a:cs typeface="Lobster"/>
+                <a:sym typeface="Lobster"/>
+              </a:rPr>
+              <a:t>#</a:t>
+            </a:r>
+            <a:r>
+              <a:rPr b="1" lang="en" sz="1400">
+                <a:latin typeface="Roboto Mono"/>
+                <a:ea typeface="Roboto Mono"/>
+                <a:cs typeface="Roboto Mono"/>
+                <a:sym typeface="Roboto Mono"/>
+              </a:rPr>
+              <a:t> </a:t>
+            </a:r>
+            <a:r>
+              <a:rPr lang="en" sz="1400"/>
+              <a:t>introducao</a:t>
+            </a:r>
+            <a:r>
+              <a:rPr lang="en" sz="1400">
+                <a:solidFill>
+                  <a:schemeClr val="accent3"/>
+                </a:solidFill>
+              </a:rPr>
+              <a:t>.</a:t>
+            </a:r>
+            <a:r>
+              <a:rPr lang="en" sz="1400"/>
+              <a:t>css</a:t>
+            </a:r>
+            <a:endParaRPr sz="1400">
+              <a:solidFill>
+                <a:schemeClr val="accent3"/>
+              </a:solidFill>
+            </a:endParaRPr>
+          </a:p>
+        </p:txBody>
+      </p:sp>
+      <p:sp>
+        <p:nvSpPr>
+          <p:cNvPr id="568" name="Google Shape;568;p28"/>
+          <p:cNvSpPr txBox="1"/>
+          <p:nvPr>
+            <p:ph idx="4294967295" type="subTitle"/>
+          </p:nvPr>
+        </p:nvSpPr>
+        <p:spPr>
+          <a:xfrm>
+            <a:off x="2286000" y="80100"/>
+            <a:ext cx="2285400" cy="357300"/>
+          </a:xfrm>
+          <a:prstGeom prst="rect">
+            <a:avLst/>
+          </a:prstGeom>
+        </p:spPr>
+        <p:txBody>
+          <a:bodyPr anchorCtr="0" anchor="ctr" bIns="91425" lIns="91425" spcFirstLastPara="1" rIns="91425" wrap="square" tIns="91425">
+            <a:noAutofit/>
+          </a:bodyPr>
+          <a:lstStyle/>
+          <a:p>
+            <a:pPr indent="0" lvl="0" marL="0" rtl="0" algn="ctr">
+              <a:spcBef>
+                <a:spcPts val="0"/>
+              </a:spcBef>
+              <a:spcAft>
+                <a:spcPts val="0"/>
+              </a:spcAft>
+              <a:buNone/>
+            </a:pPr>
+            <a:r>
+              <a:rPr b="1" lang="en" sz="1400">
+                <a:solidFill>
+                  <a:schemeClr val="dk2"/>
+                </a:solidFill>
+                <a:latin typeface="Lobster"/>
+                <a:ea typeface="Lobster"/>
+                <a:cs typeface="Lobster"/>
+                <a:sym typeface="Lobster"/>
+              </a:rPr>
+              <a:t>#</a:t>
+            </a:r>
+            <a:r>
+              <a:rPr b="1" lang="en" sz="1400">
+                <a:latin typeface="Roboto Mono"/>
+                <a:ea typeface="Roboto Mono"/>
+                <a:cs typeface="Roboto Mono"/>
+                <a:sym typeface="Roboto Mono"/>
+              </a:rPr>
+              <a:t> </a:t>
+            </a:r>
+            <a:r>
+              <a:rPr lang="en" sz="1400"/>
+              <a:t>oQueSao</a:t>
+            </a:r>
+            <a:r>
+              <a:rPr lang="en" sz="1400">
+                <a:solidFill>
+                  <a:schemeClr val="accent3"/>
+                </a:solidFill>
+              </a:rPr>
+              <a:t>.css</a:t>
+            </a:r>
+            <a:endParaRPr sz="1400">
+              <a:solidFill>
+                <a:schemeClr val="accent3"/>
+              </a:solidFill>
+            </a:endParaRPr>
+          </a:p>
+        </p:txBody>
+      </p:sp>
+      <p:sp>
+        <p:nvSpPr>
+          <p:cNvPr id="569" name="Google Shape;569;p28"/>
+          <p:cNvSpPr txBox="1"/>
+          <p:nvPr>
+            <p:ph idx="4294967295" type="subTitle"/>
+          </p:nvPr>
+        </p:nvSpPr>
+        <p:spPr>
+          <a:xfrm>
+            <a:off x="4569025" y="80100"/>
+            <a:ext cx="2285400" cy="357300"/>
+          </a:xfrm>
+          <a:prstGeom prst="rect">
+            <a:avLst/>
+          </a:prstGeom>
+        </p:spPr>
+        <p:txBody>
+          <a:bodyPr anchorCtr="0" anchor="ctr" bIns="91425" lIns="91425" spcFirstLastPara="1" rIns="91425" wrap="square" tIns="91425">
+            <a:noAutofit/>
+          </a:bodyPr>
+          <a:lstStyle/>
+          <a:p>
+            <a:pPr indent="0" lvl="0" marL="0" rtl="0" algn="ctr">
+              <a:spcBef>
+                <a:spcPts val="0"/>
+              </a:spcBef>
+              <a:spcAft>
+                <a:spcPts val="0"/>
+              </a:spcAft>
+              <a:buNone/>
+            </a:pPr>
+            <a:r>
+              <a:rPr b="1" lang="en" sz="1400">
+                <a:solidFill>
+                  <a:schemeClr val="dk2"/>
+                </a:solidFill>
+                <a:latin typeface="Lobster"/>
+                <a:ea typeface="Lobster"/>
+                <a:cs typeface="Lobster"/>
+                <a:sym typeface="Lobster"/>
+              </a:rPr>
+              <a:t>#</a:t>
+            </a:r>
+            <a:r>
+              <a:rPr b="1" lang="en" sz="1400">
+                <a:latin typeface="Roboto Mono"/>
+                <a:ea typeface="Roboto Mono"/>
+                <a:cs typeface="Roboto Mono"/>
+                <a:sym typeface="Roboto Mono"/>
+              </a:rPr>
+              <a:t> </a:t>
+            </a:r>
+            <a:r>
+              <a:rPr lang="en" sz="1400"/>
+              <a:t>padroes</a:t>
+            </a:r>
+            <a:r>
+              <a:rPr lang="en" sz="1400">
+                <a:solidFill>
+                  <a:schemeClr val="accent3"/>
+                </a:solidFill>
+              </a:rPr>
+              <a:t>.css</a:t>
+            </a:r>
+            <a:endParaRPr sz="1400">
+              <a:solidFill>
+                <a:schemeClr val="accent3"/>
+              </a:solidFill>
+            </a:endParaRPr>
+          </a:p>
+        </p:txBody>
+      </p:sp>
+      <p:sp>
+        <p:nvSpPr>
+          <p:cNvPr id="570" name="Google Shape;570;p28"/>
+          <p:cNvSpPr txBox="1"/>
+          <p:nvPr>
+            <p:ph idx="4294967295" type="subTitle"/>
+          </p:nvPr>
+        </p:nvSpPr>
+        <p:spPr>
+          <a:xfrm>
+            <a:off x="6854425" y="80100"/>
+            <a:ext cx="2285400" cy="357300"/>
+          </a:xfrm>
+          <a:prstGeom prst="rect">
+            <a:avLst/>
+          </a:prstGeom>
+        </p:spPr>
+        <p:txBody>
+          <a:bodyPr anchorCtr="0" anchor="ctr" bIns="91425" lIns="91425" spcFirstLastPara="1" rIns="91425" wrap="square" tIns="91425">
+            <a:noAutofit/>
+          </a:bodyPr>
+          <a:lstStyle/>
+          <a:p>
+            <a:pPr indent="0" lvl="0" marL="0" rtl="0" algn="ctr">
+              <a:spcBef>
+                <a:spcPts val="0"/>
+              </a:spcBef>
+              <a:spcAft>
+                <a:spcPts val="0"/>
+              </a:spcAft>
+              <a:buNone/>
+            </a:pPr>
+            <a:r>
+              <a:rPr b="1" lang="en" sz="1400">
+                <a:solidFill>
+                  <a:schemeClr val="lt1"/>
+                </a:solidFill>
+                <a:latin typeface="Calibri"/>
+                <a:ea typeface="Calibri"/>
+                <a:cs typeface="Calibri"/>
+                <a:sym typeface="Calibri"/>
+              </a:rPr>
+              <a:t>&lt;&gt; </a:t>
+            </a:r>
+            <a:r>
+              <a:rPr lang="en" sz="1400"/>
+              <a:t>exemplos</a:t>
+            </a:r>
+            <a:r>
+              <a:rPr lang="en" sz="1400">
+                <a:solidFill>
+                  <a:schemeClr val="accent3"/>
+                </a:solidFill>
+              </a:rPr>
+              <a:t>.</a:t>
+            </a:r>
+            <a:r>
+              <a:rPr lang="en" sz="1400"/>
+              <a:t>html</a:t>
+            </a:r>
+            <a:endParaRPr sz="1400">
+              <a:solidFill>
+                <a:schemeClr val="accent3"/>
+              </a:solidFill>
+            </a:endParaRPr>
+          </a:p>
+        </p:txBody>
+      </p:sp>
+      <p:sp>
+        <p:nvSpPr>
+          <p:cNvPr id="571" name="Google Shape;571;p28"/>
+          <p:cNvSpPr/>
+          <p:nvPr/>
+        </p:nvSpPr>
+        <p:spPr>
+          <a:xfrm>
+            <a:off x="-2975" y="0"/>
+            <a:ext cx="2285400" cy="517500"/>
+          </a:xfrm>
+          <a:prstGeom prst="rect">
+            <a:avLst/>
+          </a:prstGeom>
+          <a:solidFill>
+            <a:schemeClr val="accent5"/>
+          </a:solidFill>
+          <a:ln cap="flat" cmpd="sng" w="9525">
+            <a:solidFill>
+              <a:schemeClr val="accent4"/>
+            </a:solidFill>
+            <a:prstDash val="solid"/>
+            <a:round/>
+            <a:headEnd len="sm" w="sm" type="none"/>
+            <a:tailEnd len="sm" w="sm" type="none"/>
+          </a:ln>
+        </p:spPr>
+        <p:txBody>
+          <a:bodyPr anchorCtr="0" anchor="ctr" bIns="91425" lIns="91425" spcFirstLastPara="1" rIns="91425" wrap="square" tIns="91425">
+            <a:noAutofit/>
+          </a:bodyPr>
+          <a:lstStyle/>
+          <a:p>
+            <a:pPr indent="0" lvl="0" marL="0" rtl="0" algn="ctr">
+              <a:spcBef>
+                <a:spcPts val="0"/>
+              </a:spcBef>
+              <a:spcAft>
+                <a:spcPts val="0"/>
+              </a:spcAft>
+              <a:buNone/>
+            </a:pPr>
+            <a:r>
+              <a:t/>
+            </a:r>
+            <a:endParaRPr>
+              <a:latin typeface="Fira Code"/>
+              <a:ea typeface="Fira Code"/>
+              <a:cs typeface="Fira Code"/>
+              <a:sym typeface="Fira Code"/>
+            </a:endParaRPr>
+          </a:p>
+        </p:txBody>
+      </p:sp>
+      <p:sp>
+        <p:nvSpPr>
+          <p:cNvPr id="572" name="Google Shape;572;p28"/>
+          <p:cNvSpPr/>
+          <p:nvPr/>
+        </p:nvSpPr>
+        <p:spPr>
+          <a:xfrm>
+            <a:off x="2289600" y="0"/>
+            <a:ext cx="2285400" cy="517500"/>
+          </a:xfrm>
+          <a:prstGeom prst="rect">
+            <a:avLst/>
+          </a:prstGeom>
+          <a:solidFill>
+            <a:schemeClr val="dk1"/>
+          </a:solidFill>
+          <a:ln cap="flat" cmpd="sng" w="9525">
+            <a:solidFill>
+              <a:schemeClr val="accent4"/>
+            </a:solidFill>
+            <a:prstDash val="solid"/>
+            <a:round/>
+            <a:headEnd len="sm" w="sm" type="none"/>
+            <a:tailEnd len="sm" w="sm" type="none"/>
+          </a:ln>
+        </p:spPr>
+        <p:txBody>
+          <a:bodyPr anchorCtr="0" anchor="ctr" bIns="91425" lIns="91425" spcFirstLastPara="1" rIns="91425" wrap="square" tIns="91425">
+            <a:noAutofit/>
+          </a:bodyPr>
+          <a:lstStyle/>
+          <a:p>
+            <a:pPr indent="0" lvl="0" marL="0" rtl="0" algn="ctr">
+              <a:spcBef>
+                <a:spcPts val="0"/>
+              </a:spcBef>
+              <a:spcAft>
+                <a:spcPts val="0"/>
+              </a:spcAft>
+              <a:buNone/>
+            </a:pPr>
+            <a:r>
+              <a:t/>
+            </a:r>
+            <a:endParaRPr>
+              <a:latin typeface="Fira Code"/>
+              <a:ea typeface="Fira Code"/>
+              <a:cs typeface="Fira Code"/>
+              <a:sym typeface="Fira Code"/>
+            </a:endParaRPr>
+          </a:p>
+        </p:txBody>
+      </p:sp>
+      <p:sp>
+        <p:nvSpPr>
+          <p:cNvPr id="573" name="Google Shape;573;p28"/>
+          <p:cNvSpPr/>
+          <p:nvPr/>
+        </p:nvSpPr>
+        <p:spPr>
+          <a:xfrm>
+            <a:off x="4569025" y="0"/>
+            <a:ext cx="2285400" cy="517500"/>
+          </a:xfrm>
+          <a:prstGeom prst="rect">
+            <a:avLst/>
+          </a:prstGeom>
+          <a:solidFill>
+            <a:schemeClr val="accent5"/>
+          </a:solidFill>
+          <a:ln cap="flat" cmpd="sng" w="9525">
+            <a:solidFill>
+              <a:schemeClr val="accent4"/>
+            </a:solidFill>
+            <a:prstDash val="solid"/>
+            <a:round/>
+            <a:headEnd len="sm" w="sm" type="none"/>
+            <a:tailEnd len="sm" w="sm" type="none"/>
+          </a:ln>
+        </p:spPr>
+        <p:txBody>
+          <a:bodyPr anchorCtr="0" anchor="ctr" bIns="91425" lIns="91425" spcFirstLastPara="1" rIns="91425" wrap="square" tIns="91425">
+            <a:noAutofit/>
+          </a:bodyPr>
+          <a:lstStyle/>
+          <a:p>
+            <a:pPr indent="0" lvl="0" marL="0" rtl="0" algn="ctr">
+              <a:spcBef>
+                <a:spcPts val="0"/>
+              </a:spcBef>
+              <a:spcAft>
+                <a:spcPts val="0"/>
+              </a:spcAft>
+              <a:buNone/>
+            </a:pPr>
+            <a:r>
+              <a:t/>
+            </a:r>
+            <a:endParaRPr>
+              <a:latin typeface="Fira Code"/>
+              <a:ea typeface="Fira Code"/>
+              <a:cs typeface="Fira Code"/>
+              <a:sym typeface="Fira Code"/>
+            </a:endParaRPr>
+          </a:p>
+        </p:txBody>
+      </p:sp>
+      <p:sp>
+        <p:nvSpPr>
+          <p:cNvPr id="574" name="Google Shape;574;p28"/>
+          <p:cNvSpPr/>
+          <p:nvPr/>
+        </p:nvSpPr>
+        <p:spPr>
+          <a:xfrm>
+            <a:off x="6854425" y="0"/>
+            <a:ext cx="2285400" cy="517500"/>
+          </a:xfrm>
+          <a:prstGeom prst="rect">
+            <a:avLst/>
+          </a:prstGeom>
+          <a:solidFill>
+            <a:schemeClr val="accent5"/>
+          </a:solidFill>
+          <a:ln cap="flat" cmpd="sng" w="9525">
+            <a:solidFill>
+              <a:schemeClr val="accent4"/>
+            </a:solidFill>
+            <a:prstDash val="solid"/>
+            <a:round/>
+            <a:headEnd len="sm" w="sm" type="none"/>
+            <a:tailEnd len="sm" w="sm" type="none"/>
+          </a:ln>
+        </p:spPr>
+        <p:txBody>
+          <a:bodyPr anchorCtr="0" anchor="ctr" bIns="91425" lIns="91425" spcFirstLastPara="1" rIns="91425" wrap="square" tIns="91425">
+            <a:noAutofit/>
+          </a:bodyPr>
+          <a:lstStyle/>
+          <a:p>
+            <a:pPr indent="0" lvl="0" marL="0" rtl="0" algn="ctr">
+              <a:spcBef>
+                <a:spcPts val="0"/>
+              </a:spcBef>
+              <a:spcAft>
+                <a:spcPts val="0"/>
+              </a:spcAft>
+              <a:buNone/>
+            </a:pPr>
+            <a:r>
+              <a:t/>
+            </a:r>
+            <a:endParaRPr>
+              <a:latin typeface="Fira Code"/>
+              <a:ea typeface="Fira Code"/>
+              <a:cs typeface="Fira Code"/>
+              <a:sym typeface="Fira Code"/>
+            </a:endParaRPr>
+          </a:p>
+        </p:txBody>
+      </p:sp>
+      <p:sp>
+        <p:nvSpPr>
+          <p:cNvPr id="575" name="Google Shape;575;p28"/>
+          <p:cNvSpPr txBox="1"/>
+          <p:nvPr>
+            <p:ph idx="4294967295" type="subTitle"/>
+          </p:nvPr>
+        </p:nvSpPr>
+        <p:spPr>
+          <a:xfrm>
+            <a:off x="54150" y="80100"/>
+            <a:ext cx="2178300" cy="357300"/>
+          </a:xfrm>
+          <a:prstGeom prst="rect">
+            <a:avLst/>
+          </a:prstGeom>
+        </p:spPr>
+        <p:txBody>
+          <a:bodyPr anchorCtr="0" anchor="ctr" bIns="91425" lIns="91425" spcFirstLastPara="1" rIns="91425" wrap="square" tIns="91425">
+            <a:noAutofit/>
+          </a:bodyPr>
+          <a:lstStyle/>
+          <a:p>
+            <a:pPr indent="0" lvl="0" marL="0" rtl="0" algn="ctr">
+              <a:spcBef>
+                <a:spcPts val="0"/>
+              </a:spcBef>
+              <a:spcAft>
+                <a:spcPts val="0"/>
+              </a:spcAft>
+              <a:buNone/>
+            </a:pPr>
+            <a:r>
+              <a:rPr b="1" lang="en" sz="1400">
+                <a:solidFill>
+                  <a:schemeClr val="dk2"/>
+                </a:solidFill>
+                <a:latin typeface="Lobster"/>
+                <a:ea typeface="Lobster"/>
+                <a:cs typeface="Lobster"/>
+                <a:sym typeface="Lobster"/>
+              </a:rPr>
+              <a:t>#</a:t>
+            </a:r>
+            <a:r>
+              <a:rPr b="1" lang="en" sz="1400">
+                <a:latin typeface="Roboto Mono"/>
+                <a:ea typeface="Roboto Mono"/>
+                <a:cs typeface="Roboto Mono"/>
+                <a:sym typeface="Roboto Mono"/>
+              </a:rPr>
+              <a:t> </a:t>
+            </a:r>
+            <a:r>
+              <a:rPr lang="en" sz="1400">
+                <a:solidFill>
+                  <a:schemeClr val="accent3"/>
+                </a:solidFill>
+              </a:rPr>
+              <a:t>introducao.css</a:t>
+            </a:r>
+            <a:endParaRPr sz="1400">
+              <a:solidFill>
+                <a:schemeClr val="accent3"/>
+              </a:solidFill>
+            </a:endParaRPr>
+          </a:p>
+        </p:txBody>
+      </p:sp>
+      <p:sp>
+        <p:nvSpPr>
+          <p:cNvPr id="576" name="Google Shape;576;p28"/>
+          <p:cNvSpPr txBox="1"/>
+          <p:nvPr>
+            <p:ph idx="4294967295" type="subTitle"/>
+          </p:nvPr>
+        </p:nvSpPr>
+        <p:spPr>
+          <a:xfrm>
+            <a:off x="2258025" y="80100"/>
+            <a:ext cx="2285400" cy="357300"/>
+          </a:xfrm>
+          <a:prstGeom prst="rect">
+            <a:avLst/>
+          </a:prstGeom>
+        </p:spPr>
+        <p:txBody>
+          <a:bodyPr anchorCtr="0" anchor="ctr" bIns="91425" lIns="91425" spcFirstLastPara="1" rIns="91425" wrap="square" tIns="91425">
+            <a:noAutofit/>
+          </a:bodyPr>
+          <a:lstStyle/>
+          <a:p>
+            <a:pPr indent="0" lvl="0" marL="0" rtl="0" algn="ctr">
+              <a:spcBef>
+                <a:spcPts val="0"/>
+              </a:spcBef>
+              <a:spcAft>
+                <a:spcPts val="0"/>
+              </a:spcAft>
+              <a:buNone/>
+            </a:pPr>
+            <a:r>
+              <a:rPr b="1" lang="en" sz="1400">
+                <a:solidFill>
+                  <a:schemeClr val="dk2"/>
+                </a:solidFill>
+                <a:latin typeface="Lobster"/>
+                <a:ea typeface="Lobster"/>
+                <a:cs typeface="Lobster"/>
+                <a:sym typeface="Lobster"/>
+              </a:rPr>
+              <a:t>#</a:t>
+            </a:r>
+            <a:r>
+              <a:rPr b="1" lang="en" sz="1400">
+                <a:latin typeface="Roboto Mono"/>
+                <a:ea typeface="Roboto Mono"/>
+                <a:cs typeface="Roboto Mono"/>
+                <a:sym typeface="Roboto Mono"/>
+              </a:rPr>
+              <a:t> </a:t>
+            </a:r>
+            <a:r>
+              <a:rPr lang="en" sz="1400">
+                <a:solidFill>
+                  <a:schemeClr val="accent3"/>
+                </a:solidFill>
+              </a:rPr>
+              <a:t>oQueSao.css</a:t>
+            </a:r>
+            <a:endParaRPr sz="1400">
+              <a:solidFill>
+                <a:schemeClr val="accent3"/>
+              </a:solidFill>
+            </a:endParaRPr>
+          </a:p>
+        </p:txBody>
+      </p:sp>
+      <p:sp>
+        <p:nvSpPr>
+          <p:cNvPr id="577" name="Google Shape;577;p28"/>
+          <p:cNvSpPr txBox="1"/>
+          <p:nvPr>
+            <p:ph idx="4294967295" type="subTitle"/>
+          </p:nvPr>
+        </p:nvSpPr>
+        <p:spPr>
+          <a:xfrm>
+            <a:off x="4569025" y="80100"/>
+            <a:ext cx="2285400" cy="357300"/>
+          </a:xfrm>
+          <a:prstGeom prst="rect">
+            <a:avLst/>
+          </a:prstGeom>
+        </p:spPr>
+        <p:txBody>
+          <a:bodyPr anchorCtr="0" anchor="ctr" bIns="91425" lIns="91425" spcFirstLastPara="1" rIns="91425" wrap="square" tIns="91425">
+            <a:noAutofit/>
+          </a:bodyPr>
+          <a:lstStyle/>
+          <a:p>
+            <a:pPr indent="0" lvl="0" marL="0" rtl="0" algn="ctr">
+              <a:spcBef>
+                <a:spcPts val="0"/>
+              </a:spcBef>
+              <a:spcAft>
+                <a:spcPts val="0"/>
+              </a:spcAft>
+              <a:buNone/>
+            </a:pPr>
+            <a:r>
+              <a:rPr b="1" lang="en" sz="1400">
+                <a:solidFill>
+                  <a:schemeClr val="dk2"/>
+                </a:solidFill>
+                <a:latin typeface="Lobster"/>
+                <a:ea typeface="Lobster"/>
+                <a:cs typeface="Lobster"/>
+                <a:sym typeface="Lobster"/>
+              </a:rPr>
+              <a:t>#</a:t>
+            </a:r>
+            <a:r>
+              <a:rPr b="1" lang="en" sz="1400">
+                <a:latin typeface="Roboto Mono"/>
+                <a:ea typeface="Roboto Mono"/>
+                <a:cs typeface="Roboto Mono"/>
+                <a:sym typeface="Roboto Mono"/>
+              </a:rPr>
+              <a:t> </a:t>
+            </a:r>
+            <a:r>
+              <a:rPr lang="en" sz="1400">
+                <a:solidFill>
+                  <a:schemeClr val="accent3"/>
+                </a:solidFill>
+              </a:rPr>
+              <a:t>padroes.css</a:t>
+            </a:r>
+            <a:endParaRPr sz="1400">
+              <a:solidFill>
+                <a:schemeClr val="accent3"/>
+              </a:solidFill>
+            </a:endParaRPr>
+          </a:p>
+        </p:txBody>
+      </p:sp>
+      <p:sp>
+        <p:nvSpPr>
+          <p:cNvPr id="578" name="Google Shape;578;p28"/>
+          <p:cNvSpPr txBox="1"/>
+          <p:nvPr>
+            <p:ph idx="4294967295" type="subTitle"/>
+          </p:nvPr>
+        </p:nvSpPr>
+        <p:spPr>
+          <a:xfrm>
+            <a:off x="6854425" y="80100"/>
+            <a:ext cx="2285400" cy="357300"/>
+          </a:xfrm>
+          <a:prstGeom prst="rect">
+            <a:avLst/>
+          </a:prstGeom>
+        </p:spPr>
+        <p:txBody>
+          <a:bodyPr anchorCtr="0" anchor="ctr" bIns="91425" lIns="91425" spcFirstLastPara="1" rIns="91425" wrap="square" tIns="91425">
+            <a:noAutofit/>
+          </a:bodyPr>
+          <a:lstStyle/>
+          <a:p>
+            <a:pPr indent="0" lvl="0" marL="0" rtl="0" algn="ctr">
+              <a:spcBef>
+                <a:spcPts val="0"/>
+              </a:spcBef>
+              <a:spcAft>
+                <a:spcPts val="0"/>
+              </a:spcAft>
+              <a:buNone/>
+            </a:pPr>
+            <a:r>
+              <a:rPr b="1" lang="en" sz="1400">
+                <a:solidFill>
+                  <a:schemeClr val="lt1"/>
+                </a:solidFill>
+                <a:latin typeface="Calibri"/>
+                <a:ea typeface="Calibri"/>
+                <a:cs typeface="Calibri"/>
+                <a:sym typeface="Calibri"/>
+              </a:rPr>
+              <a:t>&lt;&gt; </a:t>
+            </a:r>
+            <a:r>
+              <a:rPr lang="en" sz="1400">
+                <a:solidFill>
+                  <a:schemeClr val="accent3"/>
+                </a:solidFill>
+              </a:rPr>
+              <a:t>exemplos.html</a:t>
+            </a:r>
+            <a:endParaRPr sz="1400">
+              <a:solidFill>
+                <a:schemeClr val="accent3"/>
+              </a:solidFill>
+            </a:endParaRPr>
+          </a:p>
+        </p:txBody>
+      </p:sp>
+    </p:spTree>
+  </p:cSld>
+  <p:clrMapOvr>
+    <a:masterClrMapping/>
+  </p:clrMapOvr>
+</p:sld>
+</file>
+
+<file path=ppt/slides/slide5.xml><?xml version="1.0" encoding="utf-8"?>
+<p:sld xmlns:a="http://schemas.openxmlformats.org/drawingml/2006/main" xmlns:r="http://schemas.openxmlformats.org/officeDocument/2006/relationships" xmlns:mc="http://schemas.openxmlformats.org/markup-compatibility/2006" xmlns:mv="urn:schemas-microsoft-com:mac:vml" xmlns:p="http://schemas.openxmlformats.org/presentationml/2006/main" xmlns:c="http://schemas.openxmlformats.org/drawingml/2006/chart" xmlns:dgm="http://schemas.openxmlformats.org/drawingml/2006/diagram" xmlns:o="urn:schemas-microsoft-com:office:office" xmlns:v="urn:schemas-microsoft-com:vml" xmlns:pvml="urn:schemas-microsoft-com:office:powerpoint" xmlns:com="http://schemas.openxmlformats.org/drawingml/2006/compatibility" xmlns:p14="http://schemas.microsoft.com/office/powerpoint/2010/main" xmlns:p15="http://schemas.microsoft.com/office/powerpoint/2012/main" xmlns:ahyp="http://schemas.microsoft.com/office/drawing/2018/hyperlinkcolor">
+  <p:cSld>
+    <p:spTree>
+      <p:nvGrpSpPr>
+        <p:cNvPr id="582" name="Shape 582"/>
+        <p:cNvGrpSpPr/>
+        <p:nvPr/>
+      </p:nvGrpSpPr>
+      <p:grpSpPr>
+        <a:xfrm>
+          <a:off x="0" y="0"/>
+          <a:ext cx="0" cy="0"/>
+          <a:chOff x="0" y="0"/>
+          <a:chExt cx="0" cy="0"/>
+        </a:xfrm>
+      </p:grpSpPr>
+      <p:sp>
+        <p:nvSpPr>
+          <p:cNvPr id="583" name="Google Shape;583;p29"/>
+          <p:cNvSpPr txBox="1"/>
+          <p:nvPr>
+            <p:ph type="title"/>
+          </p:nvPr>
+        </p:nvSpPr>
+        <p:spPr>
           <a:xfrm flipH="1">
             <a:off x="1485625" y="1168938"/>
             <a:ext cx="872100" cy="338400"/>
@@ -41974,7 +43822,7 @@
       </p:sp>
       <p:sp>
         <p:nvSpPr>
-          <p:cNvPr id="557" name="Google Shape;557;p28"/>
+          <p:cNvPr id="584" name="Google Shape;584;p29"/>
           <p:cNvSpPr txBox="1"/>
           <p:nvPr>
             <p:ph idx="1" type="subTitle"/>
@@ -42050,7 +43898,7 @@
       </p:sp>
       <p:sp>
         <p:nvSpPr>
-          <p:cNvPr id="558" name="Google Shape;558;p28"/>
+          <p:cNvPr id="585" name="Google Shape;585;p29"/>
           <p:cNvSpPr txBox="1"/>
           <p:nvPr>
             <p:ph idx="2" type="subTitle"/>
@@ -42090,7 +43938,7 @@
       </p:sp>
       <p:sp>
         <p:nvSpPr>
-          <p:cNvPr id="559" name="Google Shape;559;p28"/>
+          <p:cNvPr id="586" name="Google Shape;586;p29"/>
           <p:cNvSpPr txBox="1"/>
           <p:nvPr>
             <p:ph idx="3" type="title"/>
@@ -42134,7 +43982,7 @@
       </p:sp>
       <p:sp>
         <p:nvSpPr>
-          <p:cNvPr id="560" name="Google Shape;560;p28"/>
+          <p:cNvPr id="587" name="Google Shape;587;p29"/>
           <p:cNvSpPr txBox="1"/>
           <p:nvPr>
             <p:ph idx="4" type="subTitle"/>
@@ -42218,7 +44066,7 @@
       </p:sp>
       <p:sp>
         <p:nvSpPr>
-          <p:cNvPr id="561" name="Google Shape;561;p28"/>
+          <p:cNvPr id="588" name="Google Shape;588;p29"/>
           <p:cNvSpPr txBox="1"/>
           <p:nvPr>
             <p:ph idx="5" type="subTitle"/>
@@ -42258,7 +44106,7 @@
       </p:sp>
       <p:sp>
         <p:nvSpPr>
-          <p:cNvPr id="562" name="Google Shape;562;p28"/>
+          <p:cNvPr id="589" name="Google Shape;589;p29"/>
           <p:cNvSpPr txBox="1"/>
           <p:nvPr>
             <p:ph idx="6" type="title"/>
@@ -42298,7 +44146,7 @@
       </p:sp>
       <p:sp>
         <p:nvSpPr>
-          <p:cNvPr id="563" name="Google Shape;563;p28"/>
+          <p:cNvPr id="590" name="Google Shape;590;p29"/>
           <p:cNvSpPr txBox="1"/>
           <p:nvPr>
             <p:ph idx="7" type="subTitle"/>
@@ -42390,7 +44238,7 @@
       </p:sp>
       <p:sp>
         <p:nvSpPr>
-          <p:cNvPr id="564" name="Google Shape;564;p28"/>
+          <p:cNvPr id="591" name="Google Shape;591;p29"/>
           <p:cNvSpPr txBox="1"/>
           <p:nvPr>
             <p:ph idx="8" type="subTitle"/>
@@ -42430,7 +44278,7 @@
       </p:sp>
       <p:sp>
         <p:nvSpPr>
-          <p:cNvPr id="565" name="Google Shape;565;p28"/>
+          <p:cNvPr id="592" name="Google Shape;592;p29"/>
           <p:cNvSpPr txBox="1"/>
           <p:nvPr>
             <p:ph idx="9" type="title"/>
@@ -42498,7 +44346,7 @@
       </p:sp>
       <p:grpSp>
         <p:nvGrpSpPr>
-          <p:cNvPr id="566" name="Google Shape;566;p28"/>
+          <p:cNvPr id="593" name="Google Shape;593;p29"/>
           <p:cNvGrpSpPr/>
           <p:nvPr/>
         </p:nvGrpSpPr>
@@ -42512,7 +44360,7 @@
         </p:grpSpPr>
         <p:sp>
           <p:nvSpPr>
-            <p:cNvPr id="567" name="Google Shape;567;p28"/>
+            <p:cNvPr id="594" name="Google Shape;594;p29"/>
             <p:cNvSpPr txBox="1"/>
             <p:nvPr/>
           </p:nvSpPr>
@@ -42570,7 +44418,7 @@
         </p:sp>
         <p:cxnSp>
           <p:nvCxnSpPr>
-            <p:cNvPr id="568" name="Google Shape;568;p28"/>
+            <p:cNvPr id="595" name="Google Shape;595;p29"/>
             <p:cNvCxnSpPr/>
             <p:nvPr/>
           </p:nvCxnSpPr>
@@ -42597,7 +44445,7 @@
       </p:grpSp>
       <p:sp>
         <p:nvSpPr>
-          <p:cNvPr id="569" name="Google Shape;569;p28"/>
+          <p:cNvPr id="596" name="Google Shape;596;p29"/>
           <p:cNvSpPr txBox="1"/>
           <p:nvPr>
             <p:ph idx="1" type="subTitle"/>
@@ -42645,7 +44493,7 @@
       </p:sp>
       <p:sp>
         <p:nvSpPr>
-          <p:cNvPr id="570" name="Google Shape;570;p28"/>
+          <p:cNvPr id="597" name="Google Shape;597;p29"/>
           <p:cNvSpPr txBox="1"/>
           <p:nvPr>
             <p:ph idx="1" type="subTitle"/>
@@ -42693,7 +44541,7 @@
       </p:sp>
       <p:sp>
         <p:nvSpPr>
-          <p:cNvPr id="571" name="Google Shape;571;p28"/>
+          <p:cNvPr id="598" name="Google Shape;598;p29"/>
           <p:cNvSpPr txBox="1"/>
           <p:nvPr>
             <p:ph idx="1" type="subTitle"/>
@@ -42741,7 +44589,7 @@
       </p:sp>
       <p:sp>
         <p:nvSpPr>
-          <p:cNvPr id="572" name="Google Shape;572;p28"/>
+          <p:cNvPr id="599" name="Google Shape;599;p29"/>
           <p:cNvSpPr/>
           <p:nvPr/>
         </p:nvSpPr>
@@ -42795,7 +44643,7 @@
       </p:sp>
       <p:sp>
         <p:nvSpPr>
-          <p:cNvPr id="573" name="Google Shape;573;p28"/>
+          <p:cNvPr id="600" name="Google Shape;600;p29"/>
           <p:cNvSpPr/>
           <p:nvPr/>
         </p:nvSpPr>
@@ -42849,7 +44697,7 @@
       </p:sp>
       <p:sp>
         <p:nvSpPr>
-          <p:cNvPr id="574" name="Google Shape;574;p28"/>
+          <p:cNvPr id="601" name="Google Shape;601;p29"/>
           <p:cNvSpPr/>
           <p:nvPr/>
         </p:nvSpPr>
@@ -42903,7 +44751,7 @@
       </p:sp>
       <p:sp>
         <p:nvSpPr>
-          <p:cNvPr id="575" name="Google Shape;575;p28"/>
+          <p:cNvPr id="602" name="Google Shape;602;p29"/>
           <p:cNvSpPr/>
           <p:nvPr/>
         </p:nvSpPr>
@@ -42957,7 +44805,7 @@
       </p:sp>
       <p:sp>
         <p:nvSpPr>
-          <p:cNvPr id="576" name="Google Shape;576;p28"/>
+          <p:cNvPr id="603" name="Google Shape;603;p29"/>
           <p:cNvSpPr txBox="1"/>
           <p:nvPr>
             <p:ph idx="1" type="subTitle"/>
@@ -43034,7 +44882,7 @@
       </p:sp>
       <p:sp>
         <p:nvSpPr>
-          <p:cNvPr id="577" name="Google Shape;577;p28"/>
+          <p:cNvPr id="604" name="Google Shape;604;p29"/>
           <p:cNvSpPr txBox="1"/>
           <p:nvPr>
             <p:ph idx="1" type="subTitle"/>
@@ -43107,7 +44955,7 @@
       </p:sp>
       <p:sp>
         <p:nvSpPr>
-          <p:cNvPr id="578" name="Google Shape;578;p28"/>
+          <p:cNvPr id="605" name="Google Shape;605;p29"/>
           <p:cNvSpPr txBox="1"/>
           <p:nvPr>
             <p:ph idx="1" type="subTitle"/>
@@ -43180,7 +45028,7 @@
       </p:sp>
       <p:sp>
         <p:nvSpPr>
-          <p:cNvPr id="579" name="Google Shape;579;p28"/>
+          <p:cNvPr id="606" name="Google Shape;606;p29"/>
           <p:cNvSpPr txBox="1"/>
           <p:nvPr>
             <p:ph idx="1" type="subTitle"/>
@@ -43248,7 +45096,7 @@
       </p:sp>
       <p:sp>
         <p:nvSpPr>
-          <p:cNvPr id="580" name="Google Shape;580;p28"/>
+          <p:cNvPr id="607" name="Google Shape;607;p29"/>
           <p:cNvSpPr txBox="1"/>
           <p:nvPr>
             <p:ph idx="1" type="subTitle"/>
@@ -43314,12 +45162,12 @@
 </p:sld>
 </file>
 
-<file path=ppt/slides/slide5.xml><?xml version="1.0" encoding="utf-8"?>
+<file path=ppt/slides/slide6.xml><?xml version="1.0" encoding="utf-8"?>
 <p:sld xmlns:a="http://schemas.openxmlformats.org/drawingml/2006/main" xmlns:r="http://schemas.openxmlformats.org/officeDocument/2006/relationships" xmlns:mc="http://schemas.openxmlformats.org/markup-compatibility/2006" xmlns:mv="urn:schemas-microsoft-com:mac:vml" xmlns:p="http://schemas.openxmlformats.org/presentationml/2006/main" xmlns:c="http://schemas.openxmlformats.org/drawingml/2006/chart" xmlns:dgm="http://schemas.openxmlformats.org/drawingml/2006/diagram" xmlns:o="urn:schemas-microsoft-com:office:office" xmlns:v="urn:schemas-microsoft-com:vml" xmlns:pvml="urn:schemas-microsoft-com:office:powerpoint" xmlns:com="http://schemas.openxmlformats.org/drawingml/2006/compatibility" xmlns:p14="http://schemas.microsoft.com/office/powerpoint/2010/main" xmlns:p15="http://schemas.microsoft.com/office/powerpoint/2012/main" xmlns:ahyp="http://schemas.microsoft.com/office/drawing/2018/hyperlinkcolor">
   <p:cSld>
     <p:spTree>
       <p:nvGrpSpPr>
-        <p:cNvPr id="584" name="Shape 584"/>
+        <p:cNvPr id="611" name="Shape 611"/>
         <p:cNvGrpSpPr/>
         <p:nvPr/>
       </p:nvGrpSpPr>
@@ -43333,7 +45181,7 @@
       </p:grpSpPr>
       <p:sp>
         <p:nvSpPr>
-          <p:cNvPr id="585" name="Google Shape;585;p29"/>
+          <p:cNvPr id="612" name="Google Shape;612;p30"/>
           <p:cNvSpPr txBox="1"/>
           <p:nvPr>
             <p:ph type="title"/>
@@ -43389,7 +45237,7 @@
       </p:sp>
       <p:sp>
         <p:nvSpPr>
-          <p:cNvPr id="586" name="Google Shape;586;p29"/>
+          <p:cNvPr id="613" name="Google Shape;613;p30"/>
           <p:cNvSpPr txBox="1"/>
           <p:nvPr>
             <p:ph idx="1" type="subTitle"/>
@@ -43504,7 +45352,7 @@
       </p:sp>
       <p:grpSp>
         <p:nvGrpSpPr>
-          <p:cNvPr id="587" name="Google Shape;587;p29"/>
+          <p:cNvPr id="614" name="Google Shape;614;p30"/>
           <p:cNvGrpSpPr/>
           <p:nvPr/>
         </p:nvGrpSpPr>
@@ -43518,7 +45366,7 @@
         </p:grpSpPr>
         <p:sp>
           <p:nvSpPr>
-            <p:cNvPr id="588" name="Google Shape;588;p29"/>
+            <p:cNvPr id="615" name="Google Shape;615;p30"/>
             <p:cNvSpPr txBox="1"/>
             <p:nvPr/>
           </p:nvSpPr>
@@ -43576,7 +45424,7 @@
         </p:sp>
         <p:cxnSp>
           <p:nvCxnSpPr>
-            <p:cNvPr id="589" name="Google Shape;589;p29"/>
+            <p:cNvPr id="616" name="Google Shape;616;p30"/>
             <p:cNvCxnSpPr/>
             <p:nvPr/>
           </p:nvCxnSpPr>
@@ -43603,7 +45451,7 @@
       </p:grpSp>
       <p:sp>
         <p:nvSpPr>
-          <p:cNvPr id="590" name="Google Shape;590;p29"/>
+          <p:cNvPr id="617" name="Google Shape;617;p30"/>
           <p:cNvSpPr txBox="1"/>
           <p:nvPr>
             <p:ph idx="1" type="subTitle"/>
@@ -43651,7 +45499,7 @@
       </p:sp>
       <p:sp>
         <p:nvSpPr>
-          <p:cNvPr id="591" name="Google Shape;591;p29"/>
+          <p:cNvPr id="618" name="Google Shape;618;p30"/>
           <p:cNvSpPr txBox="1"/>
           <p:nvPr>
             <p:ph idx="1" type="subTitle"/>
@@ -43699,7 +45547,7 @@
       </p:sp>
       <p:sp>
         <p:nvSpPr>
-          <p:cNvPr id="592" name="Google Shape;592;p29"/>
+          <p:cNvPr id="619" name="Google Shape;619;p30"/>
           <p:cNvSpPr txBox="1"/>
           <p:nvPr>
             <p:ph idx="1" type="subTitle"/>
@@ -43747,7 +45595,7 @@
       </p:sp>
       <p:sp>
         <p:nvSpPr>
-          <p:cNvPr id="593" name="Google Shape;593;p29"/>
+          <p:cNvPr id="620" name="Google Shape;620;p30"/>
           <p:cNvSpPr/>
           <p:nvPr/>
         </p:nvSpPr>
@@ -43801,7 +45649,7 @@
       </p:sp>
       <p:sp>
         <p:nvSpPr>
-          <p:cNvPr id="594" name="Google Shape;594;p29"/>
+          <p:cNvPr id="621" name="Google Shape;621;p30"/>
           <p:cNvSpPr/>
           <p:nvPr/>
         </p:nvSpPr>
@@ -43855,7 +45703,7 @@
       </p:sp>
       <p:sp>
         <p:nvSpPr>
-          <p:cNvPr id="595" name="Google Shape;595;p29"/>
+          <p:cNvPr id="622" name="Google Shape;622;p30"/>
           <p:cNvSpPr/>
           <p:nvPr/>
         </p:nvSpPr>
@@ -43909,7 +45757,7 @@
       </p:sp>
       <p:sp>
         <p:nvSpPr>
-          <p:cNvPr id="596" name="Google Shape;596;p29"/>
+          <p:cNvPr id="623" name="Google Shape;623;p30"/>
           <p:cNvSpPr/>
           <p:nvPr/>
         </p:nvSpPr>
@@ -43963,7 +45811,7 @@
       </p:sp>
       <p:sp>
         <p:nvSpPr>
-          <p:cNvPr id="597" name="Google Shape;597;p29"/>
+          <p:cNvPr id="624" name="Google Shape;624;p30"/>
           <p:cNvSpPr txBox="1"/>
           <p:nvPr>
             <p:ph idx="1" type="subTitle"/>
@@ -44040,7 +45888,7 @@
       </p:sp>
       <p:sp>
         <p:nvSpPr>
-          <p:cNvPr id="598" name="Google Shape;598;p29"/>
+          <p:cNvPr id="625" name="Google Shape;625;p30"/>
           <p:cNvSpPr txBox="1"/>
           <p:nvPr>
             <p:ph idx="1" type="subTitle"/>
@@ -44113,7 +45961,7 @@
       </p:sp>
       <p:sp>
         <p:nvSpPr>
-          <p:cNvPr id="599" name="Google Shape;599;p29"/>
+          <p:cNvPr id="626" name="Google Shape;626;p30"/>
           <p:cNvSpPr txBox="1"/>
           <p:nvPr>
             <p:ph idx="1" type="subTitle"/>
@@ -44186,7 +46034,7 @@
       </p:sp>
       <p:sp>
         <p:nvSpPr>
-          <p:cNvPr id="600" name="Google Shape;600;p29"/>
+          <p:cNvPr id="627" name="Google Shape;627;p30"/>
           <p:cNvSpPr txBox="1"/>
           <p:nvPr>
             <p:ph idx="1" type="subTitle"/>
@@ -44254,7 +46102,7 @@
       </p:sp>
       <p:sp>
         <p:nvSpPr>
-          <p:cNvPr id="601" name="Google Shape;601;p29"/>
+          <p:cNvPr id="628" name="Google Shape;628;p30"/>
           <p:cNvSpPr txBox="1"/>
           <p:nvPr>
             <p:ph idx="1" type="subTitle"/>
@@ -44302,7 +46150,7 @@
       </p:sp>
       <p:sp>
         <p:nvSpPr>
-          <p:cNvPr id="602" name="Google Shape;602;p29"/>
+          <p:cNvPr id="629" name="Google Shape;629;p30"/>
           <p:cNvSpPr txBox="1"/>
           <p:nvPr>
             <p:ph idx="1" type="subTitle"/>
@@ -44350,7 +46198,7 @@
       </p:sp>
       <p:sp>
         <p:nvSpPr>
-          <p:cNvPr id="603" name="Google Shape;603;p29"/>
+          <p:cNvPr id="630" name="Google Shape;630;p30"/>
           <p:cNvSpPr/>
           <p:nvPr/>
         </p:nvSpPr>
@@ -44404,7 +46252,7 @@
       </p:sp>
       <p:sp>
         <p:nvSpPr>
-          <p:cNvPr id="604" name="Google Shape;604;p29"/>
+          <p:cNvPr id="631" name="Google Shape;631;p30"/>
           <p:cNvSpPr/>
           <p:nvPr/>
         </p:nvSpPr>
@@ -44458,7 +46306,7 @@
       </p:sp>
       <p:sp>
         <p:nvSpPr>
-          <p:cNvPr id="605" name="Google Shape;605;p29"/>
+          <p:cNvPr id="632" name="Google Shape;632;p30"/>
           <p:cNvSpPr/>
           <p:nvPr/>
         </p:nvSpPr>
@@ -44512,7 +46360,7 @@
       </p:sp>
       <p:sp>
         <p:nvSpPr>
-          <p:cNvPr id="606" name="Google Shape;606;p29"/>
+          <p:cNvPr id="633" name="Google Shape;633;p30"/>
           <p:cNvSpPr/>
           <p:nvPr/>
         </p:nvSpPr>
@@ -44566,7 +46414,7 @@
       </p:sp>
       <p:sp>
         <p:nvSpPr>
-          <p:cNvPr id="607" name="Google Shape;607;p29"/>
+          <p:cNvPr id="634" name="Google Shape;634;p30"/>
           <p:cNvSpPr txBox="1"/>
           <p:nvPr>
             <p:ph idx="1" type="subTitle"/>
@@ -44618,20 +46466,12 @@
               <a:t> </a:t>
             </a:r>
             <a:r>
-              <a:rPr lang="en" sz="1400"/>
-              <a:t>introducao</a:t>
-            </a:r>
-            <a:r>
               <a:rPr lang="en" sz="1400">
                 <a:solidFill>
                   <a:schemeClr val="accent3"/>
                 </a:solidFill>
               </a:rPr>
-              <a:t>.</a:t>
-            </a:r>
-            <a:r>
-              <a:rPr lang="en" sz="1400"/>
-              <a:t>css</a:t>
+              <a:t>introducao.css</a:t>
             </a:r>
             <a:endParaRPr sz="1400">
               <a:solidFill>
@@ -44643,7 +46483,7 @@
       </p:sp>
       <p:sp>
         <p:nvSpPr>
-          <p:cNvPr id="608" name="Google Shape;608;p29"/>
+          <p:cNvPr id="635" name="Google Shape;635;p30"/>
           <p:cNvSpPr txBox="1"/>
           <p:nvPr>
             <p:ph idx="1" type="subTitle"/>
@@ -44695,16 +46535,12 @@
               <a:t> </a:t>
             </a:r>
             <a:r>
-              <a:rPr lang="en" sz="1400"/>
-              <a:t>oQueSao</a:t>
-            </a:r>
-            <a:r>
               <a:rPr lang="en" sz="1400">
                 <a:solidFill>
                   <a:schemeClr val="accent3"/>
                 </a:solidFill>
               </a:rPr>
-              <a:t>.css</a:t>
+              <a:t>oQueSao.css</a:t>
             </a:r>
             <a:endParaRPr sz="1400">
               <a:solidFill>
@@ -44716,7 +46552,7 @@
       </p:sp>
       <p:sp>
         <p:nvSpPr>
-          <p:cNvPr id="609" name="Google Shape;609;p29"/>
+          <p:cNvPr id="636" name="Google Shape;636;p30"/>
           <p:cNvSpPr txBox="1"/>
           <p:nvPr>
             <p:ph idx="1" type="subTitle"/>
@@ -44768,16 +46604,12 @@
               <a:t> </a:t>
             </a:r>
             <a:r>
-              <a:rPr lang="en" sz="1400"/>
-              <a:t>padroes</a:t>
-            </a:r>
-            <a:r>
               <a:rPr lang="en" sz="1400">
                 <a:solidFill>
                   <a:schemeClr val="accent3"/>
                 </a:solidFill>
               </a:rPr>
-              <a:t>.css</a:t>
+              <a:t>padroes.css</a:t>
             </a:r>
             <a:endParaRPr sz="1400">
               <a:solidFill>
@@ -44789,7 +46621,7 @@
       </p:sp>
       <p:sp>
         <p:nvSpPr>
-          <p:cNvPr id="610" name="Google Shape;610;p29"/>
+          <p:cNvPr id="637" name="Google Shape;637;p30"/>
           <p:cNvSpPr txBox="1"/>
           <p:nvPr>
             <p:ph idx="1" type="subTitle"/>
@@ -44832,20 +46664,12 @@
               <a:t>&lt;&gt; </a:t>
             </a:r>
             <a:r>
-              <a:rPr lang="en" sz="1400"/>
-              <a:t>exemplos</a:t>
-            </a:r>
-            <a:r>
               <a:rPr lang="en" sz="1400">
                 <a:solidFill>
                   <a:schemeClr val="accent3"/>
                 </a:solidFill>
               </a:rPr>
-              <a:t>.</a:t>
-            </a:r>
-            <a:r>
-              <a:rPr lang="en" sz="1400"/>
-              <a:t>html</a:t>
+              <a:t>exemplos.html</a:t>
             </a:r>
             <a:endParaRPr sz="1400">
               <a:solidFill>
@@ -44857,7 +46681,7 @@
       </p:sp>
       <p:sp>
         <p:nvSpPr>
-          <p:cNvPr id="611" name="Google Shape;611;p29"/>
+          <p:cNvPr id="638" name="Google Shape;638;p30"/>
           <p:cNvSpPr txBox="1"/>
           <p:nvPr>
             <p:ph idx="1" type="subTitle"/>
@@ -44897,7 +46721,7 @@
             </a:r>
             <a:r>
               <a:rPr lang="en" sz="1400"/>
-              <a:t>        CSS</a:t>
+              <a:t>        </a:t>
             </a:r>
             <a:r>
               <a:rPr lang="en" sz="1400">
@@ -44905,7 +46729,7 @@
                   <a:schemeClr val="accent3"/>
                 </a:solidFill>
               </a:rPr>
-              <a:t> 💁‍♂️</a:t>
+              <a:t>CSS 💁‍♂️</a:t>
             </a:r>
             <a:endParaRPr sz="1400">
               <a:solidFill>
@@ -44923,12 +46747,12 @@
 </p:sld>
 </file>
 
-<file path=ppt/slides/slide6.xml><?xml version="1.0" encoding="utf-8"?>
+<file path=ppt/slides/slide7.xml><?xml version="1.0" encoding="utf-8"?>
 <p:sld xmlns:a="http://schemas.openxmlformats.org/drawingml/2006/main" xmlns:r="http://schemas.openxmlformats.org/officeDocument/2006/relationships" xmlns:mc="http://schemas.openxmlformats.org/markup-compatibility/2006" xmlns:mv="urn:schemas-microsoft-com:mac:vml" xmlns:p="http://schemas.openxmlformats.org/presentationml/2006/main" xmlns:c="http://schemas.openxmlformats.org/drawingml/2006/chart" xmlns:dgm="http://schemas.openxmlformats.org/drawingml/2006/diagram" xmlns:o="urn:schemas-microsoft-com:office:office" xmlns:v="urn:schemas-microsoft-com:vml" xmlns:pvml="urn:schemas-microsoft-com:office:powerpoint" xmlns:com="http://schemas.openxmlformats.org/drawingml/2006/compatibility" xmlns:p14="http://schemas.microsoft.com/office/powerpoint/2010/main" xmlns:p15="http://schemas.microsoft.com/office/powerpoint/2012/main" xmlns:ahyp="http://schemas.microsoft.com/office/drawing/2018/hyperlinkcolor">
   <p:cSld>
     <p:spTree>
       <p:nvGrpSpPr>
-        <p:cNvPr id="615" name="Shape 615"/>
+        <p:cNvPr id="642" name="Shape 642"/>
         <p:cNvGrpSpPr/>
         <p:nvPr/>
       </p:nvGrpSpPr>
@@ -44942,7 +46766,7 @@
       </p:grpSpPr>
       <p:sp>
         <p:nvSpPr>
-          <p:cNvPr id="616" name="Google Shape;616;p30"/>
+          <p:cNvPr id="643" name="Google Shape;643;p31"/>
           <p:cNvSpPr txBox="1"/>
           <p:nvPr>
             <p:ph type="title"/>
@@ -45030,7 +46854,7 @@
       </p:sp>
       <p:sp>
         <p:nvSpPr>
-          <p:cNvPr id="617" name="Google Shape;617;p30"/>
+          <p:cNvPr id="644" name="Google Shape;644;p31"/>
           <p:cNvSpPr txBox="1"/>
           <p:nvPr>
             <p:ph idx="1" type="subTitle"/>
@@ -45106,7 +46930,7 @@
       </p:sp>
       <p:sp>
         <p:nvSpPr>
-          <p:cNvPr id="618" name="Google Shape;618;p30"/>
+          <p:cNvPr id="645" name="Google Shape;645;p31"/>
           <p:cNvSpPr txBox="1"/>
           <p:nvPr>
             <p:ph idx="4294967295" type="subTitle"/>
@@ -45154,7 +46978,7 @@
       </p:sp>
       <p:sp>
         <p:nvSpPr>
-          <p:cNvPr id="619" name="Google Shape;619;p30"/>
+          <p:cNvPr id="646" name="Google Shape;646;p31"/>
           <p:cNvSpPr txBox="1"/>
           <p:nvPr>
             <p:ph idx="4294967295" type="subTitle"/>
@@ -45202,7 +47026,7 @@
       </p:sp>
       <p:pic>
         <p:nvPicPr>
-          <p:cNvPr id="620" name="Google Shape;620;p30"/>
+          <p:cNvPr id="647" name="Google Shape;647;p31"/>
           <p:cNvPicPr preferRelativeResize="0"/>
           <p:nvPr/>
         </p:nvPicPr>
@@ -45235,7 +47059,7 @@
       </p:pic>
       <p:grpSp>
         <p:nvGrpSpPr>
-          <p:cNvPr id="621" name="Google Shape;621;p30"/>
+          <p:cNvPr id="648" name="Google Shape;648;p31"/>
           <p:cNvGrpSpPr/>
           <p:nvPr/>
         </p:nvGrpSpPr>
@@ -45249,7 +47073,7 @@
         </p:grpSpPr>
         <p:sp>
           <p:nvSpPr>
-            <p:cNvPr id="622" name="Google Shape;622;p30"/>
+            <p:cNvPr id="649" name="Google Shape;649;p31"/>
             <p:cNvSpPr txBox="1"/>
             <p:nvPr/>
           </p:nvSpPr>
@@ -45307,7 +47131,7 @@
         </p:sp>
         <p:cxnSp>
           <p:nvCxnSpPr>
-            <p:cNvPr id="623" name="Google Shape;623;p30"/>
+            <p:cNvPr id="650" name="Google Shape;650;p31"/>
             <p:cNvCxnSpPr/>
             <p:nvPr/>
           </p:nvCxnSpPr>
@@ -45334,7 +47158,7 @@
       </p:grpSp>
       <p:sp>
         <p:nvSpPr>
-          <p:cNvPr id="624" name="Google Shape;624;p30"/>
+          <p:cNvPr id="651" name="Google Shape;651;p31"/>
           <p:cNvSpPr txBox="1"/>
           <p:nvPr>
             <p:ph idx="4294967295" type="subTitle"/>
@@ -45382,7 +47206,7 @@
       </p:sp>
       <p:grpSp>
         <p:nvGrpSpPr>
-          <p:cNvPr id="625" name="Google Shape;625;p30"/>
+          <p:cNvPr id="652" name="Google Shape;652;p31"/>
           <p:cNvGrpSpPr/>
           <p:nvPr/>
         </p:nvGrpSpPr>
@@ -45396,7 +47220,7 @@
         </p:grpSpPr>
         <p:grpSp>
           <p:nvGrpSpPr>
-            <p:cNvPr id="626" name="Google Shape;626;p30"/>
+            <p:cNvPr id="653" name="Google Shape;653;p31"/>
             <p:cNvGrpSpPr/>
             <p:nvPr/>
           </p:nvGrpSpPr>
@@ -45410,7 +47234,7 @@
           </p:grpSpPr>
           <p:grpSp>
             <p:nvGrpSpPr>
-              <p:cNvPr id="627" name="Google Shape;627;p30"/>
+              <p:cNvPr id="654" name="Google Shape;654;p31"/>
               <p:cNvGrpSpPr/>
               <p:nvPr/>
             </p:nvGrpSpPr>
@@ -45424,7 +47248,7 @@
             </p:grpSpPr>
             <p:grpSp>
               <p:nvGrpSpPr>
-                <p:cNvPr id="628" name="Google Shape;628;p30"/>
+                <p:cNvPr id="655" name="Google Shape;655;p31"/>
                 <p:cNvGrpSpPr/>
                 <p:nvPr/>
               </p:nvGrpSpPr>
@@ -45438,7 +47262,7 @@
               </p:grpSpPr>
               <p:sp>
                 <p:nvSpPr>
-                  <p:cNvPr id="629" name="Google Shape;629;p30"/>
+                  <p:cNvPr id="656" name="Google Shape;656;p31"/>
                   <p:cNvSpPr/>
                   <p:nvPr/>
                 </p:nvSpPr>
@@ -45518,7 +47342,7 @@
               </p:sp>
               <p:sp>
                 <p:nvSpPr>
-                  <p:cNvPr id="630" name="Google Shape;630;p30"/>
+                  <p:cNvPr id="657" name="Google Shape;657;p31"/>
                   <p:cNvSpPr/>
                   <p:nvPr/>
                 </p:nvSpPr>
@@ -45612,7 +47436,7 @@
             </p:grpSp>
             <p:sp>
               <p:nvSpPr>
-                <p:cNvPr id="631" name="Google Shape;631;p30"/>
+                <p:cNvPr id="658" name="Google Shape;658;p31"/>
                 <p:cNvSpPr/>
                 <p:nvPr/>
               </p:nvSpPr>
@@ -45692,7 +47516,7 @@
           </p:grpSp>
           <p:sp>
             <p:nvSpPr>
-              <p:cNvPr id="632" name="Google Shape;632;p30"/>
+              <p:cNvPr id="659" name="Google Shape;659;p31"/>
               <p:cNvSpPr/>
               <p:nvPr/>
             </p:nvSpPr>
@@ -45780,7 +47604,7 @@
         </p:grpSp>
         <p:cxnSp>
           <p:nvCxnSpPr>
-            <p:cNvPr id="633" name="Google Shape;633;p30"/>
+            <p:cNvPr id="660" name="Google Shape;660;p31"/>
             <p:cNvCxnSpPr/>
             <p:nvPr/>
           </p:nvCxnSpPr>
@@ -45807,7 +47631,7 @@
       </p:grpSp>
       <p:pic>
         <p:nvPicPr>
-          <p:cNvPr id="634" name="Google Shape;634;p30"/>
+          <p:cNvPr id="661" name="Google Shape;661;p31"/>
           <p:cNvPicPr preferRelativeResize="0"/>
           <p:nvPr/>
         </p:nvPicPr>
@@ -45834,7 +47658,7 @@
       </p:pic>
       <p:sp>
         <p:nvSpPr>
-          <p:cNvPr id="635" name="Google Shape;635;p30"/>
+          <p:cNvPr id="662" name="Google Shape;662;p31"/>
           <p:cNvSpPr/>
           <p:nvPr/>
         </p:nvSpPr>
@@ -45888,7 +47712,7 @@
       </p:sp>
       <p:sp>
         <p:nvSpPr>
-          <p:cNvPr id="636" name="Google Shape;636;p30"/>
+          <p:cNvPr id="663" name="Google Shape;663;p31"/>
           <p:cNvSpPr/>
           <p:nvPr/>
         </p:nvSpPr>
@@ -45942,7 +47766,7 @@
       </p:sp>
       <p:sp>
         <p:nvSpPr>
-          <p:cNvPr id="637" name="Google Shape;637;p30"/>
+          <p:cNvPr id="664" name="Google Shape;664;p31"/>
           <p:cNvSpPr/>
           <p:nvPr/>
         </p:nvSpPr>
@@ -45996,7 +47820,7 @@
       </p:sp>
       <p:sp>
         <p:nvSpPr>
-          <p:cNvPr id="638" name="Google Shape;638;p30"/>
+          <p:cNvPr id="665" name="Google Shape;665;p31"/>
           <p:cNvSpPr/>
           <p:nvPr/>
         </p:nvSpPr>
@@ -46050,7 +47874,7 @@
       </p:sp>
       <p:sp>
         <p:nvSpPr>
-          <p:cNvPr id="639" name="Google Shape;639;p30"/>
+          <p:cNvPr id="666" name="Google Shape;666;p31"/>
           <p:cNvSpPr txBox="1"/>
           <p:nvPr>
             <p:ph idx="4294967295" type="subTitle"/>
@@ -46102,20 +47926,12 @@
               <a:t> </a:t>
             </a:r>
             <a:r>
-              <a:rPr lang="en" sz="1400"/>
-              <a:t>introducao</a:t>
-            </a:r>
-            <a:r>
               <a:rPr lang="en" sz="1400">
                 <a:solidFill>
                   <a:schemeClr val="accent3"/>
                 </a:solidFill>
               </a:rPr>
-              <a:t>.</a:t>
-            </a:r>
-            <a:r>
-              <a:rPr lang="en" sz="1400"/>
-              <a:t>css</a:t>
+              <a:t>introducao.css</a:t>
             </a:r>
             <a:endParaRPr sz="1400">
               <a:solidFill>
@@ -46127,7 +47943,7 @@
       </p:sp>
       <p:sp>
         <p:nvSpPr>
-          <p:cNvPr id="640" name="Google Shape;640;p30"/>
+          <p:cNvPr id="667" name="Google Shape;667;p31"/>
           <p:cNvSpPr txBox="1"/>
           <p:nvPr>
             <p:ph idx="4294967295" type="subTitle"/>
@@ -46179,16 +47995,12 @@
               <a:t> </a:t>
             </a:r>
             <a:r>
-              <a:rPr lang="en" sz="1400"/>
-              <a:t>oQueSao</a:t>
-            </a:r>
-            <a:r>
               <a:rPr lang="en" sz="1400">
                 <a:solidFill>
                   <a:schemeClr val="accent3"/>
                 </a:solidFill>
               </a:rPr>
-              <a:t>.css</a:t>
+              <a:t>oQueSao.css</a:t>
             </a:r>
             <a:endParaRPr sz="1400">
               <a:solidFill>
@@ -46200,7 +48012,7 @@
       </p:sp>
       <p:sp>
         <p:nvSpPr>
-          <p:cNvPr id="641" name="Google Shape;641;p30"/>
+          <p:cNvPr id="668" name="Google Shape;668;p31"/>
           <p:cNvSpPr txBox="1"/>
           <p:nvPr>
             <p:ph idx="4294967295" type="subTitle"/>
@@ -46252,16 +48064,12 @@
               <a:t> </a:t>
             </a:r>
             <a:r>
-              <a:rPr lang="en" sz="1400"/>
-              <a:t>padroes</a:t>
-            </a:r>
-            <a:r>
               <a:rPr lang="en" sz="1400">
                 <a:solidFill>
                   <a:schemeClr val="accent3"/>
                 </a:solidFill>
               </a:rPr>
-              <a:t>.css</a:t>
+              <a:t>padroes.css</a:t>
             </a:r>
             <a:endParaRPr sz="1400">
               <a:solidFill>
@@ -46273,7 +48081,7 @@
       </p:sp>
       <p:sp>
         <p:nvSpPr>
-          <p:cNvPr id="642" name="Google Shape;642;p30"/>
+          <p:cNvPr id="669" name="Google Shape;669;p31"/>
           <p:cNvSpPr txBox="1"/>
           <p:nvPr>
             <p:ph idx="4294967295" type="subTitle"/>
@@ -46316,20 +48124,12 @@
               <a:t>&lt;&gt; </a:t>
             </a:r>
             <a:r>
-              <a:rPr lang="en" sz="1400"/>
-              <a:t>exemplos</a:t>
-            </a:r>
-            <a:r>
               <a:rPr lang="en" sz="1400">
                 <a:solidFill>
                   <a:schemeClr val="accent3"/>
                 </a:solidFill>
               </a:rPr>
-              <a:t>.</a:t>
-            </a:r>
-            <a:r>
-              <a:rPr lang="en" sz="1400"/>
-              <a:t>html</a:t>
+              <a:t>exemplos.html</a:t>
             </a:r>
             <a:endParaRPr sz="1400">
               <a:solidFill>
@@ -46341,1307 +48141,6 @@
       </p:sp>
       <p:sp>
         <p:nvSpPr>
-          <p:cNvPr id="643" name="Google Shape;643;p30"/>
-          <p:cNvSpPr txBox="1"/>
-          <p:nvPr>
-            <p:ph idx="4294967295" type="subTitle"/>
-          </p:nvPr>
-        </p:nvSpPr>
-        <p:spPr>
-          <a:xfrm>
-            <a:off x="710125" y="4694725"/>
-            <a:ext cx="8267400" cy="357300"/>
-          </a:xfrm>
-          <a:prstGeom prst="rect">
-            <a:avLst/>
-          </a:prstGeom>
-        </p:spPr>
-        <p:txBody>
-          <a:bodyPr anchorCtr="0" anchor="ctr" bIns="91425" lIns="91425" spcFirstLastPara="1" rIns="91425" wrap="square" tIns="91425">
-            <a:noAutofit/>
-          </a:bodyPr>
-          <a:lstStyle/>
-          <a:p>
-            <a:pPr indent="0" lvl="0" marL="0" rtl="0" algn="l">
-              <a:spcBef>
-                <a:spcPts val="0"/>
-              </a:spcBef>
-              <a:spcAft>
-                <a:spcPts val="1200"/>
-              </a:spcAft>
-              <a:buNone/>
-            </a:pPr>
-            <a:r>
-              <a:rPr lang="en" sz="1400">
-                <a:solidFill>
-                  <a:schemeClr val="accent3"/>
-                </a:solidFill>
-              </a:rPr>
-              <a:t>Programming Language                                       </a:t>
-            </a:r>
-            <a:r>
-              <a:rPr lang="en" sz="1400"/>
-              <a:t>        </a:t>
-            </a:r>
-            <a:r>
-              <a:rPr lang="en"/>
-              <a:t>HTML</a:t>
-            </a:r>
-            <a:r>
-              <a:rPr lang="en" sz="1400">
-                <a:solidFill>
-                  <a:schemeClr val="accent3"/>
-                </a:solidFill>
-              </a:rPr>
-              <a:t> 💁‍♂️</a:t>
-            </a:r>
-            <a:endParaRPr sz="1400">
-              <a:solidFill>
-                <a:schemeClr val="accent3"/>
-              </a:solidFill>
-            </a:endParaRPr>
-          </a:p>
-        </p:txBody>
-      </p:sp>
-    </p:spTree>
-  </p:cSld>
-  <p:clrMapOvr>
-    <a:masterClrMapping/>
-  </p:clrMapOvr>
-</p:sld>
-</file>
-
-<file path=ppt/slides/slide7.xml><?xml version="1.0" encoding="utf-8"?>
-<p:sld xmlns:a="http://schemas.openxmlformats.org/drawingml/2006/main" xmlns:r="http://schemas.openxmlformats.org/officeDocument/2006/relationships" xmlns:mc="http://schemas.openxmlformats.org/markup-compatibility/2006" xmlns:mv="urn:schemas-microsoft-com:mac:vml" xmlns:p="http://schemas.openxmlformats.org/presentationml/2006/main" xmlns:c="http://schemas.openxmlformats.org/drawingml/2006/chart" xmlns:dgm="http://schemas.openxmlformats.org/drawingml/2006/diagram" xmlns:o="urn:schemas-microsoft-com:office:office" xmlns:v="urn:schemas-microsoft-com:vml" xmlns:pvml="urn:schemas-microsoft-com:office:powerpoint" xmlns:com="http://schemas.openxmlformats.org/drawingml/2006/compatibility" xmlns:p14="http://schemas.microsoft.com/office/powerpoint/2010/main" xmlns:p15="http://schemas.microsoft.com/office/powerpoint/2012/main" xmlns:ahyp="http://schemas.microsoft.com/office/drawing/2018/hyperlinkcolor">
-  <p:cSld>
-    <p:spTree>
-      <p:nvGrpSpPr>
-        <p:cNvPr id="647" name="Shape 647"/>
-        <p:cNvGrpSpPr/>
-        <p:nvPr/>
-      </p:nvGrpSpPr>
-      <p:grpSpPr>
-        <a:xfrm>
-          <a:off x="0" y="0"/>
-          <a:ext cx="0" cy="0"/>
-          <a:chOff x="0" y="0"/>
-          <a:chExt cx="0" cy="0"/>
-        </a:xfrm>
-      </p:grpSpPr>
-      <p:sp>
-        <p:nvSpPr>
-          <p:cNvPr id="648" name="Google Shape;648;p31"/>
-          <p:cNvSpPr txBox="1"/>
-          <p:nvPr>
-            <p:ph type="title"/>
-          </p:nvPr>
-        </p:nvSpPr>
-        <p:spPr>
-          <a:xfrm flipH="1">
-            <a:off x="2054525" y="586975"/>
-            <a:ext cx="3879900" cy="1104600"/>
-          </a:xfrm>
-          <a:prstGeom prst="rect">
-            <a:avLst/>
-          </a:prstGeom>
-        </p:spPr>
-        <p:txBody>
-          <a:bodyPr anchorCtr="0" anchor="ctr" bIns="91425" lIns="91425" spcFirstLastPara="1" rIns="91425" wrap="square" tIns="91425">
-            <a:noAutofit/>
-          </a:bodyPr>
-          <a:lstStyle/>
-          <a:p>
-            <a:pPr indent="0" lvl="0" marL="0" rtl="0" algn="ctr">
-              <a:spcBef>
-                <a:spcPts val="0"/>
-              </a:spcBef>
-              <a:spcAft>
-                <a:spcPts val="0"/>
-              </a:spcAft>
-              <a:buNone/>
-            </a:pPr>
-            <a:r>
-              <a:rPr lang="en" sz="5000"/>
-              <a:t>Exemplo </a:t>
-            </a:r>
-            <a:r>
-              <a:rPr lang="en" sz="5000">
-                <a:solidFill>
-                  <a:schemeClr val="accent6"/>
-                </a:solidFill>
-              </a:rPr>
-              <a:t>{</a:t>
-            </a:r>
-            <a:endParaRPr sz="5000">
-              <a:solidFill>
-                <a:schemeClr val="accent6"/>
-              </a:solidFill>
-            </a:endParaRPr>
-          </a:p>
-        </p:txBody>
-      </p:sp>
-      <p:sp>
-        <p:nvSpPr>
-          <p:cNvPr id="649" name="Google Shape;649;p31"/>
-          <p:cNvSpPr txBox="1"/>
-          <p:nvPr>
-            <p:ph idx="2" type="title"/>
-          </p:nvPr>
-        </p:nvSpPr>
-        <p:spPr>
-          <a:xfrm>
-            <a:off x="2633463" y="2403748"/>
-            <a:ext cx="5377200" cy="535500"/>
-          </a:xfrm>
-          <a:prstGeom prst="rect">
-            <a:avLst/>
-          </a:prstGeom>
-        </p:spPr>
-        <p:txBody>
-          <a:bodyPr anchorCtr="0" anchor="ctr" bIns="91425" lIns="91425" spcFirstLastPara="1" rIns="91425" wrap="square" tIns="91425">
-            <a:noAutofit/>
-          </a:bodyPr>
-          <a:lstStyle/>
-          <a:p>
-            <a:pPr indent="0" lvl="0" marL="0" rtl="0" algn="l">
-              <a:spcBef>
-                <a:spcPts val="0"/>
-              </a:spcBef>
-              <a:spcAft>
-                <a:spcPts val="0"/>
-              </a:spcAft>
-              <a:buNone/>
-            </a:pPr>
-            <a:r>
-              <a:rPr lang="en">
-                <a:solidFill>
-                  <a:schemeClr val="accent6"/>
-                </a:solidFill>
-              </a:rPr>
-              <a:t>[</a:t>
-            </a:r>
-            <a:r>
-              <a:rPr lang="en">
-                <a:solidFill>
-                  <a:schemeClr val="accent1"/>
-                </a:solidFill>
-              </a:rPr>
-              <a:t>Button example</a:t>
-            </a:r>
-            <a:r>
-              <a:rPr lang="en">
-                <a:solidFill>
-                  <a:schemeClr val="accent6"/>
-                </a:solidFill>
-              </a:rPr>
-              <a:t>]</a:t>
-            </a:r>
-            <a:r>
-              <a:rPr lang="en">
-                <a:solidFill>
-                  <a:schemeClr val="accent1"/>
-                </a:solidFill>
-              </a:rPr>
-              <a:t> </a:t>
-            </a:r>
-            <a:endParaRPr>
-              <a:solidFill>
-                <a:schemeClr val="accent3"/>
-              </a:solidFill>
-            </a:endParaRPr>
-          </a:p>
-        </p:txBody>
-      </p:sp>
-      <p:sp>
-        <p:nvSpPr>
-          <p:cNvPr id="650" name="Google Shape;650;p31"/>
-          <p:cNvSpPr txBox="1"/>
-          <p:nvPr>
-            <p:ph idx="1" type="subTitle"/>
-          </p:nvPr>
-        </p:nvSpPr>
-        <p:spPr>
-          <a:xfrm>
-            <a:off x="-4080462" y="1620750"/>
-            <a:ext cx="3960900" cy="783000"/>
-          </a:xfrm>
-          <a:prstGeom prst="rect">
-            <a:avLst/>
-          </a:prstGeom>
-        </p:spPr>
-        <p:txBody>
-          <a:bodyPr anchorCtr="0" anchor="ctr" bIns="91425" lIns="91425" spcFirstLastPara="1" rIns="91425" wrap="square" tIns="91425">
-            <a:noAutofit/>
-          </a:bodyPr>
-          <a:lstStyle/>
-          <a:p>
-            <a:pPr indent="0" lvl="0" marL="0" rtl="0" algn="l">
-              <a:spcBef>
-                <a:spcPts val="0"/>
-              </a:spcBef>
-              <a:spcAft>
-                <a:spcPts val="0"/>
-              </a:spcAft>
-              <a:buNone/>
-            </a:pPr>
-            <a:r>
-              <a:t/>
-            </a:r>
-            <a:endParaRPr/>
-          </a:p>
-        </p:txBody>
-      </p:sp>
-      <p:sp>
-        <p:nvSpPr>
-          <p:cNvPr id="651" name="Google Shape;651;p31"/>
-          <p:cNvSpPr txBox="1"/>
-          <p:nvPr/>
-        </p:nvSpPr>
-        <p:spPr>
-          <a:xfrm>
-            <a:off x="2127375" y="3586575"/>
-            <a:ext cx="506100" cy="783000"/>
-          </a:xfrm>
-          <a:prstGeom prst="rect">
-            <a:avLst/>
-          </a:prstGeom>
-          <a:noFill/>
-          <a:ln>
-            <a:noFill/>
-          </a:ln>
-        </p:spPr>
-        <p:txBody>
-          <a:bodyPr anchorCtr="0" anchor="ctr" bIns="91425" lIns="91425" spcFirstLastPara="1" rIns="91425" wrap="square" tIns="91425">
-            <a:noAutofit/>
-          </a:bodyPr>
-          <a:lstStyle/>
-          <a:p>
-            <a:pPr indent="0" lvl="0" marL="0" rtl="0" algn="l">
-              <a:spcBef>
-                <a:spcPts val="0"/>
-              </a:spcBef>
-              <a:spcAft>
-                <a:spcPts val="0"/>
-              </a:spcAft>
-              <a:buNone/>
-            </a:pPr>
-            <a:r>
-              <a:rPr lang="en" sz="5000">
-                <a:solidFill>
-                  <a:schemeClr val="accent6"/>
-                </a:solidFill>
-                <a:latin typeface="Fira Code"/>
-                <a:ea typeface="Fira Code"/>
-                <a:cs typeface="Fira Code"/>
-                <a:sym typeface="Fira Code"/>
-              </a:rPr>
-              <a:t>}</a:t>
-            </a:r>
-            <a:endParaRPr sz="5000">
-              <a:solidFill>
-                <a:schemeClr val="accent6"/>
-              </a:solidFill>
-              <a:latin typeface="Fira Code"/>
-              <a:ea typeface="Fira Code"/>
-              <a:cs typeface="Fira Code"/>
-              <a:sym typeface="Fira Code"/>
-            </a:endParaRPr>
-          </a:p>
-        </p:txBody>
-      </p:sp>
-      <p:cxnSp>
-        <p:nvCxnSpPr>
-          <p:cNvPr id="652" name="Google Shape;652;p31"/>
-          <p:cNvCxnSpPr>
-            <a:endCxn id="651" idx="0"/>
-          </p:cNvCxnSpPr>
-          <p:nvPr/>
-        </p:nvCxnSpPr>
-        <p:spPr>
-          <a:xfrm>
-            <a:off x="2380425" y="1478475"/>
-            <a:ext cx="0" cy="2108100"/>
-          </a:xfrm>
-          <a:prstGeom prst="straightConnector1">
-            <a:avLst/>
-          </a:prstGeom>
-          <a:noFill/>
-          <a:ln cap="flat" cmpd="sng" w="9525">
-            <a:solidFill>
-              <a:schemeClr val="accent4"/>
-            </a:solidFill>
-            <a:prstDash val="solid"/>
-            <a:round/>
-            <a:headEnd len="med" w="med" type="none"/>
-            <a:tailEnd len="med" w="med" type="none"/>
-          </a:ln>
-        </p:spPr>
-      </p:cxnSp>
-      <p:sp>
-        <p:nvSpPr>
-          <p:cNvPr id="653" name="Google Shape;653;p31"/>
-          <p:cNvSpPr txBox="1"/>
-          <p:nvPr>
-            <p:ph idx="4294967295" type="subTitle"/>
-          </p:nvPr>
-        </p:nvSpPr>
-        <p:spPr>
-          <a:xfrm>
-            <a:off x="710125" y="4694725"/>
-            <a:ext cx="4865100" cy="357300"/>
-          </a:xfrm>
-          <a:prstGeom prst="rect">
-            <a:avLst/>
-          </a:prstGeom>
-        </p:spPr>
-        <p:txBody>
-          <a:bodyPr anchorCtr="0" anchor="ctr" bIns="91425" lIns="91425" spcFirstLastPara="1" rIns="91425" wrap="square" tIns="91425">
-            <a:noAutofit/>
-          </a:bodyPr>
-          <a:lstStyle/>
-          <a:p>
-            <a:pPr indent="0" lvl="0" marL="0" rtl="0" algn="l">
-              <a:spcBef>
-                <a:spcPts val="0"/>
-              </a:spcBef>
-              <a:spcAft>
-                <a:spcPts val="0"/>
-              </a:spcAft>
-              <a:buNone/>
-            </a:pPr>
-            <a:r>
-              <a:rPr lang="en" sz="1400">
-                <a:solidFill>
-                  <a:schemeClr val="accent3"/>
-                </a:solidFill>
-              </a:rPr>
-              <a:t>Programming Language</a:t>
-            </a:r>
-            <a:endParaRPr sz="1400">
-              <a:solidFill>
-                <a:schemeClr val="accent3"/>
-              </a:solidFill>
-            </a:endParaRPr>
-          </a:p>
-        </p:txBody>
-      </p:sp>
-      <p:sp>
-        <p:nvSpPr>
-          <p:cNvPr id="654" name="Google Shape;654;p31"/>
-          <p:cNvSpPr txBox="1"/>
-          <p:nvPr>
-            <p:ph idx="4294967295" type="subTitle"/>
-          </p:nvPr>
-        </p:nvSpPr>
-        <p:spPr>
-          <a:xfrm>
-            <a:off x="-5975" y="91525"/>
-            <a:ext cx="4572000" cy="357300"/>
-          </a:xfrm>
-          <a:prstGeom prst="rect">
-            <a:avLst/>
-          </a:prstGeom>
-        </p:spPr>
-        <p:txBody>
-          <a:bodyPr anchorCtr="0" anchor="ctr" bIns="91425" lIns="91425" spcFirstLastPara="1" rIns="91425" wrap="square" tIns="91425">
-            <a:noAutofit/>
-          </a:bodyPr>
-          <a:lstStyle/>
-          <a:p>
-            <a:pPr indent="0" lvl="0" marL="0" rtl="0" algn="ctr">
-              <a:spcBef>
-                <a:spcPts val="0"/>
-              </a:spcBef>
-              <a:spcAft>
-                <a:spcPts val="0"/>
-              </a:spcAft>
-              <a:buNone/>
-            </a:pPr>
-            <a:r>
-              <a:rPr lang="en" sz="1400">
-                <a:solidFill>
-                  <a:schemeClr val="accent3"/>
-                </a:solidFill>
-              </a:rPr>
-              <a:t>forbeginners.html</a:t>
-            </a:r>
-            <a:endParaRPr sz="1400">
-              <a:solidFill>
-                <a:schemeClr val="accent3"/>
-              </a:solidFill>
-            </a:endParaRPr>
-          </a:p>
-        </p:txBody>
-      </p:sp>
-      <p:sp>
-        <p:nvSpPr>
-          <p:cNvPr id="655" name="Google Shape;655;p31"/>
-          <p:cNvSpPr txBox="1"/>
-          <p:nvPr>
-            <p:ph idx="4294967295" type="subTitle"/>
-          </p:nvPr>
-        </p:nvSpPr>
-        <p:spPr>
-          <a:xfrm>
-            <a:off x="4572000" y="91525"/>
-            <a:ext cx="4572000" cy="357300"/>
-          </a:xfrm>
-          <a:prstGeom prst="rect">
-            <a:avLst/>
-          </a:prstGeom>
-        </p:spPr>
-        <p:txBody>
-          <a:bodyPr anchorCtr="0" anchor="ctr" bIns="91425" lIns="91425" spcFirstLastPara="1" rIns="91425" wrap="square" tIns="91425">
-            <a:noAutofit/>
-          </a:bodyPr>
-          <a:lstStyle/>
-          <a:p>
-            <a:pPr indent="0" lvl="0" marL="0" rtl="0" algn="ctr">
-              <a:spcBef>
-                <a:spcPts val="0"/>
-              </a:spcBef>
-              <a:spcAft>
-                <a:spcPts val="0"/>
-              </a:spcAft>
-              <a:buNone/>
-            </a:pPr>
-            <a:r>
-              <a:rPr lang="en" sz="1400">
-                <a:solidFill>
-                  <a:schemeClr val="accent3"/>
-                </a:solidFill>
-              </a:rPr>
-              <a:t>workshop.css</a:t>
-            </a:r>
-            <a:endParaRPr sz="1400">
-              <a:solidFill>
-                <a:schemeClr val="accent3"/>
-              </a:solidFill>
-            </a:endParaRPr>
-          </a:p>
-        </p:txBody>
-      </p:sp>
-      <p:sp>
-        <p:nvSpPr>
-          <p:cNvPr id="656" name="Google Shape;656;p31"/>
-          <p:cNvSpPr/>
-          <p:nvPr/>
-        </p:nvSpPr>
-        <p:spPr>
-          <a:xfrm>
-            <a:off x="-2975" y="0"/>
-            <a:ext cx="2285400" cy="517500"/>
-          </a:xfrm>
-          <a:prstGeom prst="rect">
-            <a:avLst/>
-          </a:prstGeom>
-          <a:solidFill>
-            <a:schemeClr val="accent5"/>
-          </a:solidFill>
-          <a:ln cap="flat" cmpd="sng" w="9525">
-            <a:solidFill>
-              <a:schemeClr val="accent4"/>
-            </a:solidFill>
-            <a:prstDash val="solid"/>
-            <a:round/>
-            <a:headEnd len="sm" w="sm" type="none"/>
-            <a:tailEnd len="sm" w="sm" type="none"/>
-          </a:ln>
-        </p:spPr>
-        <p:txBody>
-          <a:bodyPr anchorCtr="0" anchor="ctr" bIns="91425" lIns="91425" spcFirstLastPara="1" rIns="91425" wrap="square" tIns="91425">
-            <a:noAutofit/>
-          </a:bodyPr>
-          <a:lstStyle/>
-          <a:p>
-            <a:pPr indent="0" lvl="0" marL="0" rtl="0" algn="ctr">
-              <a:spcBef>
-                <a:spcPts val="0"/>
-              </a:spcBef>
-              <a:spcAft>
-                <a:spcPts val="0"/>
-              </a:spcAft>
-              <a:buNone/>
-            </a:pPr>
-            <a:r>
-              <a:t/>
-            </a:r>
-            <a:endParaRPr>
-              <a:latin typeface="Fira Code"/>
-              <a:ea typeface="Fira Code"/>
-              <a:cs typeface="Fira Code"/>
-              <a:sym typeface="Fira Code"/>
-            </a:endParaRPr>
-          </a:p>
-        </p:txBody>
-      </p:sp>
-      <p:sp>
-        <p:nvSpPr>
-          <p:cNvPr id="657" name="Google Shape;657;p31"/>
-          <p:cNvSpPr/>
-          <p:nvPr/>
-        </p:nvSpPr>
-        <p:spPr>
-          <a:xfrm>
-            <a:off x="2289600" y="0"/>
-            <a:ext cx="2285400" cy="517500"/>
-          </a:xfrm>
-          <a:prstGeom prst="rect">
-            <a:avLst/>
-          </a:prstGeom>
-          <a:solidFill>
-            <a:schemeClr val="accent5"/>
-          </a:solidFill>
-          <a:ln cap="flat" cmpd="sng" w="9525">
-            <a:solidFill>
-              <a:schemeClr val="accent4"/>
-            </a:solidFill>
-            <a:prstDash val="solid"/>
-            <a:round/>
-            <a:headEnd len="sm" w="sm" type="none"/>
-            <a:tailEnd len="sm" w="sm" type="none"/>
-          </a:ln>
-        </p:spPr>
-        <p:txBody>
-          <a:bodyPr anchorCtr="0" anchor="ctr" bIns="91425" lIns="91425" spcFirstLastPara="1" rIns="91425" wrap="square" tIns="91425">
-            <a:noAutofit/>
-          </a:bodyPr>
-          <a:lstStyle/>
-          <a:p>
-            <a:pPr indent="0" lvl="0" marL="0" rtl="0" algn="ctr">
-              <a:spcBef>
-                <a:spcPts val="0"/>
-              </a:spcBef>
-              <a:spcAft>
-                <a:spcPts val="0"/>
-              </a:spcAft>
-              <a:buNone/>
-            </a:pPr>
-            <a:r>
-              <a:t/>
-            </a:r>
-            <a:endParaRPr>
-              <a:latin typeface="Fira Code"/>
-              <a:ea typeface="Fira Code"/>
-              <a:cs typeface="Fira Code"/>
-              <a:sym typeface="Fira Code"/>
-            </a:endParaRPr>
-          </a:p>
-        </p:txBody>
-      </p:sp>
-      <p:sp>
-        <p:nvSpPr>
-          <p:cNvPr id="658" name="Google Shape;658;p31"/>
-          <p:cNvSpPr/>
-          <p:nvPr/>
-        </p:nvSpPr>
-        <p:spPr>
-          <a:xfrm>
-            <a:off x="4569025" y="0"/>
-            <a:ext cx="2285400" cy="517500"/>
-          </a:xfrm>
-          <a:prstGeom prst="rect">
-            <a:avLst/>
-          </a:prstGeom>
-          <a:solidFill>
-            <a:schemeClr val="accent5"/>
-          </a:solidFill>
-          <a:ln cap="flat" cmpd="sng" w="9525">
-            <a:solidFill>
-              <a:schemeClr val="accent4"/>
-            </a:solidFill>
-            <a:prstDash val="solid"/>
-            <a:round/>
-            <a:headEnd len="sm" w="sm" type="none"/>
-            <a:tailEnd len="sm" w="sm" type="none"/>
-          </a:ln>
-        </p:spPr>
-        <p:txBody>
-          <a:bodyPr anchorCtr="0" anchor="ctr" bIns="91425" lIns="91425" spcFirstLastPara="1" rIns="91425" wrap="square" tIns="91425">
-            <a:noAutofit/>
-          </a:bodyPr>
-          <a:lstStyle/>
-          <a:p>
-            <a:pPr indent="0" lvl="0" marL="0" rtl="0" algn="ctr">
-              <a:spcBef>
-                <a:spcPts val="0"/>
-              </a:spcBef>
-              <a:spcAft>
-                <a:spcPts val="0"/>
-              </a:spcAft>
-              <a:buNone/>
-            </a:pPr>
-            <a:r>
-              <a:t/>
-            </a:r>
-            <a:endParaRPr>
-              <a:latin typeface="Fira Code"/>
-              <a:ea typeface="Fira Code"/>
-              <a:cs typeface="Fira Code"/>
-              <a:sym typeface="Fira Code"/>
-            </a:endParaRPr>
-          </a:p>
-        </p:txBody>
-      </p:sp>
-      <p:sp>
-        <p:nvSpPr>
-          <p:cNvPr id="659" name="Google Shape;659;p31"/>
-          <p:cNvSpPr/>
-          <p:nvPr/>
-        </p:nvSpPr>
-        <p:spPr>
-          <a:xfrm>
-            <a:off x="6854425" y="0"/>
-            <a:ext cx="2285400" cy="517500"/>
-          </a:xfrm>
-          <a:prstGeom prst="rect">
-            <a:avLst/>
-          </a:prstGeom>
-          <a:solidFill>
-            <a:schemeClr val="accent5"/>
-          </a:solidFill>
-          <a:ln cap="flat" cmpd="sng" w="9525">
-            <a:solidFill>
-              <a:schemeClr val="accent4"/>
-            </a:solidFill>
-            <a:prstDash val="solid"/>
-            <a:round/>
-            <a:headEnd len="sm" w="sm" type="none"/>
-            <a:tailEnd len="sm" w="sm" type="none"/>
-          </a:ln>
-        </p:spPr>
-        <p:txBody>
-          <a:bodyPr anchorCtr="0" anchor="ctr" bIns="91425" lIns="91425" spcFirstLastPara="1" rIns="91425" wrap="square" tIns="91425">
-            <a:noAutofit/>
-          </a:bodyPr>
-          <a:lstStyle/>
-          <a:p>
-            <a:pPr indent="0" lvl="0" marL="0" rtl="0" algn="ctr">
-              <a:spcBef>
-                <a:spcPts val="0"/>
-              </a:spcBef>
-              <a:spcAft>
-                <a:spcPts val="0"/>
-              </a:spcAft>
-              <a:buNone/>
-            </a:pPr>
-            <a:r>
-              <a:t/>
-            </a:r>
-            <a:endParaRPr>
-              <a:latin typeface="Fira Code"/>
-              <a:ea typeface="Fira Code"/>
-              <a:cs typeface="Fira Code"/>
-              <a:sym typeface="Fira Code"/>
-            </a:endParaRPr>
-          </a:p>
-        </p:txBody>
-      </p:sp>
-      <p:sp>
-        <p:nvSpPr>
-          <p:cNvPr id="660" name="Google Shape;660;p31"/>
-          <p:cNvSpPr txBox="1"/>
-          <p:nvPr>
-            <p:ph idx="4294967295" type="subTitle"/>
-          </p:nvPr>
-        </p:nvSpPr>
-        <p:spPr>
-          <a:xfrm>
-            <a:off x="54150" y="80100"/>
-            <a:ext cx="2178300" cy="357300"/>
-          </a:xfrm>
-          <a:prstGeom prst="rect">
-            <a:avLst/>
-          </a:prstGeom>
-        </p:spPr>
-        <p:txBody>
-          <a:bodyPr anchorCtr="0" anchor="ctr" bIns="91425" lIns="91425" spcFirstLastPara="1" rIns="91425" wrap="square" tIns="91425">
-            <a:noAutofit/>
-          </a:bodyPr>
-          <a:lstStyle/>
-          <a:p>
-            <a:pPr indent="0" lvl="0" marL="0" rtl="0" algn="ctr">
-              <a:spcBef>
-                <a:spcPts val="0"/>
-              </a:spcBef>
-              <a:spcAft>
-                <a:spcPts val="0"/>
-              </a:spcAft>
-              <a:buNone/>
-            </a:pPr>
-            <a:r>
-              <a:rPr b="1" lang="en" sz="1400">
-                <a:solidFill>
-                  <a:schemeClr val="dk2"/>
-                </a:solidFill>
-                <a:latin typeface="Lobster"/>
-                <a:ea typeface="Lobster"/>
-                <a:cs typeface="Lobster"/>
-                <a:sym typeface="Lobster"/>
-              </a:rPr>
-              <a:t>#</a:t>
-            </a:r>
-            <a:r>
-              <a:rPr b="1" lang="en" sz="1400">
-                <a:latin typeface="Roboto Mono"/>
-                <a:ea typeface="Roboto Mono"/>
-                <a:cs typeface="Roboto Mono"/>
-                <a:sym typeface="Roboto Mono"/>
-              </a:rPr>
-              <a:t> </a:t>
-            </a:r>
-            <a:r>
-              <a:rPr lang="en" sz="1400"/>
-              <a:t>introducao</a:t>
-            </a:r>
-            <a:r>
-              <a:rPr lang="en" sz="1400">
-                <a:solidFill>
-                  <a:schemeClr val="accent3"/>
-                </a:solidFill>
-              </a:rPr>
-              <a:t>.</a:t>
-            </a:r>
-            <a:r>
-              <a:rPr lang="en" sz="1400"/>
-              <a:t>css</a:t>
-            </a:r>
-            <a:endParaRPr sz="1400">
-              <a:solidFill>
-                <a:schemeClr val="accent3"/>
-              </a:solidFill>
-            </a:endParaRPr>
-          </a:p>
-        </p:txBody>
-      </p:sp>
-      <p:sp>
-        <p:nvSpPr>
-          <p:cNvPr id="661" name="Google Shape;661;p31"/>
-          <p:cNvSpPr txBox="1"/>
-          <p:nvPr>
-            <p:ph idx="4294967295" type="subTitle"/>
-          </p:nvPr>
-        </p:nvSpPr>
-        <p:spPr>
-          <a:xfrm>
-            <a:off x="2286000" y="80100"/>
-            <a:ext cx="2285400" cy="357300"/>
-          </a:xfrm>
-          <a:prstGeom prst="rect">
-            <a:avLst/>
-          </a:prstGeom>
-        </p:spPr>
-        <p:txBody>
-          <a:bodyPr anchorCtr="0" anchor="ctr" bIns="91425" lIns="91425" spcFirstLastPara="1" rIns="91425" wrap="square" tIns="91425">
-            <a:noAutofit/>
-          </a:bodyPr>
-          <a:lstStyle/>
-          <a:p>
-            <a:pPr indent="0" lvl="0" marL="0" rtl="0" algn="ctr">
-              <a:spcBef>
-                <a:spcPts val="0"/>
-              </a:spcBef>
-              <a:spcAft>
-                <a:spcPts val="0"/>
-              </a:spcAft>
-              <a:buNone/>
-            </a:pPr>
-            <a:r>
-              <a:rPr b="1" lang="en" sz="1400">
-                <a:solidFill>
-                  <a:schemeClr val="dk2"/>
-                </a:solidFill>
-                <a:latin typeface="Lobster"/>
-                <a:ea typeface="Lobster"/>
-                <a:cs typeface="Lobster"/>
-                <a:sym typeface="Lobster"/>
-              </a:rPr>
-              <a:t>#</a:t>
-            </a:r>
-            <a:r>
-              <a:rPr b="1" lang="en" sz="1400">
-                <a:latin typeface="Roboto Mono"/>
-                <a:ea typeface="Roboto Mono"/>
-                <a:cs typeface="Roboto Mono"/>
-                <a:sym typeface="Roboto Mono"/>
-              </a:rPr>
-              <a:t> </a:t>
-            </a:r>
-            <a:r>
-              <a:rPr lang="en" sz="1400"/>
-              <a:t>oQueSao</a:t>
-            </a:r>
-            <a:r>
-              <a:rPr lang="en" sz="1400">
-                <a:solidFill>
-                  <a:schemeClr val="accent3"/>
-                </a:solidFill>
-              </a:rPr>
-              <a:t>.css</a:t>
-            </a:r>
-            <a:endParaRPr sz="1400">
-              <a:solidFill>
-                <a:schemeClr val="accent3"/>
-              </a:solidFill>
-            </a:endParaRPr>
-          </a:p>
-        </p:txBody>
-      </p:sp>
-      <p:sp>
-        <p:nvSpPr>
-          <p:cNvPr id="662" name="Google Shape;662;p31"/>
-          <p:cNvSpPr txBox="1"/>
-          <p:nvPr>
-            <p:ph idx="4294967295" type="subTitle"/>
-          </p:nvPr>
-        </p:nvSpPr>
-        <p:spPr>
-          <a:xfrm>
-            <a:off x="4569025" y="80100"/>
-            <a:ext cx="2285400" cy="357300"/>
-          </a:xfrm>
-          <a:prstGeom prst="rect">
-            <a:avLst/>
-          </a:prstGeom>
-        </p:spPr>
-        <p:txBody>
-          <a:bodyPr anchorCtr="0" anchor="ctr" bIns="91425" lIns="91425" spcFirstLastPara="1" rIns="91425" wrap="square" tIns="91425">
-            <a:noAutofit/>
-          </a:bodyPr>
-          <a:lstStyle/>
-          <a:p>
-            <a:pPr indent="0" lvl="0" marL="0" rtl="0" algn="ctr">
-              <a:spcBef>
-                <a:spcPts val="0"/>
-              </a:spcBef>
-              <a:spcAft>
-                <a:spcPts val="0"/>
-              </a:spcAft>
-              <a:buNone/>
-            </a:pPr>
-            <a:r>
-              <a:rPr b="1" lang="en" sz="1400">
-                <a:solidFill>
-                  <a:schemeClr val="dk2"/>
-                </a:solidFill>
-                <a:latin typeface="Lobster"/>
-                <a:ea typeface="Lobster"/>
-                <a:cs typeface="Lobster"/>
-                <a:sym typeface="Lobster"/>
-              </a:rPr>
-              <a:t>#</a:t>
-            </a:r>
-            <a:r>
-              <a:rPr b="1" lang="en" sz="1400">
-                <a:latin typeface="Roboto Mono"/>
-                <a:ea typeface="Roboto Mono"/>
-                <a:cs typeface="Roboto Mono"/>
-                <a:sym typeface="Roboto Mono"/>
-              </a:rPr>
-              <a:t> </a:t>
-            </a:r>
-            <a:r>
-              <a:rPr lang="en" sz="1400"/>
-              <a:t>padroes</a:t>
-            </a:r>
-            <a:r>
-              <a:rPr lang="en" sz="1400">
-                <a:solidFill>
-                  <a:schemeClr val="accent3"/>
-                </a:solidFill>
-              </a:rPr>
-              <a:t>.css</a:t>
-            </a:r>
-            <a:endParaRPr sz="1400">
-              <a:solidFill>
-                <a:schemeClr val="accent3"/>
-              </a:solidFill>
-            </a:endParaRPr>
-          </a:p>
-        </p:txBody>
-      </p:sp>
-      <p:sp>
-        <p:nvSpPr>
-          <p:cNvPr id="663" name="Google Shape;663;p31"/>
-          <p:cNvSpPr txBox="1"/>
-          <p:nvPr>
-            <p:ph idx="4294967295" type="subTitle"/>
-          </p:nvPr>
-        </p:nvSpPr>
-        <p:spPr>
-          <a:xfrm>
-            <a:off x="6854425" y="80100"/>
-            <a:ext cx="2285400" cy="357300"/>
-          </a:xfrm>
-          <a:prstGeom prst="rect">
-            <a:avLst/>
-          </a:prstGeom>
-        </p:spPr>
-        <p:txBody>
-          <a:bodyPr anchorCtr="0" anchor="ctr" bIns="91425" lIns="91425" spcFirstLastPara="1" rIns="91425" wrap="square" tIns="91425">
-            <a:noAutofit/>
-          </a:bodyPr>
-          <a:lstStyle/>
-          <a:p>
-            <a:pPr indent="0" lvl="0" marL="0" rtl="0" algn="ctr">
-              <a:spcBef>
-                <a:spcPts val="0"/>
-              </a:spcBef>
-              <a:spcAft>
-                <a:spcPts val="0"/>
-              </a:spcAft>
-              <a:buNone/>
-            </a:pPr>
-            <a:r>
-              <a:rPr b="1" lang="en" sz="1400">
-                <a:solidFill>
-                  <a:schemeClr val="lt1"/>
-                </a:solidFill>
-                <a:latin typeface="Calibri"/>
-                <a:ea typeface="Calibri"/>
-                <a:cs typeface="Calibri"/>
-                <a:sym typeface="Calibri"/>
-              </a:rPr>
-              <a:t>&lt;&gt; </a:t>
-            </a:r>
-            <a:r>
-              <a:rPr lang="en" sz="1400"/>
-              <a:t>exemplos</a:t>
-            </a:r>
-            <a:r>
-              <a:rPr lang="en" sz="1400">
-                <a:solidFill>
-                  <a:schemeClr val="accent3"/>
-                </a:solidFill>
-              </a:rPr>
-              <a:t>.</a:t>
-            </a:r>
-            <a:r>
-              <a:rPr lang="en" sz="1400"/>
-              <a:t>html</a:t>
-            </a:r>
-            <a:endParaRPr sz="1400">
-              <a:solidFill>
-                <a:schemeClr val="accent3"/>
-              </a:solidFill>
-            </a:endParaRPr>
-          </a:p>
-        </p:txBody>
-      </p:sp>
-      <p:sp>
-        <p:nvSpPr>
-          <p:cNvPr id="664" name="Google Shape;664;p31"/>
-          <p:cNvSpPr txBox="1"/>
-          <p:nvPr>
-            <p:ph idx="4294967295" type="subTitle"/>
-          </p:nvPr>
-        </p:nvSpPr>
-        <p:spPr>
-          <a:xfrm>
-            <a:off x="-5975" y="91525"/>
-            <a:ext cx="4572000" cy="357300"/>
-          </a:xfrm>
-          <a:prstGeom prst="rect">
-            <a:avLst/>
-          </a:prstGeom>
-        </p:spPr>
-        <p:txBody>
-          <a:bodyPr anchorCtr="0" anchor="ctr" bIns="91425" lIns="91425" spcFirstLastPara="1" rIns="91425" wrap="square" tIns="91425">
-            <a:noAutofit/>
-          </a:bodyPr>
-          <a:lstStyle/>
-          <a:p>
-            <a:pPr indent="0" lvl="0" marL="0" rtl="0" algn="ctr">
-              <a:spcBef>
-                <a:spcPts val="0"/>
-              </a:spcBef>
-              <a:spcAft>
-                <a:spcPts val="0"/>
-              </a:spcAft>
-              <a:buNone/>
-            </a:pPr>
-            <a:r>
-              <a:rPr lang="en" sz="1400">
-                <a:solidFill>
-                  <a:schemeClr val="accent3"/>
-                </a:solidFill>
-              </a:rPr>
-              <a:t>forbeginners.html</a:t>
-            </a:r>
-            <a:endParaRPr sz="1400">
-              <a:solidFill>
-                <a:schemeClr val="accent3"/>
-              </a:solidFill>
-            </a:endParaRPr>
-          </a:p>
-        </p:txBody>
-      </p:sp>
-      <p:sp>
-        <p:nvSpPr>
-          <p:cNvPr id="665" name="Google Shape;665;p31"/>
-          <p:cNvSpPr txBox="1"/>
-          <p:nvPr>
-            <p:ph idx="4294967295" type="subTitle"/>
-          </p:nvPr>
-        </p:nvSpPr>
-        <p:spPr>
-          <a:xfrm>
-            <a:off x="4572000" y="91525"/>
-            <a:ext cx="4572000" cy="357300"/>
-          </a:xfrm>
-          <a:prstGeom prst="rect">
-            <a:avLst/>
-          </a:prstGeom>
-        </p:spPr>
-        <p:txBody>
-          <a:bodyPr anchorCtr="0" anchor="ctr" bIns="91425" lIns="91425" spcFirstLastPara="1" rIns="91425" wrap="square" tIns="91425">
-            <a:noAutofit/>
-          </a:bodyPr>
-          <a:lstStyle/>
-          <a:p>
-            <a:pPr indent="0" lvl="0" marL="0" rtl="0" algn="ctr">
-              <a:spcBef>
-                <a:spcPts val="0"/>
-              </a:spcBef>
-              <a:spcAft>
-                <a:spcPts val="1200"/>
-              </a:spcAft>
-              <a:buNone/>
-            </a:pPr>
-            <a:r>
-              <a:rPr lang="en" sz="1400">
-                <a:solidFill>
-                  <a:schemeClr val="accent3"/>
-                </a:solidFill>
-              </a:rPr>
-              <a:t>workshop.css</a:t>
-            </a:r>
-            <a:endParaRPr sz="1400">
-              <a:solidFill>
-                <a:schemeClr val="accent3"/>
-              </a:solidFill>
-            </a:endParaRPr>
-          </a:p>
-        </p:txBody>
-      </p:sp>
-      <p:sp>
-        <p:nvSpPr>
-          <p:cNvPr id="666" name="Google Shape;666;p31"/>
-          <p:cNvSpPr/>
-          <p:nvPr/>
-        </p:nvSpPr>
-        <p:spPr>
-          <a:xfrm>
-            <a:off x="-2975" y="0"/>
-            <a:ext cx="2285400" cy="517500"/>
-          </a:xfrm>
-          <a:prstGeom prst="rect">
-            <a:avLst/>
-          </a:prstGeom>
-          <a:solidFill>
-            <a:schemeClr val="accent5"/>
-          </a:solidFill>
-          <a:ln cap="flat" cmpd="sng" w="9525">
-            <a:solidFill>
-              <a:schemeClr val="accent4"/>
-            </a:solidFill>
-            <a:prstDash val="solid"/>
-            <a:round/>
-            <a:headEnd len="sm" w="sm" type="none"/>
-            <a:tailEnd len="sm" w="sm" type="none"/>
-          </a:ln>
-        </p:spPr>
-        <p:txBody>
-          <a:bodyPr anchorCtr="0" anchor="ctr" bIns="91425" lIns="91425" spcFirstLastPara="1" rIns="91425" wrap="square" tIns="91425">
-            <a:noAutofit/>
-          </a:bodyPr>
-          <a:lstStyle/>
-          <a:p>
-            <a:pPr indent="0" lvl="0" marL="0" rtl="0" algn="ctr">
-              <a:spcBef>
-                <a:spcPts val="0"/>
-              </a:spcBef>
-              <a:spcAft>
-                <a:spcPts val="0"/>
-              </a:spcAft>
-              <a:buNone/>
-            </a:pPr>
-            <a:r>
-              <a:t/>
-            </a:r>
-            <a:endParaRPr>
-              <a:latin typeface="Fira Code"/>
-              <a:ea typeface="Fira Code"/>
-              <a:cs typeface="Fira Code"/>
-              <a:sym typeface="Fira Code"/>
-            </a:endParaRPr>
-          </a:p>
-        </p:txBody>
-      </p:sp>
-      <p:sp>
-        <p:nvSpPr>
-          <p:cNvPr id="667" name="Google Shape;667;p31"/>
-          <p:cNvSpPr/>
-          <p:nvPr/>
-        </p:nvSpPr>
-        <p:spPr>
-          <a:xfrm>
-            <a:off x="2289600" y="0"/>
-            <a:ext cx="2285400" cy="517500"/>
-          </a:xfrm>
-          <a:prstGeom prst="rect">
-            <a:avLst/>
-          </a:prstGeom>
-          <a:solidFill>
-            <a:schemeClr val="accent5"/>
-          </a:solidFill>
-          <a:ln cap="flat" cmpd="sng" w="9525">
-            <a:solidFill>
-              <a:schemeClr val="accent4"/>
-            </a:solidFill>
-            <a:prstDash val="solid"/>
-            <a:round/>
-            <a:headEnd len="sm" w="sm" type="none"/>
-            <a:tailEnd len="sm" w="sm" type="none"/>
-          </a:ln>
-        </p:spPr>
-        <p:txBody>
-          <a:bodyPr anchorCtr="0" anchor="ctr" bIns="91425" lIns="91425" spcFirstLastPara="1" rIns="91425" wrap="square" tIns="91425">
-            <a:noAutofit/>
-          </a:bodyPr>
-          <a:lstStyle/>
-          <a:p>
-            <a:pPr indent="0" lvl="0" marL="0" rtl="0" algn="ctr">
-              <a:spcBef>
-                <a:spcPts val="0"/>
-              </a:spcBef>
-              <a:spcAft>
-                <a:spcPts val="0"/>
-              </a:spcAft>
-              <a:buNone/>
-            </a:pPr>
-            <a:r>
-              <a:t/>
-            </a:r>
-            <a:endParaRPr>
-              <a:latin typeface="Fira Code"/>
-              <a:ea typeface="Fira Code"/>
-              <a:cs typeface="Fira Code"/>
-              <a:sym typeface="Fira Code"/>
-            </a:endParaRPr>
-          </a:p>
-        </p:txBody>
-      </p:sp>
-      <p:sp>
-        <p:nvSpPr>
-          <p:cNvPr id="668" name="Google Shape;668;p31"/>
-          <p:cNvSpPr/>
-          <p:nvPr/>
-        </p:nvSpPr>
-        <p:spPr>
-          <a:xfrm>
-            <a:off x="4569025" y="0"/>
-            <a:ext cx="2285400" cy="517500"/>
-          </a:xfrm>
-          <a:prstGeom prst="rect">
-            <a:avLst/>
-          </a:prstGeom>
-          <a:solidFill>
-            <a:schemeClr val="accent5"/>
-          </a:solidFill>
-          <a:ln cap="flat" cmpd="sng" w="9525">
-            <a:solidFill>
-              <a:schemeClr val="accent4"/>
-            </a:solidFill>
-            <a:prstDash val="solid"/>
-            <a:round/>
-            <a:headEnd len="sm" w="sm" type="none"/>
-            <a:tailEnd len="sm" w="sm" type="none"/>
-          </a:ln>
-        </p:spPr>
-        <p:txBody>
-          <a:bodyPr anchorCtr="0" anchor="ctr" bIns="91425" lIns="91425" spcFirstLastPara="1" rIns="91425" wrap="square" tIns="91425">
-            <a:noAutofit/>
-          </a:bodyPr>
-          <a:lstStyle/>
-          <a:p>
-            <a:pPr indent="0" lvl="0" marL="0" rtl="0" algn="ctr">
-              <a:spcBef>
-                <a:spcPts val="0"/>
-              </a:spcBef>
-              <a:spcAft>
-                <a:spcPts val="0"/>
-              </a:spcAft>
-              <a:buNone/>
-            </a:pPr>
-            <a:r>
-              <a:t/>
-            </a:r>
-            <a:endParaRPr>
-              <a:latin typeface="Fira Code"/>
-              <a:ea typeface="Fira Code"/>
-              <a:cs typeface="Fira Code"/>
-              <a:sym typeface="Fira Code"/>
-            </a:endParaRPr>
-          </a:p>
-        </p:txBody>
-      </p:sp>
-      <p:sp>
-        <p:nvSpPr>
-          <p:cNvPr id="669" name="Google Shape;669;p31"/>
-          <p:cNvSpPr/>
-          <p:nvPr/>
-        </p:nvSpPr>
-        <p:spPr>
-          <a:xfrm>
-            <a:off x="6854425" y="0"/>
-            <a:ext cx="2285400" cy="517500"/>
-          </a:xfrm>
-          <a:prstGeom prst="rect">
-            <a:avLst/>
-          </a:prstGeom>
-          <a:solidFill>
-            <a:schemeClr val="dk1"/>
-          </a:solidFill>
-          <a:ln cap="flat" cmpd="sng" w="9525">
-            <a:solidFill>
-              <a:schemeClr val="accent4"/>
-            </a:solidFill>
-            <a:prstDash val="solid"/>
-            <a:round/>
-            <a:headEnd len="sm" w="sm" type="none"/>
-            <a:tailEnd len="sm" w="sm" type="none"/>
-          </a:ln>
-        </p:spPr>
-        <p:txBody>
-          <a:bodyPr anchorCtr="0" anchor="ctr" bIns="91425" lIns="91425" spcFirstLastPara="1" rIns="91425" wrap="square" tIns="91425">
-            <a:noAutofit/>
-          </a:bodyPr>
-          <a:lstStyle/>
-          <a:p>
-            <a:pPr indent="0" lvl="0" marL="0" rtl="0" algn="ctr">
-              <a:spcBef>
-                <a:spcPts val="0"/>
-              </a:spcBef>
-              <a:spcAft>
-                <a:spcPts val="0"/>
-              </a:spcAft>
-              <a:buNone/>
-            </a:pPr>
-            <a:r>
-              <a:t/>
-            </a:r>
-            <a:endParaRPr>
-              <a:latin typeface="Fira Code"/>
-              <a:ea typeface="Fira Code"/>
-              <a:cs typeface="Fira Code"/>
-              <a:sym typeface="Fira Code"/>
-            </a:endParaRPr>
-          </a:p>
-        </p:txBody>
-      </p:sp>
-      <p:sp>
-        <p:nvSpPr>
           <p:cNvPr id="670" name="Google Shape;670;p31"/>
           <p:cNvSpPr txBox="1"/>
           <p:nvPr>
@@ -47650,297 +48149,6 @@
         </p:nvSpPr>
         <p:spPr>
           <a:xfrm>
-            <a:off x="54150" y="80100"/>
-            <a:ext cx="2178300" cy="357300"/>
-          </a:xfrm>
-          <a:prstGeom prst="rect">
-            <a:avLst/>
-          </a:prstGeom>
-        </p:spPr>
-        <p:txBody>
-          <a:bodyPr anchorCtr="0" anchor="ctr" bIns="91425" lIns="91425" spcFirstLastPara="1" rIns="91425" wrap="square" tIns="91425">
-            <a:noAutofit/>
-          </a:bodyPr>
-          <a:lstStyle/>
-          <a:p>
-            <a:pPr indent="0" lvl="0" marL="0" rtl="0" algn="ctr">
-              <a:spcBef>
-                <a:spcPts val="0"/>
-              </a:spcBef>
-              <a:spcAft>
-                <a:spcPts val="0"/>
-              </a:spcAft>
-              <a:buNone/>
-            </a:pPr>
-            <a:r>
-              <a:rPr b="1" lang="en" sz="1400">
-                <a:solidFill>
-                  <a:schemeClr val="dk2"/>
-                </a:solidFill>
-                <a:latin typeface="Lobster"/>
-                <a:ea typeface="Lobster"/>
-                <a:cs typeface="Lobster"/>
-                <a:sym typeface="Lobster"/>
-              </a:rPr>
-              <a:t>#</a:t>
-            </a:r>
-            <a:r>
-              <a:rPr b="1" lang="en" sz="1400">
-                <a:latin typeface="Roboto Mono"/>
-                <a:ea typeface="Roboto Mono"/>
-                <a:cs typeface="Roboto Mono"/>
-                <a:sym typeface="Roboto Mono"/>
-              </a:rPr>
-              <a:t> </a:t>
-            </a:r>
-            <a:r>
-              <a:rPr lang="en" sz="1400"/>
-              <a:t>introducao</a:t>
-            </a:r>
-            <a:r>
-              <a:rPr lang="en" sz="1400">
-                <a:solidFill>
-                  <a:schemeClr val="accent3"/>
-                </a:solidFill>
-              </a:rPr>
-              <a:t>.</a:t>
-            </a:r>
-            <a:r>
-              <a:rPr lang="en" sz="1400"/>
-              <a:t>css</a:t>
-            </a:r>
-            <a:endParaRPr sz="1400">
-              <a:solidFill>
-                <a:schemeClr val="accent3"/>
-              </a:solidFill>
-            </a:endParaRPr>
-          </a:p>
-        </p:txBody>
-      </p:sp>
-      <p:sp>
-        <p:nvSpPr>
-          <p:cNvPr id="671" name="Google Shape;671;p31"/>
-          <p:cNvSpPr txBox="1"/>
-          <p:nvPr>
-            <p:ph idx="4294967295" type="subTitle"/>
-          </p:nvPr>
-        </p:nvSpPr>
-        <p:spPr>
-          <a:xfrm>
-            <a:off x="2286000" y="80100"/>
-            <a:ext cx="2285400" cy="357300"/>
-          </a:xfrm>
-          <a:prstGeom prst="rect">
-            <a:avLst/>
-          </a:prstGeom>
-        </p:spPr>
-        <p:txBody>
-          <a:bodyPr anchorCtr="0" anchor="ctr" bIns="91425" lIns="91425" spcFirstLastPara="1" rIns="91425" wrap="square" tIns="91425">
-            <a:noAutofit/>
-          </a:bodyPr>
-          <a:lstStyle/>
-          <a:p>
-            <a:pPr indent="0" lvl="0" marL="0" rtl="0" algn="ctr">
-              <a:spcBef>
-                <a:spcPts val="0"/>
-              </a:spcBef>
-              <a:spcAft>
-                <a:spcPts val="0"/>
-              </a:spcAft>
-              <a:buNone/>
-            </a:pPr>
-            <a:r>
-              <a:rPr b="1" lang="en" sz="1400">
-                <a:solidFill>
-                  <a:schemeClr val="dk2"/>
-                </a:solidFill>
-                <a:latin typeface="Lobster"/>
-                <a:ea typeface="Lobster"/>
-                <a:cs typeface="Lobster"/>
-                <a:sym typeface="Lobster"/>
-              </a:rPr>
-              <a:t>#</a:t>
-            </a:r>
-            <a:r>
-              <a:rPr b="1" lang="en" sz="1400">
-                <a:latin typeface="Roboto Mono"/>
-                <a:ea typeface="Roboto Mono"/>
-                <a:cs typeface="Roboto Mono"/>
-                <a:sym typeface="Roboto Mono"/>
-              </a:rPr>
-              <a:t> </a:t>
-            </a:r>
-            <a:r>
-              <a:rPr lang="en" sz="1400"/>
-              <a:t>oQueSao</a:t>
-            </a:r>
-            <a:r>
-              <a:rPr lang="en" sz="1400">
-                <a:solidFill>
-                  <a:schemeClr val="accent3"/>
-                </a:solidFill>
-              </a:rPr>
-              <a:t>.css</a:t>
-            </a:r>
-            <a:endParaRPr sz="1400">
-              <a:solidFill>
-                <a:schemeClr val="accent3"/>
-              </a:solidFill>
-            </a:endParaRPr>
-          </a:p>
-        </p:txBody>
-      </p:sp>
-      <p:sp>
-        <p:nvSpPr>
-          <p:cNvPr id="672" name="Google Shape;672;p31"/>
-          <p:cNvSpPr txBox="1"/>
-          <p:nvPr>
-            <p:ph idx="4294967295" type="subTitle"/>
-          </p:nvPr>
-        </p:nvSpPr>
-        <p:spPr>
-          <a:xfrm>
-            <a:off x="4569025" y="80100"/>
-            <a:ext cx="2285400" cy="357300"/>
-          </a:xfrm>
-          <a:prstGeom prst="rect">
-            <a:avLst/>
-          </a:prstGeom>
-        </p:spPr>
-        <p:txBody>
-          <a:bodyPr anchorCtr="0" anchor="ctr" bIns="91425" lIns="91425" spcFirstLastPara="1" rIns="91425" wrap="square" tIns="91425">
-            <a:noAutofit/>
-          </a:bodyPr>
-          <a:lstStyle/>
-          <a:p>
-            <a:pPr indent="0" lvl="0" marL="0" rtl="0" algn="ctr">
-              <a:spcBef>
-                <a:spcPts val="0"/>
-              </a:spcBef>
-              <a:spcAft>
-                <a:spcPts val="0"/>
-              </a:spcAft>
-              <a:buNone/>
-            </a:pPr>
-            <a:r>
-              <a:rPr b="1" lang="en" sz="1400">
-                <a:solidFill>
-                  <a:schemeClr val="dk2"/>
-                </a:solidFill>
-                <a:latin typeface="Lobster"/>
-                <a:ea typeface="Lobster"/>
-                <a:cs typeface="Lobster"/>
-                <a:sym typeface="Lobster"/>
-              </a:rPr>
-              <a:t>#</a:t>
-            </a:r>
-            <a:r>
-              <a:rPr b="1" lang="en" sz="1400">
-                <a:latin typeface="Roboto Mono"/>
-                <a:ea typeface="Roboto Mono"/>
-                <a:cs typeface="Roboto Mono"/>
-                <a:sym typeface="Roboto Mono"/>
-              </a:rPr>
-              <a:t> </a:t>
-            </a:r>
-            <a:r>
-              <a:rPr lang="en" sz="1400"/>
-              <a:t>padroes</a:t>
-            </a:r>
-            <a:r>
-              <a:rPr lang="en" sz="1400">
-                <a:solidFill>
-                  <a:schemeClr val="accent3"/>
-                </a:solidFill>
-              </a:rPr>
-              <a:t>.css</a:t>
-            </a:r>
-            <a:endParaRPr sz="1400">
-              <a:solidFill>
-                <a:schemeClr val="accent3"/>
-              </a:solidFill>
-            </a:endParaRPr>
-          </a:p>
-        </p:txBody>
-      </p:sp>
-      <p:sp>
-        <p:nvSpPr>
-          <p:cNvPr id="673" name="Google Shape;673;p31"/>
-          <p:cNvSpPr txBox="1"/>
-          <p:nvPr>
-            <p:ph idx="4294967295" type="subTitle"/>
-          </p:nvPr>
-        </p:nvSpPr>
-        <p:spPr>
-          <a:xfrm>
-            <a:off x="6857425" y="91525"/>
-            <a:ext cx="2285400" cy="357300"/>
-          </a:xfrm>
-          <a:prstGeom prst="rect">
-            <a:avLst/>
-          </a:prstGeom>
-        </p:spPr>
-        <p:txBody>
-          <a:bodyPr anchorCtr="0" anchor="ctr" bIns="91425" lIns="91425" spcFirstLastPara="1" rIns="91425" wrap="square" tIns="91425">
-            <a:noAutofit/>
-          </a:bodyPr>
-          <a:lstStyle/>
-          <a:p>
-            <a:pPr indent="0" lvl="0" marL="0" rtl="0" algn="ctr">
-              <a:spcBef>
-                <a:spcPts val="0"/>
-              </a:spcBef>
-              <a:spcAft>
-                <a:spcPts val="0"/>
-              </a:spcAft>
-              <a:buNone/>
-            </a:pPr>
-            <a:r>
-              <a:rPr b="1" lang="en" sz="1400">
-                <a:solidFill>
-                  <a:schemeClr val="lt1"/>
-                </a:solidFill>
-                <a:latin typeface="Calibri"/>
-                <a:ea typeface="Calibri"/>
-                <a:cs typeface="Calibri"/>
-                <a:sym typeface="Calibri"/>
-              </a:rPr>
-              <a:t>&lt;&gt; </a:t>
-            </a:r>
-            <a:r>
-              <a:rPr lang="en" sz="1400"/>
-              <a:t>exemplos</a:t>
-            </a:r>
-            <a:r>
-              <a:rPr lang="en" sz="1400">
-                <a:solidFill>
-                  <a:schemeClr val="accent3"/>
-                </a:solidFill>
-              </a:rPr>
-              <a:t>.</a:t>
-            </a:r>
-            <a:r>
-              <a:rPr lang="en" sz="1400"/>
-              <a:t>html</a:t>
-            </a:r>
-            <a:endParaRPr sz="1400">
-              <a:solidFill>
-                <a:schemeClr val="accent3"/>
-              </a:solidFill>
-            </a:endParaRPr>
-          </a:p>
-        </p:txBody>
-      </p:sp>
-      <p:sp>
-        <p:nvSpPr>
-          <p:cNvPr id="674" name="Google Shape;674;p31"/>
-          <p:cNvSpPr txBox="1"/>
-          <p:nvPr>
-            <p:ph idx="4294967295" type="subTitle"/>
-          </p:nvPr>
-        </p:nvSpPr>
-        <p:spPr>
-          <a:xfrm>
             <a:off x="710125" y="4694725"/>
             <a:ext cx="8267400" cy="357300"/>
           </a:xfrm>
@@ -47976,7 +48184,11 @@
               <a:t>        </a:t>
             </a:r>
             <a:r>
-              <a:rPr lang="en"/>
+              <a:rPr lang="en">
+                <a:solidFill>
+                  <a:schemeClr val="accent3"/>
+                </a:solidFill>
+              </a:rPr>
               <a:t>HTML</a:t>
             </a:r>
             <a:r>
@@ -48008,7 +48220,7 @@
   <p:cSld>
     <p:spTree>
       <p:nvGrpSpPr>
-        <p:cNvPr id="678" name="Shape 678"/>
+        <p:cNvPr id="674" name="Shape 674"/>
         <p:cNvGrpSpPr/>
         <p:nvPr/>
       </p:nvGrpSpPr>
@@ -48022,7 +48234,1587 @@
       </p:grpSpPr>
       <p:sp>
         <p:nvSpPr>
+          <p:cNvPr id="675" name="Google Shape;675;p32"/>
+          <p:cNvSpPr txBox="1"/>
+          <p:nvPr>
+            <p:ph type="title"/>
+          </p:nvPr>
+        </p:nvSpPr>
+        <p:spPr>
+          <a:xfrm flipH="1">
+            <a:off x="2054525" y="586975"/>
+            <a:ext cx="3879900" cy="1104600"/>
+          </a:xfrm>
+          <a:prstGeom prst="rect">
+            <a:avLst/>
+          </a:prstGeom>
+        </p:spPr>
+        <p:txBody>
+          <a:bodyPr anchorCtr="0" anchor="ctr" bIns="91425" lIns="91425" spcFirstLastPara="1" rIns="91425" wrap="square" tIns="91425">
+            <a:noAutofit/>
+          </a:bodyPr>
+          <a:lstStyle/>
+          <a:p>
+            <a:pPr indent="0" lvl="0" marL="0" rtl="0" algn="ctr">
+              <a:spcBef>
+                <a:spcPts val="0"/>
+              </a:spcBef>
+              <a:spcAft>
+                <a:spcPts val="0"/>
+              </a:spcAft>
+              <a:buNone/>
+            </a:pPr>
+            <a:r>
+              <a:rPr lang="en" sz="5000"/>
+              <a:t>Exemplo </a:t>
+            </a:r>
+            <a:r>
+              <a:rPr lang="en" sz="5000">
+                <a:solidFill>
+                  <a:schemeClr val="accent6"/>
+                </a:solidFill>
+              </a:rPr>
+              <a:t>{</a:t>
+            </a:r>
+            <a:endParaRPr sz="5000">
+              <a:solidFill>
+                <a:schemeClr val="accent6"/>
+              </a:solidFill>
+            </a:endParaRPr>
+          </a:p>
+        </p:txBody>
+      </p:sp>
+      <p:sp>
+        <p:nvSpPr>
+          <p:cNvPr id="676" name="Google Shape;676;p32"/>
+          <p:cNvSpPr txBox="1"/>
+          <p:nvPr>
+            <p:ph idx="2" type="title"/>
+          </p:nvPr>
+        </p:nvSpPr>
+        <p:spPr>
+          <a:xfrm>
+            <a:off x="2633463" y="2403748"/>
+            <a:ext cx="5377200" cy="535500"/>
+          </a:xfrm>
+          <a:prstGeom prst="rect">
+            <a:avLst/>
+          </a:prstGeom>
+        </p:spPr>
+        <p:txBody>
+          <a:bodyPr anchorCtr="0" anchor="ctr" bIns="91425" lIns="91425" spcFirstLastPara="1" rIns="91425" wrap="square" tIns="91425">
+            <a:noAutofit/>
+          </a:bodyPr>
+          <a:lstStyle/>
+          <a:p>
+            <a:pPr indent="0" lvl="0" marL="0" rtl="0" algn="l">
+              <a:spcBef>
+                <a:spcPts val="0"/>
+              </a:spcBef>
+              <a:spcAft>
+                <a:spcPts val="0"/>
+              </a:spcAft>
+              <a:buNone/>
+            </a:pPr>
+            <a:r>
+              <a:rPr lang="en">
+                <a:solidFill>
+                  <a:schemeClr val="accent6"/>
+                </a:solidFill>
+              </a:rPr>
+              <a:t>[</a:t>
+            </a:r>
+            <a:r>
+              <a:rPr lang="en">
+                <a:solidFill>
+                  <a:schemeClr val="accent1"/>
+                </a:solidFill>
+              </a:rPr>
+              <a:t>Button example</a:t>
+            </a:r>
+            <a:r>
+              <a:rPr lang="en">
+                <a:solidFill>
+                  <a:schemeClr val="accent6"/>
+                </a:solidFill>
+              </a:rPr>
+              <a:t>]</a:t>
+            </a:r>
+            <a:r>
+              <a:rPr lang="en">
+                <a:solidFill>
+                  <a:schemeClr val="accent1"/>
+                </a:solidFill>
+              </a:rPr>
+              <a:t> </a:t>
+            </a:r>
+            <a:endParaRPr>
+              <a:solidFill>
+                <a:schemeClr val="accent3"/>
+              </a:solidFill>
+            </a:endParaRPr>
+          </a:p>
+        </p:txBody>
+      </p:sp>
+      <p:sp>
+        <p:nvSpPr>
+          <p:cNvPr id="677" name="Google Shape;677;p32"/>
+          <p:cNvSpPr txBox="1"/>
+          <p:nvPr>
+            <p:ph idx="1" type="subTitle"/>
+          </p:nvPr>
+        </p:nvSpPr>
+        <p:spPr>
+          <a:xfrm>
+            <a:off x="-4080462" y="1620750"/>
+            <a:ext cx="3960900" cy="783000"/>
+          </a:xfrm>
+          <a:prstGeom prst="rect">
+            <a:avLst/>
+          </a:prstGeom>
+        </p:spPr>
+        <p:txBody>
+          <a:bodyPr anchorCtr="0" anchor="ctr" bIns="91425" lIns="91425" spcFirstLastPara="1" rIns="91425" wrap="square" tIns="91425">
+            <a:noAutofit/>
+          </a:bodyPr>
+          <a:lstStyle/>
+          <a:p>
+            <a:pPr indent="0" lvl="0" marL="0" rtl="0" algn="l">
+              <a:spcBef>
+                <a:spcPts val="0"/>
+              </a:spcBef>
+              <a:spcAft>
+                <a:spcPts val="0"/>
+              </a:spcAft>
+              <a:buNone/>
+            </a:pPr>
+            <a:r>
+              <a:t/>
+            </a:r>
+            <a:endParaRPr/>
+          </a:p>
+        </p:txBody>
+      </p:sp>
+      <p:sp>
+        <p:nvSpPr>
+          <p:cNvPr id="678" name="Google Shape;678;p32"/>
+          <p:cNvSpPr txBox="1"/>
+          <p:nvPr/>
+        </p:nvSpPr>
+        <p:spPr>
+          <a:xfrm>
+            <a:off x="2127375" y="3586575"/>
+            <a:ext cx="506100" cy="783000"/>
+          </a:xfrm>
+          <a:prstGeom prst="rect">
+            <a:avLst/>
+          </a:prstGeom>
+          <a:noFill/>
+          <a:ln>
+            <a:noFill/>
+          </a:ln>
+        </p:spPr>
+        <p:txBody>
+          <a:bodyPr anchorCtr="0" anchor="ctr" bIns="91425" lIns="91425" spcFirstLastPara="1" rIns="91425" wrap="square" tIns="91425">
+            <a:noAutofit/>
+          </a:bodyPr>
+          <a:lstStyle/>
+          <a:p>
+            <a:pPr indent="0" lvl="0" marL="0" rtl="0" algn="l">
+              <a:spcBef>
+                <a:spcPts val="0"/>
+              </a:spcBef>
+              <a:spcAft>
+                <a:spcPts val="0"/>
+              </a:spcAft>
+              <a:buNone/>
+            </a:pPr>
+            <a:r>
+              <a:rPr lang="en" sz="5000">
+                <a:solidFill>
+                  <a:schemeClr val="accent6"/>
+                </a:solidFill>
+                <a:latin typeface="Fira Code"/>
+                <a:ea typeface="Fira Code"/>
+                <a:cs typeface="Fira Code"/>
+                <a:sym typeface="Fira Code"/>
+              </a:rPr>
+              <a:t>}</a:t>
+            </a:r>
+            <a:endParaRPr sz="5000">
+              <a:solidFill>
+                <a:schemeClr val="accent6"/>
+              </a:solidFill>
+              <a:latin typeface="Fira Code"/>
+              <a:ea typeface="Fira Code"/>
+              <a:cs typeface="Fira Code"/>
+              <a:sym typeface="Fira Code"/>
+            </a:endParaRPr>
+          </a:p>
+        </p:txBody>
+      </p:sp>
+      <p:cxnSp>
+        <p:nvCxnSpPr>
           <p:cNvPr id="679" name="Google Shape;679;p32"/>
+          <p:cNvCxnSpPr>
+            <a:endCxn id="678" idx="0"/>
+          </p:cNvCxnSpPr>
+          <p:nvPr/>
+        </p:nvCxnSpPr>
+        <p:spPr>
+          <a:xfrm>
+            <a:off x="2380425" y="1478475"/>
+            <a:ext cx="0" cy="2108100"/>
+          </a:xfrm>
+          <a:prstGeom prst="straightConnector1">
+            <a:avLst/>
+          </a:prstGeom>
+          <a:noFill/>
+          <a:ln cap="flat" cmpd="sng" w="9525">
+            <a:solidFill>
+              <a:schemeClr val="accent4"/>
+            </a:solidFill>
+            <a:prstDash val="solid"/>
+            <a:round/>
+            <a:headEnd len="med" w="med" type="none"/>
+            <a:tailEnd len="med" w="med" type="none"/>
+          </a:ln>
+        </p:spPr>
+      </p:cxnSp>
+      <p:sp>
+        <p:nvSpPr>
+          <p:cNvPr id="680" name="Google Shape;680;p32"/>
+          <p:cNvSpPr txBox="1"/>
+          <p:nvPr>
+            <p:ph idx="4294967295" type="subTitle"/>
+          </p:nvPr>
+        </p:nvSpPr>
+        <p:spPr>
+          <a:xfrm>
+            <a:off x="710125" y="4694725"/>
+            <a:ext cx="4865100" cy="357300"/>
+          </a:xfrm>
+          <a:prstGeom prst="rect">
+            <a:avLst/>
+          </a:prstGeom>
+        </p:spPr>
+        <p:txBody>
+          <a:bodyPr anchorCtr="0" anchor="ctr" bIns="91425" lIns="91425" spcFirstLastPara="1" rIns="91425" wrap="square" tIns="91425">
+            <a:noAutofit/>
+          </a:bodyPr>
+          <a:lstStyle/>
+          <a:p>
+            <a:pPr indent="0" lvl="0" marL="0" rtl="0" algn="l">
+              <a:spcBef>
+                <a:spcPts val="0"/>
+              </a:spcBef>
+              <a:spcAft>
+                <a:spcPts val="0"/>
+              </a:spcAft>
+              <a:buNone/>
+            </a:pPr>
+            <a:r>
+              <a:rPr lang="en" sz="1400">
+                <a:solidFill>
+                  <a:schemeClr val="accent3"/>
+                </a:solidFill>
+              </a:rPr>
+              <a:t>Programming Language</a:t>
+            </a:r>
+            <a:endParaRPr sz="1400">
+              <a:solidFill>
+                <a:schemeClr val="accent3"/>
+              </a:solidFill>
+            </a:endParaRPr>
+          </a:p>
+        </p:txBody>
+      </p:sp>
+      <p:sp>
+        <p:nvSpPr>
+          <p:cNvPr id="681" name="Google Shape;681;p32"/>
+          <p:cNvSpPr txBox="1"/>
+          <p:nvPr>
+            <p:ph idx="4294967295" type="subTitle"/>
+          </p:nvPr>
+        </p:nvSpPr>
+        <p:spPr>
+          <a:xfrm>
+            <a:off x="-5975" y="91525"/>
+            <a:ext cx="4572000" cy="357300"/>
+          </a:xfrm>
+          <a:prstGeom prst="rect">
+            <a:avLst/>
+          </a:prstGeom>
+        </p:spPr>
+        <p:txBody>
+          <a:bodyPr anchorCtr="0" anchor="ctr" bIns="91425" lIns="91425" spcFirstLastPara="1" rIns="91425" wrap="square" tIns="91425">
+            <a:noAutofit/>
+          </a:bodyPr>
+          <a:lstStyle/>
+          <a:p>
+            <a:pPr indent="0" lvl="0" marL="0" rtl="0" algn="ctr">
+              <a:spcBef>
+                <a:spcPts val="0"/>
+              </a:spcBef>
+              <a:spcAft>
+                <a:spcPts val="0"/>
+              </a:spcAft>
+              <a:buNone/>
+            </a:pPr>
+            <a:r>
+              <a:rPr lang="en" sz="1400">
+                <a:solidFill>
+                  <a:schemeClr val="accent3"/>
+                </a:solidFill>
+              </a:rPr>
+              <a:t>forbeginners.html</a:t>
+            </a:r>
+            <a:endParaRPr sz="1400">
+              <a:solidFill>
+                <a:schemeClr val="accent3"/>
+              </a:solidFill>
+            </a:endParaRPr>
+          </a:p>
+        </p:txBody>
+      </p:sp>
+      <p:sp>
+        <p:nvSpPr>
+          <p:cNvPr id="682" name="Google Shape;682;p32"/>
+          <p:cNvSpPr txBox="1"/>
+          <p:nvPr>
+            <p:ph idx="4294967295" type="subTitle"/>
+          </p:nvPr>
+        </p:nvSpPr>
+        <p:spPr>
+          <a:xfrm>
+            <a:off x="4572000" y="91525"/>
+            <a:ext cx="4572000" cy="357300"/>
+          </a:xfrm>
+          <a:prstGeom prst="rect">
+            <a:avLst/>
+          </a:prstGeom>
+        </p:spPr>
+        <p:txBody>
+          <a:bodyPr anchorCtr="0" anchor="ctr" bIns="91425" lIns="91425" spcFirstLastPara="1" rIns="91425" wrap="square" tIns="91425">
+            <a:noAutofit/>
+          </a:bodyPr>
+          <a:lstStyle/>
+          <a:p>
+            <a:pPr indent="0" lvl="0" marL="0" rtl="0" algn="ctr">
+              <a:spcBef>
+                <a:spcPts val="0"/>
+              </a:spcBef>
+              <a:spcAft>
+                <a:spcPts val="0"/>
+              </a:spcAft>
+              <a:buNone/>
+            </a:pPr>
+            <a:r>
+              <a:rPr lang="en" sz="1400">
+                <a:solidFill>
+                  <a:schemeClr val="accent3"/>
+                </a:solidFill>
+              </a:rPr>
+              <a:t>workshop.css</a:t>
+            </a:r>
+            <a:endParaRPr sz="1400">
+              <a:solidFill>
+                <a:schemeClr val="accent3"/>
+              </a:solidFill>
+            </a:endParaRPr>
+          </a:p>
+        </p:txBody>
+      </p:sp>
+      <p:sp>
+        <p:nvSpPr>
+          <p:cNvPr id="683" name="Google Shape;683;p32"/>
+          <p:cNvSpPr/>
+          <p:nvPr/>
+        </p:nvSpPr>
+        <p:spPr>
+          <a:xfrm>
+            <a:off x="-2975" y="0"/>
+            <a:ext cx="2285400" cy="517500"/>
+          </a:xfrm>
+          <a:prstGeom prst="rect">
+            <a:avLst/>
+          </a:prstGeom>
+          <a:solidFill>
+            <a:schemeClr val="accent5"/>
+          </a:solidFill>
+          <a:ln cap="flat" cmpd="sng" w="9525">
+            <a:solidFill>
+              <a:schemeClr val="accent4"/>
+            </a:solidFill>
+            <a:prstDash val="solid"/>
+            <a:round/>
+            <a:headEnd len="sm" w="sm" type="none"/>
+            <a:tailEnd len="sm" w="sm" type="none"/>
+          </a:ln>
+        </p:spPr>
+        <p:txBody>
+          <a:bodyPr anchorCtr="0" anchor="ctr" bIns="91425" lIns="91425" spcFirstLastPara="1" rIns="91425" wrap="square" tIns="91425">
+            <a:noAutofit/>
+          </a:bodyPr>
+          <a:lstStyle/>
+          <a:p>
+            <a:pPr indent="0" lvl="0" marL="0" rtl="0" algn="ctr">
+              <a:spcBef>
+                <a:spcPts val="0"/>
+              </a:spcBef>
+              <a:spcAft>
+                <a:spcPts val="0"/>
+              </a:spcAft>
+              <a:buNone/>
+            </a:pPr>
+            <a:r>
+              <a:t/>
+            </a:r>
+            <a:endParaRPr>
+              <a:latin typeface="Fira Code"/>
+              <a:ea typeface="Fira Code"/>
+              <a:cs typeface="Fira Code"/>
+              <a:sym typeface="Fira Code"/>
+            </a:endParaRPr>
+          </a:p>
+        </p:txBody>
+      </p:sp>
+      <p:sp>
+        <p:nvSpPr>
+          <p:cNvPr id="684" name="Google Shape;684;p32"/>
+          <p:cNvSpPr/>
+          <p:nvPr/>
+        </p:nvSpPr>
+        <p:spPr>
+          <a:xfrm>
+            <a:off x="2289600" y="0"/>
+            <a:ext cx="2285400" cy="517500"/>
+          </a:xfrm>
+          <a:prstGeom prst="rect">
+            <a:avLst/>
+          </a:prstGeom>
+          <a:solidFill>
+            <a:schemeClr val="accent5"/>
+          </a:solidFill>
+          <a:ln cap="flat" cmpd="sng" w="9525">
+            <a:solidFill>
+              <a:schemeClr val="accent4"/>
+            </a:solidFill>
+            <a:prstDash val="solid"/>
+            <a:round/>
+            <a:headEnd len="sm" w="sm" type="none"/>
+            <a:tailEnd len="sm" w="sm" type="none"/>
+          </a:ln>
+        </p:spPr>
+        <p:txBody>
+          <a:bodyPr anchorCtr="0" anchor="ctr" bIns="91425" lIns="91425" spcFirstLastPara="1" rIns="91425" wrap="square" tIns="91425">
+            <a:noAutofit/>
+          </a:bodyPr>
+          <a:lstStyle/>
+          <a:p>
+            <a:pPr indent="0" lvl="0" marL="0" rtl="0" algn="ctr">
+              <a:spcBef>
+                <a:spcPts val="0"/>
+              </a:spcBef>
+              <a:spcAft>
+                <a:spcPts val="0"/>
+              </a:spcAft>
+              <a:buNone/>
+            </a:pPr>
+            <a:r>
+              <a:t/>
+            </a:r>
+            <a:endParaRPr>
+              <a:latin typeface="Fira Code"/>
+              <a:ea typeface="Fira Code"/>
+              <a:cs typeface="Fira Code"/>
+              <a:sym typeface="Fira Code"/>
+            </a:endParaRPr>
+          </a:p>
+        </p:txBody>
+      </p:sp>
+      <p:sp>
+        <p:nvSpPr>
+          <p:cNvPr id="685" name="Google Shape;685;p32"/>
+          <p:cNvSpPr/>
+          <p:nvPr/>
+        </p:nvSpPr>
+        <p:spPr>
+          <a:xfrm>
+            <a:off x="4569025" y="0"/>
+            <a:ext cx="2285400" cy="517500"/>
+          </a:xfrm>
+          <a:prstGeom prst="rect">
+            <a:avLst/>
+          </a:prstGeom>
+          <a:solidFill>
+            <a:schemeClr val="accent5"/>
+          </a:solidFill>
+          <a:ln cap="flat" cmpd="sng" w="9525">
+            <a:solidFill>
+              <a:schemeClr val="accent4"/>
+            </a:solidFill>
+            <a:prstDash val="solid"/>
+            <a:round/>
+            <a:headEnd len="sm" w="sm" type="none"/>
+            <a:tailEnd len="sm" w="sm" type="none"/>
+          </a:ln>
+        </p:spPr>
+        <p:txBody>
+          <a:bodyPr anchorCtr="0" anchor="ctr" bIns="91425" lIns="91425" spcFirstLastPara="1" rIns="91425" wrap="square" tIns="91425">
+            <a:noAutofit/>
+          </a:bodyPr>
+          <a:lstStyle/>
+          <a:p>
+            <a:pPr indent="0" lvl="0" marL="0" rtl="0" algn="ctr">
+              <a:spcBef>
+                <a:spcPts val="0"/>
+              </a:spcBef>
+              <a:spcAft>
+                <a:spcPts val="0"/>
+              </a:spcAft>
+              <a:buNone/>
+            </a:pPr>
+            <a:r>
+              <a:t/>
+            </a:r>
+            <a:endParaRPr>
+              <a:latin typeface="Fira Code"/>
+              <a:ea typeface="Fira Code"/>
+              <a:cs typeface="Fira Code"/>
+              <a:sym typeface="Fira Code"/>
+            </a:endParaRPr>
+          </a:p>
+        </p:txBody>
+      </p:sp>
+      <p:sp>
+        <p:nvSpPr>
+          <p:cNvPr id="686" name="Google Shape;686;p32"/>
+          <p:cNvSpPr/>
+          <p:nvPr/>
+        </p:nvSpPr>
+        <p:spPr>
+          <a:xfrm>
+            <a:off x="6854425" y="0"/>
+            <a:ext cx="2285400" cy="517500"/>
+          </a:xfrm>
+          <a:prstGeom prst="rect">
+            <a:avLst/>
+          </a:prstGeom>
+          <a:solidFill>
+            <a:schemeClr val="accent5"/>
+          </a:solidFill>
+          <a:ln cap="flat" cmpd="sng" w="9525">
+            <a:solidFill>
+              <a:schemeClr val="accent4"/>
+            </a:solidFill>
+            <a:prstDash val="solid"/>
+            <a:round/>
+            <a:headEnd len="sm" w="sm" type="none"/>
+            <a:tailEnd len="sm" w="sm" type="none"/>
+          </a:ln>
+        </p:spPr>
+        <p:txBody>
+          <a:bodyPr anchorCtr="0" anchor="ctr" bIns="91425" lIns="91425" spcFirstLastPara="1" rIns="91425" wrap="square" tIns="91425">
+            <a:noAutofit/>
+          </a:bodyPr>
+          <a:lstStyle/>
+          <a:p>
+            <a:pPr indent="0" lvl="0" marL="0" rtl="0" algn="ctr">
+              <a:spcBef>
+                <a:spcPts val="0"/>
+              </a:spcBef>
+              <a:spcAft>
+                <a:spcPts val="0"/>
+              </a:spcAft>
+              <a:buNone/>
+            </a:pPr>
+            <a:r>
+              <a:t/>
+            </a:r>
+            <a:endParaRPr>
+              <a:latin typeface="Fira Code"/>
+              <a:ea typeface="Fira Code"/>
+              <a:cs typeface="Fira Code"/>
+              <a:sym typeface="Fira Code"/>
+            </a:endParaRPr>
+          </a:p>
+        </p:txBody>
+      </p:sp>
+      <p:sp>
+        <p:nvSpPr>
+          <p:cNvPr id="687" name="Google Shape;687;p32"/>
+          <p:cNvSpPr txBox="1"/>
+          <p:nvPr>
+            <p:ph idx="4294967295" type="subTitle"/>
+          </p:nvPr>
+        </p:nvSpPr>
+        <p:spPr>
+          <a:xfrm>
+            <a:off x="54150" y="80100"/>
+            <a:ext cx="2178300" cy="357300"/>
+          </a:xfrm>
+          <a:prstGeom prst="rect">
+            <a:avLst/>
+          </a:prstGeom>
+        </p:spPr>
+        <p:txBody>
+          <a:bodyPr anchorCtr="0" anchor="ctr" bIns="91425" lIns="91425" spcFirstLastPara="1" rIns="91425" wrap="square" tIns="91425">
+            <a:noAutofit/>
+          </a:bodyPr>
+          <a:lstStyle/>
+          <a:p>
+            <a:pPr indent="0" lvl="0" marL="0" rtl="0" algn="ctr">
+              <a:spcBef>
+                <a:spcPts val="0"/>
+              </a:spcBef>
+              <a:spcAft>
+                <a:spcPts val="0"/>
+              </a:spcAft>
+              <a:buNone/>
+            </a:pPr>
+            <a:r>
+              <a:rPr b="1" lang="en" sz="1400">
+                <a:solidFill>
+                  <a:schemeClr val="dk2"/>
+                </a:solidFill>
+                <a:latin typeface="Lobster"/>
+                <a:ea typeface="Lobster"/>
+                <a:cs typeface="Lobster"/>
+                <a:sym typeface="Lobster"/>
+              </a:rPr>
+              <a:t>#</a:t>
+            </a:r>
+            <a:r>
+              <a:rPr b="1" lang="en" sz="1400">
+                <a:latin typeface="Roboto Mono"/>
+                <a:ea typeface="Roboto Mono"/>
+                <a:cs typeface="Roboto Mono"/>
+                <a:sym typeface="Roboto Mono"/>
+              </a:rPr>
+              <a:t> </a:t>
+            </a:r>
+            <a:r>
+              <a:rPr lang="en" sz="1400"/>
+              <a:t>introducao</a:t>
+            </a:r>
+            <a:r>
+              <a:rPr lang="en" sz="1400">
+                <a:solidFill>
+                  <a:schemeClr val="accent3"/>
+                </a:solidFill>
+              </a:rPr>
+              <a:t>.</a:t>
+            </a:r>
+            <a:r>
+              <a:rPr lang="en" sz="1400"/>
+              <a:t>css</a:t>
+            </a:r>
+            <a:endParaRPr sz="1400">
+              <a:solidFill>
+                <a:schemeClr val="accent3"/>
+              </a:solidFill>
+            </a:endParaRPr>
+          </a:p>
+        </p:txBody>
+      </p:sp>
+      <p:sp>
+        <p:nvSpPr>
+          <p:cNvPr id="688" name="Google Shape;688;p32"/>
+          <p:cNvSpPr txBox="1"/>
+          <p:nvPr>
+            <p:ph idx="4294967295" type="subTitle"/>
+          </p:nvPr>
+        </p:nvSpPr>
+        <p:spPr>
+          <a:xfrm>
+            <a:off x="2286000" y="80100"/>
+            <a:ext cx="2285400" cy="357300"/>
+          </a:xfrm>
+          <a:prstGeom prst="rect">
+            <a:avLst/>
+          </a:prstGeom>
+        </p:spPr>
+        <p:txBody>
+          <a:bodyPr anchorCtr="0" anchor="ctr" bIns="91425" lIns="91425" spcFirstLastPara="1" rIns="91425" wrap="square" tIns="91425">
+            <a:noAutofit/>
+          </a:bodyPr>
+          <a:lstStyle/>
+          <a:p>
+            <a:pPr indent="0" lvl="0" marL="0" rtl="0" algn="ctr">
+              <a:spcBef>
+                <a:spcPts val="0"/>
+              </a:spcBef>
+              <a:spcAft>
+                <a:spcPts val="0"/>
+              </a:spcAft>
+              <a:buNone/>
+            </a:pPr>
+            <a:r>
+              <a:rPr b="1" lang="en" sz="1400">
+                <a:solidFill>
+                  <a:schemeClr val="dk2"/>
+                </a:solidFill>
+                <a:latin typeface="Lobster"/>
+                <a:ea typeface="Lobster"/>
+                <a:cs typeface="Lobster"/>
+                <a:sym typeface="Lobster"/>
+              </a:rPr>
+              <a:t>#</a:t>
+            </a:r>
+            <a:r>
+              <a:rPr b="1" lang="en" sz="1400">
+                <a:latin typeface="Roboto Mono"/>
+                <a:ea typeface="Roboto Mono"/>
+                <a:cs typeface="Roboto Mono"/>
+                <a:sym typeface="Roboto Mono"/>
+              </a:rPr>
+              <a:t> </a:t>
+            </a:r>
+            <a:r>
+              <a:rPr lang="en" sz="1400"/>
+              <a:t>oQueSao</a:t>
+            </a:r>
+            <a:r>
+              <a:rPr lang="en" sz="1400">
+                <a:solidFill>
+                  <a:schemeClr val="accent3"/>
+                </a:solidFill>
+              </a:rPr>
+              <a:t>.css</a:t>
+            </a:r>
+            <a:endParaRPr sz="1400">
+              <a:solidFill>
+                <a:schemeClr val="accent3"/>
+              </a:solidFill>
+            </a:endParaRPr>
+          </a:p>
+        </p:txBody>
+      </p:sp>
+      <p:sp>
+        <p:nvSpPr>
+          <p:cNvPr id="689" name="Google Shape;689;p32"/>
+          <p:cNvSpPr txBox="1"/>
+          <p:nvPr>
+            <p:ph idx="4294967295" type="subTitle"/>
+          </p:nvPr>
+        </p:nvSpPr>
+        <p:spPr>
+          <a:xfrm>
+            <a:off x="4569025" y="80100"/>
+            <a:ext cx="2285400" cy="357300"/>
+          </a:xfrm>
+          <a:prstGeom prst="rect">
+            <a:avLst/>
+          </a:prstGeom>
+        </p:spPr>
+        <p:txBody>
+          <a:bodyPr anchorCtr="0" anchor="ctr" bIns="91425" lIns="91425" spcFirstLastPara="1" rIns="91425" wrap="square" tIns="91425">
+            <a:noAutofit/>
+          </a:bodyPr>
+          <a:lstStyle/>
+          <a:p>
+            <a:pPr indent="0" lvl="0" marL="0" rtl="0" algn="ctr">
+              <a:spcBef>
+                <a:spcPts val="0"/>
+              </a:spcBef>
+              <a:spcAft>
+                <a:spcPts val="0"/>
+              </a:spcAft>
+              <a:buNone/>
+            </a:pPr>
+            <a:r>
+              <a:rPr b="1" lang="en" sz="1400">
+                <a:solidFill>
+                  <a:schemeClr val="dk2"/>
+                </a:solidFill>
+                <a:latin typeface="Lobster"/>
+                <a:ea typeface="Lobster"/>
+                <a:cs typeface="Lobster"/>
+                <a:sym typeface="Lobster"/>
+              </a:rPr>
+              <a:t>#</a:t>
+            </a:r>
+            <a:r>
+              <a:rPr b="1" lang="en" sz="1400">
+                <a:latin typeface="Roboto Mono"/>
+                <a:ea typeface="Roboto Mono"/>
+                <a:cs typeface="Roboto Mono"/>
+                <a:sym typeface="Roboto Mono"/>
+              </a:rPr>
+              <a:t> </a:t>
+            </a:r>
+            <a:r>
+              <a:rPr lang="en" sz="1400"/>
+              <a:t>padroes</a:t>
+            </a:r>
+            <a:r>
+              <a:rPr lang="en" sz="1400">
+                <a:solidFill>
+                  <a:schemeClr val="accent3"/>
+                </a:solidFill>
+              </a:rPr>
+              <a:t>.css</a:t>
+            </a:r>
+            <a:endParaRPr sz="1400">
+              <a:solidFill>
+                <a:schemeClr val="accent3"/>
+              </a:solidFill>
+            </a:endParaRPr>
+          </a:p>
+        </p:txBody>
+      </p:sp>
+      <p:sp>
+        <p:nvSpPr>
+          <p:cNvPr id="690" name="Google Shape;690;p32"/>
+          <p:cNvSpPr txBox="1"/>
+          <p:nvPr>
+            <p:ph idx="4294967295" type="subTitle"/>
+          </p:nvPr>
+        </p:nvSpPr>
+        <p:spPr>
+          <a:xfrm>
+            <a:off x="6854425" y="80100"/>
+            <a:ext cx="2285400" cy="357300"/>
+          </a:xfrm>
+          <a:prstGeom prst="rect">
+            <a:avLst/>
+          </a:prstGeom>
+        </p:spPr>
+        <p:txBody>
+          <a:bodyPr anchorCtr="0" anchor="ctr" bIns="91425" lIns="91425" spcFirstLastPara="1" rIns="91425" wrap="square" tIns="91425">
+            <a:noAutofit/>
+          </a:bodyPr>
+          <a:lstStyle/>
+          <a:p>
+            <a:pPr indent="0" lvl="0" marL="0" rtl="0" algn="ctr">
+              <a:spcBef>
+                <a:spcPts val="0"/>
+              </a:spcBef>
+              <a:spcAft>
+                <a:spcPts val="0"/>
+              </a:spcAft>
+              <a:buNone/>
+            </a:pPr>
+            <a:r>
+              <a:rPr b="1" lang="en" sz="1400">
+                <a:solidFill>
+                  <a:schemeClr val="lt1"/>
+                </a:solidFill>
+                <a:latin typeface="Calibri"/>
+                <a:ea typeface="Calibri"/>
+                <a:cs typeface="Calibri"/>
+                <a:sym typeface="Calibri"/>
+              </a:rPr>
+              <a:t>&lt;&gt; </a:t>
+            </a:r>
+            <a:r>
+              <a:rPr lang="en" sz="1400"/>
+              <a:t>exemplos</a:t>
+            </a:r>
+            <a:r>
+              <a:rPr lang="en" sz="1400">
+                <a:solidFill>
+                  <a:schemeClr val="accent3"/>
+                </a:solidFill>
+              </a:rPr>
+              <a:t>.</a:t>
+            </a:r>
+            <a:r>
+              <a:rPr lang="en" sz="1400"/>
+              <a:t>html</a:t>
+            </a:r>
+            <a:endParaRPr sz="1400">
+              <a:solidFill>
+                <a:schemeClr val="accent3"/>
+              </a:solidFill>
+            </a:endParaRPr>
+          </a:p>
+        </p:txBody>
+      </p:sp>
+      <p:sp>
+        <p:nvSpPr>
+          <p:cNvPr id="691" name="Google Shape;691;p32"/>
+          <p:cNvSpPr txBox="1"/>
+          <p:nvPr>
+            <p:ph idx="4294967295" type="subTitle"/>
+          </p:nvPr>
+        </p:nvSpPr>
+        <p:spPr>
+          <a:xfrm>
+            <a:off x="-5975" y="91525"/>
+            <a:ext cx="4572000" cy="357300"/>
+          </a:xfrm>
+          <a:prstGeom prst="rect">
+            <a:avLst/>
+          </a:prstGeom>
+        </p:spPr>
+        <p:txBody>
+          <a:bodyPr anchorCtr="0" anchor="ctr" bIns="91425" lIns="91425" spcFirstLastPara="1" rIns="91425" wrap="square" tIns="91425">
+            <a:noAutofit/>
+          </a:bodyPr>
+          <a:lstStyle/>
+          <a:p>
+            <a:pPr indent="0" lvl="0" marL="0" rtl="0" algn="ctr">
+              <a:spcBef>
+                <a:spcPts val="0"/>
+              </a:spcBef>
+              <a:spcAft>
+                <a:spcPts val="0"/>
+              </a:spcAft>
+              <a:buNone/>
+            </a:pPr>
+            <a:r>
+              <a:rPr lang="en" sz="1400">
+                <a:solidFill>
+                  <a:schemeClr val="accent3"/>
+                </a:solidFill>
+              </a:rPr>
+              <a:t>forbeginners.html</a:t>
+            </a:r>
+            <a:endParaRPr sz="1400">
+              <a:solidFill>
+                <a:schemeClr val="accent3"/>
+              </a:solidFill>
+            </a:endParaRPr>
+          </a:p>
+        </p:txBody>
+      </p:sp>
+      <p:sp>
+        <p:nvSpPr>
+          <p:cNvPr id="692" name="Google Shape;692;p32"/>
+          <p:cNvSpPr txBox="1"/>
+          <p:nvPr>
+            <p:ph idx="4294967295" type="subTitle"/>
+          </p:nvPr>
+        </p:nvSpPr>
+        <p:spPr>
+          <a:xfrm>
+            <a:off x="4572000" y="91525"/>
+            <a:ext cx="4572000" cy="357300"/>
+          </a:xfrm>
+          <a:prstGeom prst="rect">
+            <a:avLst/>
+          </a:prstGeom>
+        </p:spPr>
+        <p:txBody>
+          <a:bodyPr anchorCtr="0" anchor="ctr" bIns="91425" lIns="91425" spcFirstLastPara="1" rIns="91425" wrap="square" tIns="91425">
+            <a:noAutofit/>
+          </a:bodyPr>
+          <a:lstStyle/>
+          <a:p>
+            <a:pPr indent="0" lvl="0" marL="0" rtl="0" algn="ctr">
+              <a:spcBef>
+                <a:spcPts val="0"/>
+              </a:spcBef>
+              <a:spcAft>
+                <a:spcPts val="1200"/>
+              </a:spcAft>
+              <a:buNone/>
+            </a:pPr>
+            <a:r>
+              <a:rPr lang="en" sz="1400">
+                <a:solidFill>
+                  <a:schemeClr val="accent3"/>
+                </a:solidFill>
+              </a:rPr>
+              <a:t>workshop.css</a:t>
+            </a:r>
+            <a:endParaRPr sz="1400">
+              <a:solidFill>
+                <a:schemeClr val="accent3"/>
+              </a:solidFill>
+            </a:endParaRPr>
+          </a:p>
+        </p:txBody>
+      </p:sp>
+      <p:sp>
+        <p:nvSpPr>
+          <p:cNvPr id="693" name="Google Shape;693;p32"/>
+          <p:cNvSpPr/>
+          <p:nvPr/>
+        </p:nvSpPr>
+        <p:spPr>
+          <a:xfrm>
+            <a:off x="-2975" y="0"/>
+            <a:ext cx="2285400" cy="517500"/>
+          </a:xfrm>
+          <a:prstGeom prst="rect">
+            <a:avLst/>
+          </a:prstGeom>
+          <a:solidFill>
+            <a:schemeClr val="accent5"/>
+          </a:solidFill>
+          <a:ln cap="flat" cmpd="sng" w="9525">
+            <a:solidFill>
+              <a:schemeClr val="accent4"/>
+            </a:solidFill>
+            <a:prstDash val="solid"/>
+            <a:round/>
+            <a:headEnd len="sm" w="sm" type="none"/>
+            <a:tailEnd len="sm" w="sm" type="none"/>
+          </a:ln>
+        </p:spPr>
+        <p:txBody>
+          <a:bodyPr anchorCtr="0" anchor="ctr" bIns="91425" lIns="91425" spcFirstLastPara="1" rIns="91425" wrap="square" tIns="91425">
+            <a:noAutofit/>
+          </a:bodyPr>
+          <a:lstStyle/>
+          <a:p>
+            <a:pPr indent="0" lvl="0" marL="0" rtl="0" algn="ctr">
+              <a:spcBef>
+                <a:spcPts val="0"/>
+              </a:spcBef>
+              <a:spcAft>
+                <a:spcPts val="0"/>
+              </a:spcAft>
+              <a:buNone/>
+            </a:pPr>
+            <a:r>
+              <a:t/>
+            </a:r>
+            <a:endParaRPr>
+              <a:latin typeface="Fira Code"/>
+              <a:ea typeface="Fira Code"/>
+              <a:cs typeface="Fira Code"/>
+              <a:sym typeface="Fira Code"/>
+            </a:endParaRPr>
+          </a:p>
+        </p:txBody>
+      </p:sp>
+      <p:sp>
+        <p:nvSpPr>
+          <p:cNvPr id="694" name="Google Shape;694;p32"/>
+          <p:cNvSpPr/>
+          <p:nvPr/>
+        </p:nvSpPr>
+        <p:spPr>
+          <a:xfrm>
+            <a:off x="2289600" y="0"/>
+            <a:ext cx="2285400" cy="517500"/>
+          </a:xfrm>
+          <a:prstGeom prst="rect">
+            <a:avLst/>
+          </a:prstGeom>
+          <a:solidFill>
+            <a:schemeClr val="accent5"/>
+          </a:solidFill>
+          <a:ln cap="flat" cmpd="sng" w="9525">
+            <a:solidFill>
+              <a:schemeClr val="accent4"/>
+            </a:solidFill>
+            <a:prstDash val="solid"/>
+            <a:round/>
+            <a:headEnd len="sm" w="sm" type="none"/>
+            <a:tailEnd len="sm" w="sm" type="none"/>
+          </a:ln>
+        </p:spPr>
+        <p:txBody>
+          <a:bodyPr anchorCtr="0" anchor="ctr" bIns="91425" lIns="91425" spcFirstLastPara="1" rIns="91425" wrap="square" tIns="91425">
+            <a:noAutofit/>
+          </a:bodyPr>
+          <a:lstStyle/>
+          <a:p>
+            <a:pPr indent="0" lvl="0" marL="0" rtl="0" algn="ctr">
+              <a:spcBef>
+                <a:spcPts val="0"/>
+              </a:spcBef>
+              <a:spcAft>
+                <a:spcPts val="0"/>
+              </a:spcAft>
+              <a:buNone/>
+            </a:pPr>
+            <a:r>
+              <a:t/>
+            </a:r>
+            <a:endParaRPr>
+              <a:latin typeface="Fira Code"/>
+              <a:ea typeface="Fira Code"/>
+              <a:cs typeface="Fira Code"/>
+              <a:sym typeface="Fira Code"/>
+            </a:endParaRPr>
+          </a:p>
+        </p:txBody>
+      </p:sp>
+      <p:sp>
+        <p:nvSpPr>
+          <p:cNvPr id="695" name="Google Shape;695;p32"/>
+          <p:cNvSpPr/>
+          <p:nvPr/>
+        </p:nvSpPr>
+        <p:spPr>
+          <a:xfrm>
+            <a:off x="4569025" y="0"/>
+            <a:ext cx="2285400" cy="517500"/>
+          </a:xfrm>
+          <a:prstGeom prst="rect">
+            <a:avLst/>
+          </a:prstGeom>
+          <a:solidFill>
+            <a:schemeClr val="accent5"/>
+          </a:solidFill>
+          <a:ln cap="flat" cmpd="sng" w="9525">
+            <a:solidFill>
+              <a:schemeClr val="accent4"/>
+            </a:solidFill>
+            <a:prstDash val="solid"/>
+            <a:round/>
+            <a:headEnd len="sm" w="sm" type="none"/>
+            <a:tailEnd len="sm" w="sm" type="none"/>
+          </a:ln>
+        </p:spPr>
+        <p:txBody>
+          <a:bodyPr anchorCtr="0" anchor="ctr" bIns="91425" lIns="91425" spcFirstLastPara="1" rIns="91425" wrap="square" tIns="91425">
+            <a:noAutofit/>
+          </a:bodyPr>
+          <a:lstStyle/>
+          <a:p>
+            <a:pPr indent="0" lvl="0" marL="0" rtl="0" algn="ctr">
+              <a:spcBef>
+                <a:spcPts val="0"/>
+              </a:spcBef>
+              <a:spcAft>
+                <a:spcPts val="0"/>
+              </a:spcAft>
+              <a:buNone/>
+            </a:pPr>
+            <a:r>
+              <a:t/>
+            </a:r>
+            <a:endParaRPr>
+              <a:latin typeface="Fira Code"/>
+              <a:ea typeface="Fira Code"/>
+              <a:cs typeface="Fira Code"/>
+              <a:sym typeface="Fira Code"/>
+            </a:endParaRPr>
+          </a:p>
+        </p:txBody>
+      </p:sp>
+      <p:sp>
+        <p:nvSpPr>
+          <p:cNvPr id="696" name="Google Shape;696;p32"/>
+          <p:cNvSpPr/>
+          <p:nvPr/>
+        </p:nvSpPr>
+        <p:spPr>
+          <a:xfrm>
+            <a:off x="6854425" y="0"/>
+            <a:ext cx="2285400" cy="517500"/>
+          </a:xfrm>
+          <a:prstGeom prst="rect">
+            <a:avLst/>
+          </a:prstGeom>
+          <a:solidFill>
+            <a:schemeClr val="dk1"/>
+          </a:solidFill>
+          <a:ln cap="flat" cmpd="sng" w="9525">
+            <a:solidFill>
+              <a:schemeClr val="accent4"/>
+            </a:solidFill>
+            <a:prstDash val="solid"/>
+            <a:round/>
+            <a:headEnd len="sm" w="sm" type="none"/>
+            <a:tailEnd len="sm" w="sm" type="none"/>
+          </a:ln>
+        </p:spPr>
+        <p:txBody>
+          <a:bodyPr anchorCtr="0" anchor="ctr" bIns="91425" lIns="91425" spcFirstLastPara="1" rIns="91425" wrap="square" tIns="91425">
+            <a:noAutofit/>
+          </a:bodyPr>
+          <a:lstStyle/>
+          <a:p>
+            <a:pPr indent="0" lvl="0" marL="0" rtl="0" algn="ctr">
+              <a:spcBef>
+                <a:spcPts val="0"/>
+              </a:spcBef>
+              <a:spcAft>
+                <a:spcPts val="0"/>
+              </a:spcAft>
+              <a:buNone/>
+            </a:pPr>
+            <a:r>
+              <a:t/>
+            </a:r>
+            <a:endParaRPr>
+              <a:latin typeface="Fira Code"/>
+              <a:ea typeface="Fira Code"/>
+              <a:cs typeface="Fira Code"/>
+              <a:sym typeface="Fira Code"/>
+            </a:endParaRPr>
+          </a:p>
+        </p:txBody>
+      </p:sp>
+      <p:sp>
+        <p:nvSpPr>
+          <p:cNvPr id="697" name="Google Shape;697;p32"/>
+          <p:cNvSpPr txBox="1"/>
+          <p:nvPr>
+            <p:ph idx="4294967295" type="subTitle"/>
+          </p:nvPr>
+        </p:nvSpPr>
+        <p:spPr>
+          <a:xfrm>
+            <a:off x="54150" y="80100"/>
+            <a:ext cx="2178300" cy="357300"/>
+          </a:xfrm>
+          <a:prstGeom prst="rect">
+            <a:avLst/>
+          </a:prstGeom>
+        </p:spPr>
+        <p:txBody>
+          <a:bodyPr anchorCtr="0" anchor="ctr" bIns="91425" lIns="91425" spcFirstLastPara="1" rIns="91425" wrap="square" tIns="91425">
+            <a:noAutofit/>
+          </a:bodyPr>
+          <a:lstStyle/>
+          <a:p>
+            <a:pPr indent="0" lvl="0" marL="0" rtl="0" algn="ctr">
+              <a:spcBef>
+                <a:spcPts val="0"/>
+              </a:spcBef>
+              <a:spcAft>
+                <a:spcPts val="0"/>
+              </a:spcAft>
+              <a:buNone/>
+            </a:pPr>
+            <a:r>
+              <a:rPr b="1" lang="en" sz="1400">
+                <a:solidFill>
+                  <a:schemeClr val="dk2"/>
+                </a:solidFill>
+                <a:latin typeface="Lobster"/>
+                <a:ea typeface="Lobster"/>
+                <a:cs typeface="Lobster"/>
+                <a:sym typeface="Lobster"/>
+              </a:rPr>
+              <a:t>#</a:t>
+            </a:r>
+            <a:r>
+              <a:rPr b="1" lang="en" sz="1400">
+                <a:latin typeface="Roboto Mono"/>
+                <a:ea typeface="Roboto Mono"/>
+                <a:cs typeface="Roboto Mono"/>
+                <a:sym typeface="Roboto Mono"/>
+              </a:rPr>
+              <a:t> </a:t>
+            </a:r>
+            <a:r>
+              <a:rPr lang="en" sz="1400">
+                <a:solidFill>
+                  <a:schemeClr val="accent3"/>
+                </a:solidFill>
+              </a:rPr>
+              <a:t>introducao.css</a:t>
+            </a:r>
+            <a:endParaRPr sz="1400">
+              <a:solidFill>
+                <a:schemeClr val="accent3"/>
+              </a:solidFill>
+            </a:endParaRPr>
+          </a:p>
+        </p:txBody>
+      </p:sp>
+      <p:sp>
+        <p:nvSpPr>
+          <p:cNvPr id="698" name="Google Shape;698;p32"/>
+          <p:cNvSpPr txBox="1"/>
+          <p:nvPr>
+            <p:ph idx="4294967295" type="subTitle"/>
+          </p:nvPr>
+        </p:nvSpPr>
+        <p:spPr>
+          <a:xfrm>
+            <a:off x="2286000" y="80100"/>
+            <a:ext cx="2285400" cy="357300"/>
+          </a:xfrm>
+          <a:prstGeom prst="rect">
+            <a:avLst/>
+          </a:prstGeom>
+        </p:spPr>
+        <p:txBody>
+          <a:bodyPr anchorCtr="0" anchor="ctr" bIns="91425" lIns="91425" spcFirstLastPara="1" rIns="91425" wrap="square" tIns="91425">
+            <a:noAutofit/>
+          </a:bodyPr>
+          <a:lstStyle/>
+          <a:p>
+            <a:pPr indent="0" lvl="0" marL="0" rtl="0" algn="ctr">
+              <a:spcBef>
+                <a:spcPts val="0"/>
+              </a:spcBef>
+              <a:spcAft>
+                <a:spcPts val="0"/>
+              </a:spcAft>
+              <a:buNone/>
+            </a:pPr>
+            <a:r>
+              <a:rPr b="1" lang="en" sz="1400">
+                <a:solidFill>
+                  <a:schemeClr val="dk2"/>
+                </a:solidFill>
+                <a:latin typeface="Lobster"/>
+                <a:ea typeface="Lobster"/>
+                <a:cs typeface="Lobster"/>
+                <a:sym typeface="Lobster"/>
+              </a:rPr>
+              <a:t>#</a:t>
+            </a:r>
+            <a:r>
+              <a:rPr b="1" lang="en" sz="1400">
+                <a:latin typeface="Roboto Mono"/>
+                <a:ea typeface="Roboto Mono"/>
+                <a:cs typeface="Roboto Mono"/>
+                <a:sym typeface="Roboto Mono"/>
+              </a:rPr>
+              <a:t> </a:t>
+            </a:r>
+            <a:r>
+              <a:rPr lang="en" sz="1400">
+                <a:solidFill>
+                  <a:schemeClr val="accent3"/>
+                </a:solidFill>
+              </a:rPr>
+              <a:t>oQueSao.css</a:t>
+            </a:r>
+            <a:endParaRPr sz="1400">
+              <a:solidFill>
+                <a:schemeClr val="accent3"/>
+              </a:solidFill>
+            </a:endParaRPr>
+          </a:p>
+        </p:txBody>
+      </p:sp>
+      <p:sp>
+        <p:nvSpPr>
+          <p:cNvPr id="699" name="Google Shape;699;p32"/>
+          <p:cNvSpPr txBox="1"/>
+          <p:nvPr>
+            <p:ph idx="4294967295" type="subTitle"/>
+          </p:nvPr>
+        </p:nvSpPr>
+        <p:spPr>
+          <a:xfrm>
+            <a:off x="4569025" y="80100"/>
+            <a:ext cx="2285400" cy="357300"/>
+          </a:xfrm>
+          <a:prstGeom prst="rect">
+            <a:avLst/>
+          </a:prstGeom>
+        </p:spPr>
+        <p:txBody>
+          <a:bodyPr anchorCtr="0" anchor="ctr" bIns="91425" lIns="91425" spcFirstLastPara="1" rIns="91425" wrap="square" tIns="91425">
+            <a:noAutofit/>
+          </a:bodyPr>
+          <a:lstStyle/>
+          <a:p>
+            <a:pPr indent="0" lvl="0" marL="0" rtl="0" algn="ctr">
+              <a:spcBef>
+                <a:spcPts val="0"/>
+              </a:spcBef>
+              <a:spcAft>
+                <a:spcPts val="0"/>
+              </a:spcAft>
+              <a:buNone/>
+            </a:pPr>
+            <a:r>
+              <a:rPr b="1" lang="en" sz="1400">
+                <a:solidFill>
+                  <a:schemeClr val="dk2"/>
+                </a:solidFill>
+                <a:latin typeface="Lobster"/>
+                <a:ea typeface="Lobster"/>
+                <a:cs typeface="Lobster"/>
+                <a:sym typeface="Lobster"/>
+              </a:rPr>
+              <a:t>#</a:t>
+            </a:r>
+            <a:r>
+              <a:rPr b="1" lang="en" sz="1400">
+                <a:latin typeface="Roboto Mono"/>
+                <a:ea typeface="Roboto Mono"/>
+                <a:cs typeface="Roboto Mono"/>
+                <a:sym typeface="Roboto Mono"/>
+              </a:rPr>
+              <a:t> </a:t>
+            </a:r>
+            <a:r>
+              <a:rPr lang="en" sz="1400">
+                <a:solidFill>
+                  <a:schemeClr val="accent3"/>
+                </a:solidFill>
+              </a:rPr>
+              <a:t>padroes.css</a:t>
+            </a:r>
+            <a:endParaRPr sz="1400">
+              <a:solidFill>
+                <a:schemeClr val="accent3"/>
+              </a:solidFill>
+            </a:endParaRPr>
+          </a:p>
+        </p:txBody>
+      </p:sp>
+      <p:sp>
+        <p:nvSpPr>
+          <p:cNvPr id="700" name="Google Shape;700;p32"/>
+          <p:cNvSpPr txBox="1"/>
+          <p:nvPr>
+            <p:ph idx="4294967295" type="subTitle"/>
+          </p:nvPr>
+        </p:nvSpPr>
+        <p:spPr>
+          <a:xfrm>
+            <a:off x="6857425" y="91525"/>
+            <a:ext cx="2285400" cy="357300"/>
+          </a:xfrm>
+          <a:prstGeom prst="rect">
+            <a:avLst/>
+          </a:prstGeom>
+        </p:spPr>
+        <p:txBody>
+          <a:bodyPr anchorCtr="0" anchor="ctr" bIns="91425" lIns="91425" spcFirstLastPara="1" rIns="91425" wrap="square" tIns="91425">
+            <a:noAutofit/>
+          </a:bodyPr>
+          <a:lstStyle/>
+          <a:p>
+            <a:pPr indent="0" lvl="0" marL="0" rtl="0" algn="ctr">
+              <a:spcBef>
+                <a:spcPts val="0"/>
+              </a:spcBef>
+              <a:spcAft>
+                <a:spcPts val="0"/>
+              </a:spcAft>
+              <a:buNone/>
+            </a:pPr>
+            <a:r>
+              <a:rPr b="1" lang="en" sz="1400">
+                <a:solidFill>
+                  <a:schemeClr val="lt1"/>
+                </a:solidFill>
+                <a:latin typeface="Calibri"/>
+                <a:ea typeface="Calibri"/>
+                <a:cs typeface="Calibri"/>
+                <a:sym typeface="Calibri"/>
+              </a:rPr>
+              <a:t>&lt;&gt; </a:t>
+            </a:r>
+            <a:r>
+              <a:rPr lang="en" sz="1400">
+                <a:solidFill>
+                  <a:schemeClr val="accent3"/>
+                </a:solidFill>
+              </a:rPr>
+              <a:t>exemplos.html</a:t>
+            </a:r>
+            <a:endParaRPr sz="1400">
+              <a:solidFill>
+                <a:schemeClr val="accent3"/>
+              </a:solidFill>
+            </a:endParaRPr>
+          </a:p>
+        </p:txBody>
+      </p:sp>
+      <p:sp>
+        <p:nvSpPr>
+          <p:cNvPr id="701" name="Google Shape;701;p32"/>
+          <p:cNvSpPr txBox="1"/>
+          <p:nvPr>
+            <p:ph idx="4294967295" type="subTitle"/>
+          </p:nvPr>
+        </p:nvSpPr>
+        <p:spPr>
+          <a:xfrm>
+            <a:off x="710125" y="4694725"/>
+            <a:ext cx="8267400" cy="357300"/>
+          </a:xfrm>
+          <a:prstGeom prst="rect">
+            <a:avLst/>
+          </a:prstGeom>
+        </p:spPr>
+        <p:txBody>
+          <a:bodyPr anchorCtr="0" anchor="ctr" bIns="91425" lIns="91425" spcFirstLastPara="1" rIns="91425" wrap="square" tIns="91425">
+            <a:noAutofit/>
+          </a:bodyPr>
+          <a:lstStyle/>
+          <a:p>
+            <a:pPr indent="0" lvl="0" marL="0" rtl="0" algn="l">
+              <a:spcBef>
+                <a:spcPts val="0"/>
+              </a:spcBef>
+              <a:spcAft>
+                <a:spcPts val="1200"/>
+              </a:spcAft>
+              <a:buNone/>
+            </a:pPr>
+            <a:r>
+              <a:rPr lang="en" sz="1400">
+                <a:solidFill>
+                  <a:schemeClr val="accent3"/>
+                </a:solidFill>
+              </a:rPr>
+              <a:t>Programming Language                                       </a:t>
+            </a:r>
+            <a:r>
+              <a:rPr lang="en" sz="1400"/>
+              <a:t>       </a:t>
+            </a:r>
+            <a:r>
+              <a:rPr lang="en" sz="1400">
+                <a:solidFill>
+                  <a:schemeClr val="accent3"/>
+                </a:solidFill>
+              </a:rPr>
+              <a:t> </a:t>
+            </a:r>
+            <a:r>
+              <a:rPr lang="en">
+                <a:solidFill>
+                  <a:schemeClr val="accent3"/>
+                </a:solidFill>
+              </a:rPr>
+              <a:t>HTML</a:t>
+            </a:r>
+            <a:r>
+              <a:rPr lang="en" sz="1400">
+                <a:solidFill>
+                  <a:schemeClr val="accent3"/>
+                </a:solidFill>
+              </a:rPr>
+              <a:t> 💁‍♂️</a:t>
+            </a:r>
+            <a:endParaRPr sz="1400">
+              <a:solidFill>
+                <a:schemeClr val="accent3"/>
+              </a:solidFill>
+            </a:endParaRPr>
+          </a:p>
+        </p:txBody>
+      </p:sp>
+    </p:spTree>
+  </p:cSld>
+  <p:clrMapOvr>
+    <a:masterClrMapping/>
+  </p:clrMapOvr>
+</p:sld>
+</file>
+
+<file path=ppt/slides/slide9.xml><?xml version="1.0" encoding="utf-8"?>
+<p:sld xmlns:a="http://schemas.openxmlformats.org/drawingml/2006/main" xmlns:r="http://schemas.openxmlformats.org/officeDocument/2006/relationships" xmlns:mc="http://schemas.openxmlformats.org/markup-compatibility/2006" xmlns:mv="urn:schemas-microsoft-com:mac:vml" xmlns:p="http://schemas.openxmlformats.org/presentationml/2006/main" xmlns:c="http://schemas.openxmlformats.org/drawingml/2006/chart" xmlns:dgm="http://schemas.openxmlformats.org/drawingml/2006/diagram" xmlns:o="urn:schemas-microsoft-com:office:office" xmlns:v="urn:schemas-microsoft-com:vml" xmlns:pvml="urn:schemas-microsoft-com:office:powerpoint" xmlns:com="http://schemas.openxmlformats.org/drawingml/2006/compatibility" xmlns:p14="http://schemas.microsoft.com/office/powerpoint/2010/main" xmlns:p15="http://schemas.microsoft.com/office/powerpoint/2012/main" xmlns:ahyp="http://schemas.microsoft.com/office/drawing/2018/hyperlinkcolor">
+  <p:cSld>
+    <p:spTree>
+      <p:nvGrpSpPr>
+        <p:cNvPr id="705" name="Shape 705"/>
+        <p:cNvGrpSpPr/>
+        <p:nvPr/>
+      </p:nvGrpSpPr>
+      <p:grpSpPr>
+        <a:xfrm>
+          <a:off x="0" y="0"/>
+          <a:ext cx="0" cy="0"/>
+          <a:chOff x="0" y="0"/>
+          <a:chExt cx="0" cy="0"/>
+        </a:xfrm>
+      </p:grpSpPr>
+      <p:sp>
+        <p:nvSpPr>
+          <p:cNvPr id="706" name="Google Shape;706;p33"/>
           <p:cNvSpPr txBox="1"/>
           <p:nvPr>
             <p:ph type="title"/>
@@ -48078,7 +49870,7 @@
       </p:sp>
       <p:grpSp>
         <p:nvGrpSpPr>
-          <p:cNvPr id="680" name="Google Shape;680;p32"/>
+          <p:cNvPr id="707" name="Google Shape;707;p33"/>
           <p:cNvGrpSpPr/>
           <p:nvPr/>
         </p:nvGrpSpPr>
@@ -48092,7 +49884,7 @@
         </p:grpSpPr>
         <p:sp>
           <p:nvSpPr>
-            <p:cNvPr id="681" name="Google Shape;681;p32"/>
+            <p:cNvPr id="708" name="Google Shape;708;p33"/>
             <p:cNvSpPr txBox="1"/>
             <p:nvPr/>
           </p:nvSpPr>
@@ -48150,7 +49942,7 @@
         </p:sp>
         <p:cxnSp>
           <p:nvCxnSpPr>
-            <p:cNvPr id="682" name="Google Shape;682;p32"/>
+            <p:cNvPr id="709" name="Google Shape;709;p33"/>
             <p:cNvCxnSpPr/>
             <p:nvPr/>
           </p:nvCxnSpPr>
@@ -48177,7 +49969,7 @@
       </p:grpSp>
       <p:sp>
         <p:nvSpPr>
-          <p:cNvPr id="683" name="Google Shape;683;p32"/>
+          <p:cNvPr id="710" name="Google Shape;710;p33"/>
           <p:cNvSpPr txBox="1"/>
           <p:nvPr>
             <p:ph idx="1" type="subTitle"/>
@@ -48225,7 +50017,7 @@
       </p:sp>
       <p:sp>
         <p:nvSpPr>
-          <p:cNvPr id="684" name="Google Shape;684;p32"/>
+          <p:cNvPr id="711" name="Google Shape;711;p33"/>
           <p:cNvSpPr txBox="1"/>
           <p:nvPr>
             <p:ph idx="1" type="subTitle"/>
@@ -48273,7 +50065,7 @@
       </p:sp>
       <p:sp>
         <p:nvSpPr>
-          <p:cNvPr id="685" name="Google Shape;685;p32"/>
+          <p:cNvPr id="712" name="Google Shape;712;p33"/>
           <p:cNvSpPr txBox="1"/>
           <p:nvPr>
             <p:ph idx="1" type="subTitle"/>
@@ -48321,7 +50113,7 @@
       </p:sp>
       <p:pic>
         <p:nvPicPr>
-          <p:cNvPr id="686" name="Google Shape;686;p32"/>
+          <p:cNvPr id="713" name="Google Shape;713;p33"/>
           <p:cNvPicPr preferRelativeResize="0"/>
           <p:nvPr/>
         </p:nvPicPr>
@@ -48349,7 +50141,7 @@
       </p:pic>
       <p:sp>
         <p:nvSpPr>
-          <p:cNvPr id="687" name="Google Shape;687;p32"/>
+          <p:cNvPr id="714" name="Google Shape;714;p33"/>
           <p:cNvSpPr txBox="1"/>
           <p:nvPr>
             <p:ph idx="4294967295" type="body"/>
@@ -48389,7 +50181,7 @@
       </p:sp>
       <p:sp>
         <p:nvSpPr>
-          <p:cNvPr id="688" name="Google Shape;688;p32"/>
+          <p:cNvPr id="715" name="Google Shape;715;p33"/>
           <p:cNvSpPr txBox="1"/>
           <p:nvPr>
             <p:ph idx="4294967295" type="body"/>
@@ -48429,7 +50221,7 @@
       </p:sp>
       <p:pic>
         <p:nvPicPr>
-          <p:cNvPr id="689" name="Google Shape;689;p32"/>
+          <p:cNvPr id="716" name="Google Shape;716;p33"/>
           <p:cNvPicPr preferRelativeResize="0"/>
           <p:nvPr/>
         </p:nvPicPr>
@@ -48457,7 +50249,7 @@
       </p:pic>
       <p:sp>
         <p:nvSpPr>
-          <p:cNvPr id="690" name="Google Shape;690;p32"/>
+          <p:cNvPr id="717" name="Google Shape;717;p33"/>
           <p:cNvSpPr txBox="1"/>
           <p:nvPr>
             <p:ph idx="4294967295" type="body"/>
@@ -48497,7 +50289,7 @@
       </p:sp>
       <p:pic>
         <p:nvPicPr>
-          <p:cNvPr id="691" name="Google Shape;691;p32"/>
+          <p:cNvPr id="718" name="Google Shape;718;p33"/>
           <p:cNvPicPr preferRelativeResize="0"/>
           <p:nvPr/>
         </p:nvPicPr>
@@ -48525,7 +50317,7 @@
       </p:pic>
       <p:sp>
         <p:nvSpPr>
-          <p:cNvPr id="692" name="Google Shape;692;p32"/>
+          <p:cNvPr id="719" name="Google Shape;719;p33"/>
           <p:cNvSpPr txBox="1"/>
           <p:nvPr>
             <p:ph idx="4294967295" type="body"/>
@@ -48565,7 +50357,7 @@
       </p:sp>
       <p:pic>
         <p:nvPicPr>
-          <p:cNvPr id="693" name="Google Shape;693;p32"/>
+          <p:cNvPr id="720" name="Google Shape;720;p33"/>
           <p:cNvPicPr preferRelativeResize="0"/>
           <p:nvPr/>
         </p:nvPicPr>
@@ -48593,7 +50385,7 @@
       </p:pic>
       <p:pic>
         <p:nvPicPr>
-          <p:cNvPr id="694" name="Google Shape;694;p32"/>
+          <p:cNvPr id="721" name="Google Shape;721;p33"/>
           <p:cNvPicPr preferRelativeResize="0"/>
           <p:nvPr/>
         </p:nvPicPr>
@@ -48621,7 +50413,7 @@
       </p:pic>
       <p:pic>
         <p:nvPicPr>
-          <p:cNvPr id="695" name="Google Shape;695;p32"/>
+          <p:cNvPr id="722" name="Google Shape;722;p33"/>
           <p:cNvPicPr preferRelativeResize="0"/>
           <p:nvPr/>
         </p:nvPicPr>
@@ -48649,7 +50441,7 @@
       </p:pic>
       <p:sp>
         <p:nvSpPr>
-          <p:cNvPr id="696" name="Google Shape;696;p32"/>
+          <p:cNvPr id="723" name="Google Shape;723;p33"/>
           <p:cNvSpPr txBox="1"/>
           <p:nvPr>
             <p:ph idx="4294967295" type="body"/>
@@ -48689,7 +50481,7 @@
       </p:sp>
       <p:sp>
         <p:nvSpPr>
-          <p:cNvPr id="697" name="Google Shape;697;p32"/>
+          <p:cNvPr id="724" name="Google Shape;724;p33"/>
           <p:cNvSpPr txBox="1"/>
           <p:nvPr>
             <p:ph idx="4294967295" type="body"/>
@@ -48729,7 +50521,7 @@
       </p:sp>
       <p:sp>
         <p:nvSpPr>
-          <p:cNvPr id="698" name="Google Shape;698;p32"/>
+          <p:cNvPr id="725" name="Google Shape;725;p33"/>
           <p:cNvSpPr/>
           <p:nvPr/>
         </p:nvSpPr>
@@ -48783,7 +50575,7 @@
       </p:sp>
       <p:sp>
         <p:nvSpPr>
-          <p:cNvPr id="699" name="Google Shape;699;p32"/>
+          <p:cNvPr id="726" name="Google Shape;726;p33"/>
           <p:cNvSpPr/>
           <p:nvPr/>
         </p:nvSpPr>
@@ -48837,7 +50629,7 @@
       </p:sp>
       <p:sp>
         <p:nvSpPr>
-          <p:cNvPr id="700" name="Google Shape;700;p32"/>
+          <p:cNvPr id="727" name="Google Shape;727;p33"/>
           <p:cNvSpPr/>
           <p:nvPr/>
         </p:nvSpPr>
@@ -48891,7 +50683,7 @@
       </p:sp>
       <p:sp>
         <p:nvSpPr>
-          <p:cNvPr id="701" name="Google Shape;701;p32"/>
+          <p:cNvPr id="728" name="Google Shape;728;p33"/>
           <p:cNvSpPr/>
           <p:nvPr/>
         </p:nvSpPr>
@@ -48945,7 +50737,7 @@
       </p:sp>
       <p:sp>
         <p:nvSpPr>
-          <p:cNvPr id="702" name="Google Shape;702;p32"/>
+          <p:cNvPr id="729" name="Google Shape;729;p33"/>
           <p:cNvSpPr txBox="1"/>
           <p:nvPr>
             <p:ph idx="1" type="subTitle"/>
@@ -48997,20 +50789,12 @@
               <a:t> </a:t>
             </a:r>
             <a:r>
-              <a:rPr lang="en" sz="1400"/>
-              <a:t>introducao</a:t>
-            </a:r>
-            <a:r>
               <a:rPr lang="en" sz="1400">
                 <a:solidFill>
                   <a:schemeClr val="accent3"/>
                 </a:solidFill>
               </a:rPr>
-              <a:t>.</a:t>
-            </a:r>
-            <a:r>
-              <a:rPr lang="en" sz="1400"/>
-              <a:t>css</a:t>
+              <a:t>introducao.css</a:t>
             </a:r>
             <a:endParaRPr sz="1400">
               <a:solidFill>
@@ -49022,7 +50806,7 @@
       </p:sp>
       <p:sp>
         <p:nvSpPr>
-          <p:cNvPr id="703" name="Google Shape;703;p32"/>
+          <p:cNvPr id="730" name="Google Shape;730;p33"/>
           <p:cNvSpPr txBox="1"/>
           <p:nvPr>
             <p:ph idx="1" type="subTitle"/>
@@ -49074,16 +50858,12 @@
               <a:t> </a:t>
             </a:r>
             <a:r>
-              <a:rPr lang="en" sz="1400"/>
-              <a:t>oQueSao</a:t>
-            </a:r>
-            <a:r>
               <a:rPr lang="en" sz="1400">
                 <a:solidFill>
                   <a:schemeClr val="accent3"/>
                 </a:solidFill>
               </a:rPr>
-              <a:t>.css</a:t>
+              <a:t>oQueSao.css</a:t>
             </a:r>
             <a:endParaRPr sz="1400">
               <a:solidFill>
@@ -49095,7 +50875,7 @@
       </p:sp>
       <p:sp>
         <p:nvSpPr>
-          <p:cNvPr id="704" name="Google Shape;704;p32"/>
+          <p:cNvPr id="731" name="Google Shape;731;p33"/>
           <p:cNvSpPr txBox="1"/>
           <p:nvPr>
             <p:ph idx="1" type="subTitle"/>
@@ -49147,16 +50927,12 @@
               <a:t> </a:t>
             </a:r>
             <a:r>
-              <a:rPr lang="en" sz="1400"/>
-              <a:t>padroes</a:t>
-            </a:r>
-            <a:r>
               <a:rPr lang="en" sz="1400">
                 <a:solidFill>
                   <a:schemeClr val="accent3"/>
                 </a:solidFill>
               </a:rPr>
-              <a:t>.css</a:t>
+              <a:t>padroes.css</a:t>
             </a:r>
             <a:endParaRPr sz="1400">
               <a:solidFill>
@@ -49168,7 +50944,7 @@
       </p:sp>
       <p:sp>
         <p:nvSpPr>
-          <p:cNvPr id="705" name="Google Shape;705;p32"/>
+          <p:cNvPr id="732" name="Google Shape;732;p33"/>
           <p:cNvSpPr txBox="1"/>
           <p:nvPr>
             <p:ph idx="1" type="subTitle"/>
@@ -49208,11 +50984,19 @@
                 <a:cs typeface="Calibri"/>
                 <a:sym typeface="Calibri"/>
               </a:rPr>
-              <a:t>&lt;&gt; </a:t>
-            </a:r>
-            <a:r>
-              <a:rPr lang="en" sz="1400"/>
-              <a:t>exemplos</a:t>
+              <a:t>&lt;&gt;</a:t>
+            </a:r>
+            <a:r>
+              <a:rPr b="1" lang="en" sz="1400">
+                <a:solidFill>
+                  <a:schemeClr val="accent3"/>
+                </a:solidFill>
+                <a:latin typeface="Calibri"/>
+                <a:ea typeface="Calibri"/>
+                <a:cs typeface="Calibri"/>
+                <a:sym typeface="Calibri"/>
+              </a:rPr>
+              <a:t> </a:t>
             </a:r>
             <a:r>
               <a:rPr lang="en" sz="1400">
@@ -49220,11 +51004,7 @@
                   <a:schemeClr val="accent3"/>
                 </a:solidFill>
               </a:rPr>
-              <a:t>.</a:t>
-            </a:r>
-            <a:r>
-              <a:rPr lang="en" sz="1400"/>
-              <a:t>html</a:t>
+              <a:t>exemplos.html</a:t>
             </a:r>
             <a:endParaRPr sz="1400">
               <a:solidFill>
@@ -49243,6 +51023,285 @@
 </file>
 
 <file path=ppt/theme/theme1.xml><?xml version="1.0" encoding="utf-8"?>
+<a:theme xmlns:a="http://schemas.openxmlformats.org/drawingml/2006/main" xmlns:r="http://schemas.openxmlformats.org/officeDocument/2006/relationships">
+  <a:themeElements>
+    <a:clrScheme name="Default">
+      <a:dk1>
+        <a:srgbClr val="000000"/>
+      </a:dk1>
+      <a:lt1>
+        <a:srgbClr val="FFFFFF"/>
+      </a:lt1>
+      <a:dk2>
+        <a:srgbClr val="158158"/>
+      </a:dk2>
+      <a:lt2>
+        <a:srgbClr val="F3F3F3"/>
+      </a:lt2>
+      <a:accent1>
+        <a:srgbClr val="058DC7"/>
+      </a:accent1>
+      <a:accent2>
+        <a:srgbClr val="50B432"/>
+      </a:accent2>
+      <a:accent3>
+        <a:srgbClr val="ED561B"/>
+      </a:accent3>
+      <a:accent4>
+        <a:srgbClr val="EDEF00"/>
+      </a:accent4>
+      <a:accent5>
+        <a:srgbClr val="24CBE5"/>
+      </a:accent5>
+      <a:accent6>
+        <a:srgbClr val="64E572"/>
+      </a:accent6>
+      <a:hlink>
+        <a:srgbClr val="2200CC"/>
+      </a:hlink>
+      <a:folHlink>
+        <a:srgbClr val="551A8B"/>
+      </a:folHlink>
+    </a:clrScheme>
+    <a:fontScheme name="Office">
+      <a:majorFont>
+        <a:latin typeface="Arial"/>
+        <a:ea typeface=""/>
+        <a:cs typeface=""/>
+        <a:font script="Jpan" typeface="ＭＳ Ｐゴシック"/>
+        <a:font script="Hang" typeface="맑은 고딕"/>
+        <a:font script="Hans" typeface="宋体"/>
+        <a:font script="Hant" typeface="新細明體"/>
+        <a:font script="Arab" typeface="Times New Roman"/>
+        <a:font script="Hebr" typeface="Times New Roman"/>
+        <a:font script="Thai" typeface="Angsana New"/>
+        <a:font script="Ethi" typeface="Nyala"/>
+        <a:font script="Beng" typeface="Vrinda"/>
+        <a:font script="Gujr" typeface="Shruti"/>
+        <a:font script="Khmr" typeface="MoolBoran"/>
+        <a:font script="Knda" typeface="Tunga"/>
+        <a:font script="Guru" typeface="Raavi"/>
+        <a:font script="Cans" typeface="Euphemia"/>
+        <a:font script="Cher" typeface="Plantagenet Cherokee"/>
+        <a:font script="Yiii" typeface="Microsoft Yi Baiti"/>
+        <a:font script="Tibt" typeface="Microsoft Himalaya"/>
+        <a:font script="Thaa" typeface="MV Boli"/>
+        <a:font script="Deva" typeface="Mangal"/>
+        <a:font script="Telu" typeface="Gautami"/>
+        <a:font script="Taml" typeface="Latha"/>
+        <a:font script="Syrc" typeface="Estrangelo Edessa"/>
+        <a:font script="Orya" typeface="Kalinga"/>
+        <a:font script="Mlym" typeface="Kartika"/>
+        <a:font script="Laoo" typeface="DokChampa"/>
+        <a:font script="Sinh" typeface="Iskoola Pota"/>
+        <a:font script="Mong" typeface="Mongolian Baiti"/>
+        <a:font script="Viet" typeface="Times New Roman"/>
+        <a:font script="Uigh" typeface="Microsoft Uighur"/>
+        <a:font script="Geor" typeface="Sylfaen"/>
+      </a:majorFont>
+      <a:minorFont>
+        <a:latin typeface="Arial"/>
+        <a:ea typeface=""/>
+        <a:cs typeface=""/>
+        <a:font script="Jpan" typeface="ＭＳ Ｐゴシック"/>
+        <a:font script="Hang" typeface="맑은 고딕"/>
+        <a:font script="Hans" typeface="宋体"/>
+        <a:font script="Hant" typeface="新細明體"/>
+        <a:font script="Arab" typeface="Arial"/>
+        <a:font script="Hebr" typeface="Arial"/>
+        <a:font script="Thai" typeface="Cordia New"/>
+        <a:font script="Ethi" typeface="Nyala"/>
+        <a:font script="Beng" typeface="Vrinda"/>
+        <a:font script="Gujr" typeface="Shruti"/>
+        <a:font script="Khmr" typeface="DaunPenh"/>
+        <a:font script="Knda" typeface="Tunga"/>
+        <a:font script="Guru" typeface="Raavi"/>
+        <a:font script="Cans" typeface="Euphemia"/>
+        <a:font script="Cher" typeface="Plantagenet Cherokee"/>
+        <a:font script="Yiii" typeface="Microsoft Yi Baiti"/>
+        <a:font script="Tibt" typeface="Microsoft Himalaya"/>
+        <a:font script="Thaa" typeface="MV Boli"/>
+        <a:font script="Deva" typeface="Mangal"/>
+        <a:font script="Telu" typeface="Gautami"/>
+        <a:font script="Taml" typeface="Latha"/>
+        <a:font script="Syrc" typeface="Estrangelo Edessa"/>
+        <a:font script="Orya" typeface="Kalinga"/>
+        <a:font script="Mlym" typeface="Kartika"/>
+        <a:font script="Laoo" typeface="DokChampa"/>
+        <a:font script="Sinh" typeface="Iskoola Pota"/>
+        <a:font script="Mong" typeface="Mongolian Baiti"/>
+        <a:font script="Viet" typeface="Arial"/>
+        <a:font script="Uigh" typeface="Microsoft Uighur"/>
+        <a:font script="Geor" typeface="Sylfaen"/>
+      </a:minorFont>
+    </a:fontScheme>
+    <a:fmtScheme name="Office">
+      <a:fillStyleLst>
+        <a:solidFill>
+          <a:schemeClr val="phClr"/>
+        </a:solidFill>
+        <a:gradFill rotWithShape="1">
+          <a:gsLst>
+            <a:gs pos="0">
+              <a:schemeClr val="phClr">
+                <a:tint val="50000"/>
+                <a:satMod val="300000"/>
+              </a:schemeClr>
+            </a:gs>
+            <a:gs pos="35000">
+              <a:schemeClr val="phClr">
+                <a:tint val="37000"/>
+                <a:satMod val="300000"/>
+              </a:schemeClr>
+            </a:gs>
+            <a:gs pos="100000">
+              <a:schemeClr val="phClr">
+                <a:tint val="15000"/>
+                <a:satMod val="350000"/>
+              </a:schemeClr>
+            </a:gs>
+          </a:gsLst>
+          <a:lin ang="16200000" scaled="1"/>
+        </a:gradFill>
+        <a:gradFill rotWithShape="1">
+          <a:gsLst>
+            <a:gs pos="0">
+              <a:schemeClr val="phClr">
+                <a:tint val="100000"/>
+                <a:shade val="100000"/>
+                <a:satMod val="130000"/>
+              </a:schemeClr>
+            </a:gs>
+            <a:gs pos="100000">
+              <a:schemeClr val="phClr">
+                <a:tint val="50000"/>
+                <a:shade val="100000"/>
+                <a:satMod val="350000"/>
+              </a:schemeClr>
+            </a:gs>
+          </a:gsLst>
+          <a:lin ang="16200000" scaled="0"/>
+        </a:gradFill>
+      </a:fillStyleLst>
+      <a:lnStyleLst>
+        <a:ln w="9525" cap="flat" cmpd="sng" algn="ctr">
+          <a:solidFill>
+            <a:schemeClr val="phClr">
+              <a:shade val="95000"/>
+              <a:satMod val="105000"/>
+            </a:schemeClr>
+          </a:solidFill>
+          <a:prstDash val="solid"/>
+        </a:ln>
+        <a:ln w="25400" cap="flat" cmpd="sng" algn="ctr">
+          <a:solidFill>
+            <a:schemeClr val="phClr"/>
+          </a:solidFill>
+          <a:prstDash val="solid"/>
+        </a:ln>
+        <a:ln w="38100" cap="flat" cmpd="sng" algn="ctr">
+          <a:solidFill>
+            <a:schemeClr val="phClr"/>
+          </a:solidFill>
+          <a:prstDash val="solid"/>
+        </a:ln>
+      </a:lnStyleLst>
+      <a:effectStyleLst>
+        <a:effectStyle>
+          <a:effectLst>
+            <a:outerShdw blurRad="40000" dist="20000" dir="5400000" rotWithShape="0">
+              <a:srgbClr val="000000">
+                <a:alpha val="38000"/>
+              </a:srgbClr>
+            </a:outerShdw>
+          </a:effectLst>
+        </a:effectStyle>
+        <a:effectStyle>
+          <a:effectLst>
+            <a:outerShdw blurRad="40000" dist="23000" dir="5400000" rotWithShape="0">
+              <a:srgbClr val="000000">
+                <a:alpha val="35000"/>
+              </a:srgbClr>
+            </a:outerShdw>
+          </a:effectLst>
+        </a:effectStyle>
+        <a:effectStyle>
+          <a:effectLst>
+            <a:outerShdw blurRad="40000" dist="23000" dir="5400000" rotWithShape="0">
+              <a:srgbClr val="000000">
+                <a:alpha val="35000"/>
+              </a:srgbClr>
+            </a:outerShdw>
+          </a:effectLst>
+          <a:scene3d>
+            <a:camera prst="orthographicFront">
+              <a:rot lat="0" lon="0" rev="0"/>
+            </a:camera>
+            <a:lightRig rig="threePt" dir="t">
+              <a:rot lat="0" lon="0" rev="1200000"/>
+            </a:lightRig>
+          </a:scene3d>
+          <a:sp3d>
+            <a:bevelT w="63500" h="25400"/>
+          </a:sp3d>
+        </a:effectStyle>
+      </a:effectStyleLst>
+      <a:bgFillStyleLst>
+        <a:solidFill>
+          <a:schemeClr val="phClr"/>
+        </a:solidFill>
+        <a:gradFill rotWithShape="1">
+          <a:gsLst>
+            <a:gs pos="0">
+              <a:schemeClr val="phClr">
+                <a:tint val="40000"/>
+                <a:satMod val="350000"/>
+              </a:schemeClr>
+            </a:gs>
+            <a:gs pos="40000">
+              <a:schemeClr val="phClr">
+                <a:tint val="45000"/>
+                <a:shade val="99000"/>
+                <a:satMod val="350000"/>
+              </a:schemeClr>
+            </a:gs>
+            <a:gs pos="100000">
+              <a:schemeClr val="phClr">
+                <a:shade val="20000"/>
+                <a:satMod val="255000"/>
+              </a:schemeClr>
+            </a:gs>
+          </a:gsLst>
+          <a:path path="circle">
+            <a:fillToRect l="50000" t="-80000" r="50000" b="180000"/>
+          </a:path>
+        </a:gradFill>
+        <a:gradFill rotWithShape="1">
+          <a:gsLst>
+            <a:gs pos="0">
+              <a:schemeClr val="phClr">
+                <a:tint val="80000"/>
+                <a:satMod val="300000"/>
+              </a:schemeClr>
+            </a:gs>
+            <a:gs pos="100000">
+              <a:schemeClr val="phClr">
+                <a:shade val="30000"/>
+                <a:satMod val="200000"/>
+              </a:schemeClr>
+            </a:gs>
+          </a:gsLst>
+          <a:path path="circle">
+            <a:fillToRect l="50000" t="50000" r="50000" b="50000"/>
+          </a:path>
+        </a:gradFill>
+      </a:bgFillStyleLst>
+    </a:fmtScheme>
+  </a:themeElements>
+</a:theme>
+</file>
+
+<file path=ppt/theme/theme2.xml><?xml version="1.0" encoding="utf-8"?>
 <a:theme xmlns:a="http://schemas.openxmlformats.org/drawingml/2006/main" xmlns:r="http://schemas.openxmlformats.org/officeDocument/2006/relationships" name="Programming Language Workshop for Beginners by Slidesgo">
   <a:themeElements>
     <a:clrScheme name="Simple Light">
@@ -49519,283 +51578,4 @@
     </a:fmtScheme>
   </a:themeElements>
 </a:theme>
-</file>
-
-<file path=ppt/theme/theme2.xml><?xml version="1.0" encoding="utf-8"?>
-<a:theme xmlns:a="http://schemas.openxmlformats.org/drawingml/2006/main" xmlns:r="http://schemas.openxmlformats.org/officeDocument/2006/relationships">
-  <a:themeElements>
-    <a:clrScheme name="Default">
-      <a:dk1>
-        <a:srgbClr val="000000"/>
-      </a:dk1>
-      <a:lt1>
-        <a:srgbClr val="FFFFFF"/>
-      </a:lt1>
-      <a:dk2>
-        <a:srgbClr val="158158"/>
-      </a:dk2>
-      <a:lt2>
-        <a:srgbClr val="F3F3F3"/>
-      </a:lt2>
-      <a:accent1>
-        <a:srgbClr val="058DC7"/>
-      </a:accent1>
-      <a:accent2>
-        <a:srgbClr val="50B432"/>
-      </a:accent2>
-      <a:accent3>
-        <a:srgbClr val="ED561B"/>
-      </a:accent3>
-      <a:accent4>
-        <a:srgbClr val="EDEF00"/>
-      </a:accent4>
-      <a:accent5>
-        <a:srgbClr val="24CBE5"/>
-      </a:accent5>
-      <a:accent6>
-        <a:srgbClr val="64E572"/>
-      </a:accent6>
-      <a:hlink>
-        <a:srgbClr val="2200CC"/>
-      </a:hlink>
-      <a:folHlink>
-        <a:srgbClr val="551A8B"/>
-      </a:folHlink>
-    </a:clrScheme>
-    <a:fontScheme name="Office">
-      <a:majorFont>
-        <a:latin typeface="Arial"/>
-        <a:ea typeface=""/>
-        <a:cs typeface=""/>
-        <a:font script="Jpan" typeface="ＭＳ Ｐゴシック"/>
-        <a:font script="Hang" typeface="맑은 고딕"/>
-        <a:font script="Hans" typeface="宋体"/>
-        <a:font script="Hant" typeface="新細明體"/>
-        <a:font script="Arab" typeface="Times New Roman"/>
-        <a:font script="Hebr" typeface="Times New Roman"/>
-        <a:font script="Thai" typeface="Angsana New"/>
-        <a:font script="Ethi" typeface="Nyala"/>
-        <a:font script="Beng" typeface="Vrinda"/>
-        <a:font script="Gujr" typeface="Shruti"/>
-        <a:font script="Khmr" typeface="MoolBoran"/>
-        <a:font script="Knda" typeface="Tunga"/>
-        <a:font script="Guru" typeface="Raavi"/>
-        <a:font script="Cans" typeface="Euphemia"/>
-        <a:font script="Cher" typeface="Plantagenet Cherokee"/>
-        <a:font script="Yiii" typeface="Microsoft Yi Baiti"/>
-        <a:font script="Tibt" typeface="Microsoft Himalaya"/>
-        <a:font script="Thaa" typeface="MV Boli"/>
-        <a:font script="Deva" typeface="Mangal"/>
-        <a:font script="Telu" typeface="Gautami"/>
-        <a:font script="Taml" typeface="Latha"/>
-        <a:font script="Syrc" typeface="Estrangelo Edessa"/>
-        <a:font script="Orya" typeface="Kalinga"/>
-        <a:font script="Mlym" typeface="Kartika"/>
-        <a:font script="Laoo" typeface="DokChampa"/>
-        <a:font script="Sinh" typeface="Iskoola Pota"/>
-        <a:font script="Mong" typeface="Mongolian Baiti"/>
-        <a:font script="Viet" typeface="Times New Roman"/>
-        <a:font script="Uigh" typeface="Microsoft Uighur"/>
-        <a:font script="Geor" typeface="Sylfaen"/>
-      </a:majorFont>
-      <a:minorFont>
-        <a:latin typeface="Arial"/>
-        <a:ea typeface=""/>
-        <a:cs typeface=""/>
-        <a:font script="Jpan" typeface="ＭＳ Ｐゴシック"/>
-        <a:font script="Hang" typeface="맑은 고딕"/>
-        <a:font script="Hans" typeface="宋体"/>
-        <a:font script="Hant" typeface="新細明體"/>
-        <a:font script="Arab" typeface="Arial"/>
-        <a:font script="Hebr" typeface="Arial"/>
-        <a:font script="Thai" typeface="Cordia New"/>
-        <a:font script="Ethi" typeface="Nyala"/>
-        <a:font script="Beng" typeface="Vrinda"/>
-        <a:font script="Gujr" typeface="Shruti"/>
-        <a:font script="Khmr" typeface="DaunPenh"/>
-        <a:font script="Knda" typeface="Tunga"/>
-        <a:font script="Guru" typeface="Raavi"/>
-        <a:font script="Cans" typeface="Euphemia"/>
-        <a:font script="Cher" typeface="Plantagenet Cherokee"/>
-        <a:font script="Yiii" typeface="Microsoft Yi Baiti"/>
-        <a:font script="Tibt" typeface="Microsoft Himalaya"/>
-        <a:font script="Thaa" typeface="MV Boli"/>
-        <a:font script="Deva" typeface="Mangal"/>
-        <a:font script="Telu" typeface="Gautami"/>
-        <a:font script="Taml" typeface="Latha"/>
-        <a:font script="Syrc" typeface="Estrangelo Edessa"/>
-        <a:font script="Orya" typeface="Kalinga"/>
-        <a:font script="Mlym" typeface="Kartika"/>
-        <a:font script="Laoo" typeface="DokChampa"/>
-        <a:font script="Sinh" typeface="Iskoola Pota"/>
-        <a:font script="Mong" typeface="Mongolian Baiti"/>
-        <a:font script="Viet" typeface="Arial"/>
-        <a:font script="Uigh" typeface="Microsoft Uighur"/>
-        <a:font script="Geor" typeface="Sylfaen"/>
-      </a:minorFont>
-    </a:fontScheme>
-    <a:fmtScheme name="Office">
-      <a:fillStyleLst>
-        <a:solidFill>
-          <a:schemeClr val="phClr"/>
-        </a:solidFill>
-        <a:gradFill rotWithShape="1">
-          <a:gsLst>
-            <a:gs pos="0">
-              <a:schemeClr val="phClr">
-                <a:tint val="50000"/>
-                <a:satMod val="300000"/>
-              </a:schemeClr>
-            </a:gs>
-            <a:gs pos="35000">
-              <a:schemeClr val="phClr">
-                <a:tint val="37000"/>
-                <a:satMod val="300000"/>
-              </a:schemeClr>
-            </a:gs>
-            <a:gs pos="100000">
-              <a:schemeClr val="phClr">
-                <a:tint val="15000"/>
-                <a:satMod val="350000"/>
-              </a:schemeClr>
-            </a:gs>
-          </a:gsLst>
-          <a:lin ang="16200000" scaled="1"/>
-        </a:gradFill>
-        <a:gradFill rotWithShape="1">
-          <a:gsLst>
-            <a:gs pos="0">
-              <a:schemeClr val="phClr">
-                <a:tint val="100000"/>
-                <a:shade val="100000"/>
-                <a:satMod val="130000"/>
-              </a:schemeClr>
-            </a:gs>
-            <a:gs pos="100000">
-              <a:schemeClr val="phClr">
-                <a:tint val="50000"/>
-                <a:shade val="100000"/>
-                <a:satMod val="350000"/>
-              </a:schemeClr>
-            </a:gs>
-          </a:gsLst>
-          <a:lin ang="16200000" scaled="0"/>
-        </a:gradFill>
-      </a:fillStyleLst>
-      <a:lnStyleLst>
-        <a:ln w="9525" cap="flat" cmpd="sng" algn="ctr">
-          <a:solidFill>
-            <a:schemeClr val="phClr">
-              <a:shade val="95000"/>
-              <a:satMod val="105000"/>
-            </a:schemeClr>
-          </a:solidFill>
-          <a:prstDash val="solid"/>
-        </a:ln>
-        <a:ln w="25400" cap="flat" cmpd="sng" algn="ctr">
-          <a:solidFill>
-            <a:schemeClr val="phClr"/>
-          </a:solidFill>
-          <a:prstDash val="solid"/>
-        </a:ln>
-        <a:ln w="38100" cap="flat" cmpd="sng" algn="ctr">
-          <a:solidFill>
-            <a:schemeClr val="phClr"/>
-          </a:solidFill>
-          <a:prstDash val="solid"/>
-        </a:ln>
-      </a:lnStyleLst>
-      <a:effectStyleLst>
-        <a:effectStyle>
-          <a:effectLst>
-            <a:outerShdw blurRad="40000" dist="20000" dir="5400000" rotWithShape="0">
-              <a:srgbClr val="000000">
-                <a:alpha val="38000"/>
-              </a:srgbClr>
-            </a:outerShdw>
-          </a:effectLst>
-        </a:effectStyle>
-        <a:effectStyle>
-          <a:effectLst>
-            <a:outerShdw blurRad="40000" dist="23000" dir="5400000" rotWithShape="0">
-              <a:srgbClr val="000000">
-                <a:alpha val="35000"/>
-              </a:srgbClr>
-            </a:outerShdw>
-          </a:effectLst>
-        </a:effectStyle>
-        <a:effectStyle>
-          <a:effectLst>
-            <a:outerShdw blurRad="40000" dist="23000" dir="5400000" rotWithShape="0">
-              <a:srgbClr val="000000">
-                <a:alpha val="35000"/>
-              </a:srgbClr>
-            </a:outerShdw>
-          </a:effectLst>
-          <a:scene3d>
-            <a:camera prst="orthographicFront">
-              <a:rot lat="0" lon="0" rev="0"/>
-            </a:camera>
-            <a:lightRig rig="threePt" dir="t">
-              <a:rot lat="0" lon="0" rev="1200000"/>
-            </a:lightRig>
-          </a:scene3d>
-          <a:sp3d>
-            <a:bevelT w="63500" h="25400"/>
-          </a:sp3d>
-        </a:effectStyle>
-      </a:effectStyleLst>
-      <a:bgFillStyleLst>
-        <a:solidFill>
-          <a:schemeClr val="phClr"/>
-        </a:solidFill>
-        <a:gradFill rotWithShape="1">
-          <a:gsLst>
-            <a:gs pos="0">
-              <a:schemeClr val="phClr">
-                <a:tint val="40000"/>
-                <a:satMod val="350000"/>
-              </a:schemeClr>
-            </a:gs>
-            <a:gs pos="40000">
-              <a:schemeClr val="phClr">
-                <a:tint val="45000"/>
-                <a:shade val="99000"/>
-                <a:satMod val="350000"/>
-              </a:schemeClr>
-            </a:gs>
-            <a:gs pos="100000">
-              <a:schemeClr val="phClr">
-                <a:shade val="20000"/>
-                <a:satMod val="255000"/>
-              </a:schemeClr>
-            </a:gs>
-          </a:gsLst>
-          <a:path path="circle">
-            <a:fillToRect l="50000" t="-80000" r="50000" b="180000"/>
-          </a:path>
-        </a:gradFill>
-        <a:gradFill rotWithShape="1">
-          <a:gsLst>
-            <a:gs pos="0">
-              <a:schemeClr val="phClr">
-                <a:tint val="80000"/>
-                <a:satMod val="300000"/>
-              </a:schemeClr>
-            </a:gs>
-            <a:gs pos="100000">
-              <a:schemeClr val="phClr">
-                <a:shade val="30000"/>
-                <a:satMod val="200000"/>
-              </a:schemeClr>
-            </a:gs>
-          </a:gsLst>
-          <a:path path="circle">
-            <a:fillToRect l="50000" t="50000" r="50000" b="50000"/>
-          </a:path>
-        </a:gradFill>
-      </a:bgFillStyleLst>
-    </a:fmtScheme>
-  </a:themeElements>
-</a:theme>
 </file>